--- a/FINAL_presentation_iphone_galaxy.pptx
+++ b/FINAL_presentation_iphone_galaxy.pptx
@@ -5,10 +5,10 @@
     <p:sldMasterId id="2147483648" r:id="rId1"/>
   </p:sldMasterIdLst>
   <p:notesMasterIdLst>
-    <p:notesMasterId r:id="rId9"/>
+    <p:notesMasterId r:id="rId15"/>
   </p:notesMasterIdLst>
   <p:handoutMasterIdLst>
-    <p:handoutMasterId r:id="rId10"/>
+    <p:handoutMasterId r:id="rId16"/>
   </p:handoutMasterIdLst>
   <p:sldIdLst>
     <p:sldId id="257" r:id="rId2"/>
@@ -18,6 +18,12 @@
     <p:sldId id="274" r:id="rId6"/>
     <p:sldId id="275" r:id="rId7"/>
     <p:sldId id="276" r:id="rId8"/>
+    <p:sldId id="277" r:id="rId9"/>
+    <p:sldId id="278" r:id="rId10"/>
+    <p:sldId id="279" r:id="rId11"/>
+    <p:sldId id="280" r:id="rId12"/>
+    <p:sldId id="281" r:id="rId13"/>
+    <p:sldId id="282" r:id="rId14"/>
   </p:sldIdLst>
   <p:sldSz cx="12192000" cy="6858000"/>
   <p:notesSz cx="7023100" cy="9309100"/>
@@ -124,6 +130,10 @@
 </p:presentation>
 </file>
 
+<file path=ppt/revisionInfo.xml><?xml version="1.0" encoding="utf-8"?>
+<p1510:revInfo xmlns:a="http://schemas.openxmlformats.org/drawingml/2006/main" xmlns:r="http://schemas.openxmlformats.org/officeDocument/2006/relationships" xmlns:p1510="http://schemas.microsoft.com/office/powerpoint/2015/10/main"/>
+</file>
+
 <file path=ppt/handoutMasters/handoutMaster1.xml><?xml version="1.0" encoding="utf-8"?>
 <p:handoutMaster xmlns:a="http://schemas.openxmlformats.org/drawingml/2006/main" xmlns:r="http://schemas.openxmlformats.org/officeDocument/2006/relationships" xmlns:p="http://schemas.openxmlformats.org/presentationml/2006/main">
   <p:cSld>
@@ -206,7 +216,7 @@
           <a:p>
             <a:fld id="{2BCAFC7A-71DD-4C2C-B63D-60FDC7DD5449}" type="datetimeFigureOut">
               <a:rPr lang="en-US" smtClean="0"/>
-              <a:t>5/2/2018</a:t>
+              <a:t>5/3/2018</a:t>
             </a:fld>
             <a:endParaRPr lang="en-US"/>
           </a:p>
@@ -371,7 +381,7 @@
           <a:p>
             <a:fld id="{D85ECAFD-F005-4163-B10D-85806DC43F93}" type="datetimeFigureOut">
               <a:rPr lang="en-US" smtClean="0"/>
-              <a:t>5/2/2018</a:t>
+              <a:t>5/3/2018</a:t>
             </a:fld>
             <a:endParaRPr lang="en-US"/>
           </a:p>
@@ -996,7 +1006,7 @@
           <a:p>
             <a:fld id="{4AAD347D-5ACD-4C99-B74B-A9C85AD731AF}" type="datetimeFigureOut">
               <a:rPr lang="en-US" smtClean="0"/>
-              <a:t>5/2/2018</a:t>
+              <a:t>5/3/2018</a:t>
             </a:fld>
             <a:endParaRPr lang="en-US"/>
           </a:p>
@@ -1268,7 +1278,7 @@
           <a:p>
             <a:fld id="{4509A250-FF31-4206-8172-F9D3106AACB1}" type="datetimeFigureOut">
               <a:rPr lang="en-US" smtClean="0"/>
-              <a:t>5/2/2018</a:t>
+              <a:t>5/3/2018</a:t>
             </a:fld>
             <a:endParaRPr lang="en-US" dirty="0"/>
           </a:p>
@@ -1459,7 +1469,7 @@
           <a:p>
             <a:fld id="{4509A250-FF31-4206-8172-F9D3106AACB1}" type="datetimeFigureOut">
               <a:rPr lang="en-US" smtClean="0"/>
-              <a:t>5/2/2018</a:t>
+              <a:t>5/3/2018</a:t>
             </a:fld>
             <a:endParaRPr lang="en-US" dirty="0"/>
           </a:p>
@@ -1791,7 +1801,7 @@
           <a:p>
             <a:fld id="{4509A250-FF31-4206-8172-F9D3106AACB1}" type="datetimeFigureOut">
               <a:rPr lang="en-US" smtClean="0"/>
-              <a:t>5/2/2018</a:t>
+              <a:t>5/3/2018</a:t>
             </a:fld>
             <a:endParaRPr lang="en-US" dirty="0"/>
           </a:p>
@@ -2036,7 +2046,7 @@
           <a:p>
             <a:fld id="{4509A250-FF31-4206-8172-F9D3106AACB1}" type="datetimeFigureOut">
               <a:rPr lang="en-US" smtClean="0"/>
-              <a:t>5/2/2018</a:t>
+              <a:t>5/3/2018</a:t>
             </a:fld>
             <a:endParaRPr lang="en-US" dirty="0"/>
           </a:p>
@@ -2331,7 +2341,7 @@
           <a:p>
             <a:fld id="{4509A250-FF31-4206-8172-F9D3106AACB1}" type="datetimeFigureOut">
               <a:rPr lang="en-US" smtClean="0"/>
-              <a:t>5/2/2018</a:t>
+              <a:t>5/3/2018</a:t>
             </a:fld>
             <a:endParaRPr lang="en-US" dirty="0"/>
           </a:p>
@@ -2599,7 +2609,7 @@
           <a:p>
             <a:fld id="{4509A250-FF31-4206-8172-F9D3106AACB1}" type="datetimeFigureOut">
               <a:rPr lang="en-US" smtClean="0"/>
-              <a:t>5/2/2018</a:t>
+              <a:t>5/3/2018</a:t>
             </a:fld>
             <a:endParaRPr lang="en-US" dirty="0"/>
           </a:p>
@@ -3220,7 +3230,7 @@
           <a:p>
             <a:fld id="{4509A250-FF31-4206-8172-F9D3106AACB1}" type="datetimeFigureOut">
               <a:rPr lang="en-US" smtClean="0"/>
-              <a:t>5/2/2018</a:t>
+              <a:t>5/3/2018</a:t>
             </a:fld>
             <a:endParaRPr lang="en-US" dirty="0"/>
           </a:p>
@@ -4077,7 +4087,7 @@
           <a:p>
             <a:fld id="{4509A250-FF31-4206-8172-F9D3106AACB1}" type="datetimeFigureOut">
               <a:rPr lang="en-US" smtClean="0"/>
-              <a:t>5/2/2018</a:t>
+              <a:t>5/3/2018</a:t>
             </a:fld>
             <a:endParaRPr lang="en-US" dirty="0"/>
           </a:p>
@@ -4244,7 +4254,7 @@
           <a:p>
             <a:fld id="{4509A250-FF31-4206-8172-F9D3106AACB1}" type="datetimeFigureOut">
               <a:rPr lang="en-US" smtClean="0"/>
-              <a:t>5/2/2018</a:t>
+              <a:t>5/3/2018</a:t>
             </a:fld>
             <a:endParaRPr lang="en-US" dirty="0"/>
           </a:p>
@@ -4421,7 +4431,7 @@
           <a:p>
             <a:fld id="{4509A250-FF31-4206-8172-F9D3106AACB1}" type="datetimeFigureOut">
               <a:rPr lang="en-US" smtClean="0"/>
-              <a:t>5/2/2018</a:t>
+              <a:t>5/3/2018</a:t>
             </a:fld>
             <a:endParaRPr lang="en-US" dirty="0"/>
           </a:p>
@@ -4588,7 +4598,7 @@
           <a:p>
             <a:fld id="{4509A250-FF31-4206-8172-F9D3106AACB1}" type="datetimeFigureOut">
               <a:rPr lang="en-US" smtClean="0"/>
-              <a:t>5/2/2018</a:t>
+              <a:t>5/3/2018</a:t>
             </a:fld>
             <a:endParaRPr lang="en-US" dirty="0"/>
           </a:p>
@@ -4833,7 +4843,7 @@
           <a:p>
             <a:fld id="{9796027F-7875-4030-9381-8BD8C4F21935}" type="datetimeFigureOut">
               <a:rPr lang="en-US" smtClean="0"/>
-              <a:t>5/2/2018</a:t>
+              <a:t>5/3/2018</a:t>
             </a:fld>
             <a:endParaRPr lang="en-US"/>
           </a:p>
@@ -5120,7 +5130,7 @@
           <a:p>
             <a:fld id="{9796027F-7875-4030-9381-8BD8C4F21935}" type="datetimeFigureOut">
               <a:rPr lang="en-US" smtClean="0"/>
-              <a:t>5/2/2018</a:t>
+              <a:t>5/3/2018</a:t>
             </a:fld>
             <a:endParaRPr lang="en-US"/>
           </a:p>
@@ -5559,7 +5569,7 @@
           <a:p>
             <a:fld id="{9796027F-7875-4030-9381-8BD8C4F21935}" type="datetimeFigureOut">
               <a:rPr lang="en-US" smtClean="0"/>
-              <a:t>5/2/2018</a:t>
+              <a:t>5/3/2018</a:t>
             </a:fld>
             <a:endParaRPr lang="en-US"/>
           </a:p>
@@ -5674,7 +5684,7 @@
           <a:p>
             <a:fld id="{4509A250-FF31-4206-8172-F9D3106AACB1}" type="datetimeFigureOut">
               <a:rPr lang="en-US" smtClean="0"/>
-              <a:t>5/2/2018</a:t>
+              <a:t>5/3/2018</a:t>
             </a:fld>
             <a:endParaRPr lang="en-US" dirty="0"/>
           </a:p>
@@ -5767,7 +5777,7 @@
           <a:p>
             <a:fld id="{4509A250-FF31-4206-8172-F9D3106AACB1}" type="datetimeFigureOut">
               <a:rPr lang="en-US" smtClean="0"/>
-              <a:t>5/2/2018</a:t>
+              <a:t>5/3/2018</a:t>
             </a:fld>
             <a:endParaRPr lang="en-US" dirty="0"/>
           </a:p>
@@ -6043,7 +6053,7 @@
           <a:p>
             <a:fld id="{4509A250-FF31-4206-8172-F9D3106AACB1}" type="datetimeFigureOut">
               <a:rPr lang="en-US" smtClean="0"/>
-              <a:t>5/2/2018</a:t>
+              <a:t>5/3/2018</a:t>
             </a:fld>
             <a:endParaRPr lang="en-US" dirty="0"/>
           </a:p>
@@ -6315,7 +6325,7 @@
           <a:p>
             <a:fld id="{4509A250-FF31-4206-8172-F9D3106AACB1}" type="datetimeFigureOut">
               <a:rPr lang="en-US" smtClean="0"/>
-              <a:t>5/2/2018</a:t>
+              <a:t>5/3/2018</a:t>
             </a:fld>
             <a:endParaRPr lang="en-US" dirty="0"/>
           </a:p>
@@ -6712,7 +6722,7 @@
             <a:fld id="{4AAD347D-5ACD-4C99-B74B-A9C85AD731AF}" type="datetimeFigureOut">
               <a:rPr lang="en-US" smtClean="0"/>
               <a:pPr/>
-              <a:t>5/2/2018</a:t>
+              <a:t>5/3/2018</a:t>
             </a:fld>
             <a:endParaRPr lang="en-US" dirty="0"/>
           </a:p>
@@ -7444,6 +7454,615 @@
 </p:sld>
 </file>
 
+<file path=ppt/slides/slide10.xml><?xml version="1.0" encoding="utf-8"?>
+<p:sld xmlns:a="http://schemas.openxmlformats.org/drawingml/2006/main" xmlns:r="http://schemas.openxmlformats.org/officeDocument/2006/relationships" xmlns:p="http://schemas.openxmlformats.org/presentationml/2006/main">
+  <p:cSld>
+    <p:spTree>
+      <p:nvGrpSpPr>
+        <p:cNvPr id="1" name=""/>
+        <p:cNvGrpSpPr/>
+        <p:nvPr/>
+      </p:nvGrpSpPr>
+      <p:grpSpPr>
+        <a:xfrm>
+          <a:off x="0" y="0"/>
+          <a:ext cx="0" cy="0"/>
+          <a:chOff x="0" y="0"/>
+          <a:chExt cx="0" cy="0"/>
+        </a:xfrm>
+      </p:grpSpPr>
+      <p:sp>
+        <p:nvSpPr>
+          <p:cNvPr id="2" name="Title 1">
+            <a:extLst>
+              <a:ext uri="{FF2B5EF4-FFF2-40B4-BE49-F238E27FC236}">
+                <a16:creationId xmlns:a16="http://schemas.microsoft.com/office/drawing/2014/main" id="{995BD24F-C368-488E-9FD6-89D0162311C6}"/>
+              </a:ext>
+            </a:extLst>
+          </p:cNvPr>
+          <p:cNvSpPr>
+            <a:spLocks noGrp="1"/>
+          </p:cNvSpPr>
+          <p:nvPr>
+            <p:ph type="title"/>
+          </p:nvPr>
+        </p:nvSpPr>
+        <p:spPr>
+          <a:xfrm>
+            <a:off x="646111" y="452718"/>
+            <a:ext cx="9404723" cy="875339"/>
+          </a:xfrm>
+        </p:spPr>
+        <p:txBody>
+          <a:bodyPr/>
+          <a:lstStyle/>
+          <a:p>
+            <a:r>
+              <a:rPr lang="en-US" dirty="0"/>
+              <a:t>Galaxy S9 Sentiment Analysis</a:t>
+            </a:r>
+          </a:p>
+        </p:txBody>
+      </p:sp>
+      <p:sp>
+        <p:nvSpPr>
+          <p:cNvPr id="3" name="Content Placeholder 2">
+            <a:extLst>
+              <a:ext uri="{FF2B5EF4-FFF2-40B4-BE49-F238E27FC236}">
+                <a16:creationId xmlns:a16="http://schemas.microsoft.com/office/drawing/2014/main" id="{AD505CAA-D10D-431F-844C-45EECC8D1B3A}"/>
+              </a:ext>
+            </a:extLst>
+          </p:cNvPr>
+          <p:cNvSpPr>
+            <a:spLocks noGrp="1"/>
+          </p:cNvSpPr>
+          <p:nvPr>
+            <p:ph idx="1"/>
+          </p:nvPr>
+        </p:nvSpPr>
+        <p:spPr>
+          <a:xfrm>
+            <a:off x="1103312" y="1654625"/>
+            <a:ext cx="8946541" cy="3200399"/>
+          </a:xfrm>
+        </p:spPr>
+        <p:txBody>
+          <a:bodyPr>
+            <a:normAutofit/>
+          </a:bodyPr>
+          <a:lstStyle/>
+          <a:p>
+            <a:pPr lvl="1"/>
+            <a:r>
+              <a:rPr lang="en-US" dirty="0"/>
+              <a:t>Sentiment analysis was performed against English tweets using </a:t>
+            </a:r>
+            <a:r>
+              <a:rPr lang="en-US" dirty="0" err="1"/>
+              <a:t>TextBlob</a:t>
+            </a:r>
+            <a:r>
+              <a:rPr lang="en-US" dirty="0"/>
+              <a:t> which relies on the Pattern package.</a:t>
+            </a:r>
+          </a:p>
+          <a:p>
+            <a:pPr lvl="2"/>
+            <a:r>
+              <a:rPr lang="en-US" dirty="0"/>
+              <a:t>There were 1006 tweets with positive polarity</a:t>
+            </a:r>
+          </a:p>
+          <a:p>
+            <a:pPr lvl="2"/>
+            <a:r>
+              <a:rPr lang="en-US" dirty="0"/>
+              <a:t>There were 248 tweets with negative polarity</a:t>
+            </a:r>
+          </a:p>
+          <a:p>
+            <a:pPr lvl="2"/>
+            <a:r>
+              <a:rPr lang="en-US" dirty="0"/>
+              <a:t>There were 1384 tweets with neutral polarity</a:t>
+            </a:r>
+          </a:p>
+          <a:p>
+            <a:pPr lvl="2"/>
+            <a:r>
+              <a:rPr lang="en-US" dirty="0"/>
+              <a:t>That's 38.1% positive, 9.4% negative, and 52.5% neutral</a:t>
+            </a:r>
+          </a:p>
+        </p:txBody>
+      </p:sp>
+    </p:spTree>
+    <p:extLst>
+      <p:ext uri="{BB962C8B-B14F-4D97-AF65-F5344CB8AC3E}">
+        <p14:creationId xmlns:p14="http://schemas.microsoft.com/office/powerpoint/2010/main" val="1747734433"/>
+      </p:ext>
+    </p:extLst>
+  </p:cSld>
+  <p:clrMapOvr>
+    <a:masterClrMapping/>
+  </p:clrMapOvr>
+</p:sld>
+</file>
+
+<file path=ppt/slides/slide11.xml><?xml version="1.0" encoding="utf-8"?>
+<p:sld xmlns:a="http://schemas.openxmlformats.org/drawingml/2006/main" xmlns:r="http://schemas.openxmlformats.org/officeDocument/2006/relationships" xmlns:p="http://schemas.openxmlformats.org/presentationml/2006/main">
+  <p:cSld>
+    <p:spTree>
+      <p:nvGrpSpPr>
+        <p:cNvPr id="1" name=""/>
+        <p:cNvGrpSpPr/>
+        <p:nvPr/>
+      </p:nvGrpSpPr>
+      <p:grpSpPr>
+        <a:xfrm>
+          <a:off x="0" y="0"/>
+          <a:ext cx="0" cy="0"/>
+          <a:chOff x="0" y="0"/>
+          <a:chExt cx="0" cy="0"/>
+        </a:xfrm>
+      </p:grpSpPr>
+      <p:sp>
+        <p:nvSpPr>
+          <p:cNvPr id="2" name="Title 1">
+            <a:extLst>
+              <a:ext uri="{FF2B5EF4-FFF2-40B4-BE49-F238E27FC236}">
+                <a16:creationId xmlns:a16="http://schemas.microsoft.com/office/drawing/2014/main" id="{995BD24F-C368-488E-9FD6-89D0162311C6}"/>
+              </a:ext>
+            </a:extLst>
+          </p:cNvPr>
+          <p:cNvSpPr>
+            <a:spLocks noGrp="1"/>
+          </p:cNvSpPr>
+          <p:nvPr>
+            <p:ph type="title"/>
+          </p:nvPr>
+        </p:nvSpPr>
+        <p:spPr>
+          <a:xfrm>
+            <a:off x="239486" y="17290"/>
+            <a:ext cx="10123713" cy="614082"/>
+          </a:xfrm>
+        </p:spPr>
+        <p:txBody>
+          <a:bodyPr/>
+          <a:lstStyle/>
+          <a:p>
+            <a:r>
+              <a:rPr lang="en-US" sz="3200" dirty="0"/>
+              <a:t>Galaxy S9 Network Analytics (Mention Network)</a:t>
+            </a:r>
+          </a:p>
+        </p:txBody>
+      </p:sp>
+      <p:sp>
+        <p:nvSpPr>
+          <p:cNvPr id="3" name="Content Placeholder 2">
+            <a:extLst>
+              <a:ext uri="{FF2B5EF4-FFF2-40B4-BE49-F238E27FC236}">
+                <a16:creationId xmlns:a16="http://schemas.microsoft.com/office/drawing/2014/main" id="{AD505CAA-D10D-431F-844C-45EECC8D1B3A}"/>
+              </a:ext>
+            </a:extLst>
+          </p:cNvPr>
+          <p:cNvSpPr>
+            <a:spLocks noGrp="1"/>
+          </p:cNvSpPr>
+          <p:nvPr>
+            <p:ph idx="1"/>
+          </p:nvPr>
+        </p:nvSpPr>
+        <p:spPr>
+          <a:xfrm>
+            <a:off x="156255" y="631372"/>
+            <a:ext cx="7256917" cy="1861461"/>
+          </a:xfrm>
+        </p:spPr>
+        <p:txBody>
+          <a:bodyPr>
+            <a:normAutofit/>
+          </a:bodyPr>
+          <a:lstStyle/>
+          <a:p>
+            <a:pPr lvl="1"/>
+            <a:r>
+              <a:rPr lang="en-US" sz="1600" dirty="0"/>
+              <a:t>Several orphaned clusters not connected to the central figures.</a:t>
+            </a:r>
+          </a:p>
+          <a:p>
+            <a:pPr lvl="1"/>
+            <a:r>
+              <a:rPr lang="en-US" sz="1600" dirty="0"/>
+              <a:t>Based on Degree and Eigenvector centrality, central figures are</a:t>
+            </a:r>
+          </a:p>
+          <a:p>
+            <a:pPr lvl="2"/>
+            <a:r>
+              <a:rPr lang="en-US" sz="1400" dirty="0" err="1"/>
+              <a:t>DonovanGoliath</a:t>
+            </a:r>
+            <a:r>
+              <a:rPr lang="en-US" sz="1400" dirty="0"/>
+              <a:t> (comedian in South Africa)</a:t>
+            </a:r>
+          </a:p>
+          <a:p>
+            <a:pPr lvl="2"/>
+            <a:r>
+              <a:rPr lang="en-US" sz="1400" dirty="0" err="1"/>
+              <a:t>SamsungMobileSA</a:t>
+            </a:r>
+            <a:r>
+              <a:rPr lang="en-US" sz="1400" dirty="0"/>
+              <a:t> (Samsung Mobile South Africa)</a:t>
+            </a:r>
+          </a:p>
+          <a:p>
+            <a:pPr lvl="2"/>
+            <a:r>
+              <a:rPr lang="en-US" sz="1400" dirty="0" err="1"/>
+              <a:t>Corninggorilla</a:t>
+            </a:r>
+            <a:r>
+              <a:rPr lang="en-US" sz="1400" dirty="0"/>
+              <a:t> (Gorilla Glass)</a:t>
+            </a:r>
+          </a:p>
+        </p:txBody>
+      </p:sp>
+      <p:pic>
+        <p:nvPicPr>
+          <p:cNvPr id="6" name="Picture 5">
+            <a:extLst>
+              <a:ext uri="{FF2B5EF4-FFF2-40B4-BE49-F238E27FC236}">
+                <a16:creationId xmlns:a16="http://schemas.microsoft.com/office/drawing/2014/main" id="{F77038F2-545D-4B7A-8B37-016830C2DC45}"/>
+              </a:ext>
+            </a:extLst>
+          </p:cNvPr>
+          <p:cNvPicPr>
+            <a:picLocks noChangeAspect="1"/>
+          </p:cNvPicPr>
+          <p:nvPr/>
+        </p:nvPicPr>
+        <p:blipFill>
+          <a:blip r:embed="rId2"/>
+          <a:stretch>
+            <a:fillRect/>
+          </a:stretch>
+        </p:blipFill>
+        <p:spPr>
+          <a:xfrm>
+            <a:off x="5323115" y="2035167"/>
+            <a:ext cx="6630378" cy="4692467"/>
+          </a:xfrm>
+          <a:prstGeom prst="rect">
+            <a:avLst/>
+          </a:prstGeom>
+        </p:spPr>
+      </p:pic>
+    </p:spTree>
+    <p:extLst>
+      <p:ext uri="{BB962C8B-B14F-4D97-AF65-F5344CB8AC3E}">
+        <p14:creationId xmlns:p14="http://schemas.microsoft.com/office/powerpoint/2010/main" val="1192774061"/>
+      </p:ext>
+    </p:extLst>
+  </p:cSld>
+  <p:clrMapOvr>
+    <a:masterClrMapping/>
+  </p:clrMapOvr>
+</p:sld>
+</file>
+
+<file path=ppt/slides/slide12.xml><?xml version="1.0" encoding="utf-8"?>
+<p:sld xmlns:a="http://schemas.openxmlformats.org/drawingml/2006/main" xmlns:r="http://schemas.openxmlformats.org/officeDocument/2006/relationships" xmlns:p="http://schemas.openxmlformats.org/presentationml/2006/main">
+  <p:cSld>
+    <p:spTree>
+      <p:nvGrpSpPr>
+        <p:cNvPr id="1" name=""/>
+        <p:cNvGrpSpPr/>
+        <p:nvPr/>
+      </p:nvGrpSpPr>
+      <p:grpSpPr>
+        <a:xfrm>
+          <a:off x="0" y="0"/>
+          <a:ext cx="0" cy="0"/>
+          <a:chOff x="0" y="0"/>
+          <a:chExt cx="0" cy="0"/>
+        </a:xfrm>
+      </p:grpSpPr>
+      <p:sp>
+        <p:nvSpPr>
+          <p:cNvPr id="2" name="Title 1">
+            <a:extLst>
+              <a:ext uri="{FF2B5EF4-FFF2-40B4-BE49-F238E27FC236}">
+                <a16:creationId xmlns:a16="http://schemas.microsoft.com/office/drawing/2014/main" id="{995BD24F-C368-488E-9FD6-89D0162311C6}"/>
+              </a:ext>
+            </a:extLst>
+          </p:cNvPr>
+          <p:cNvSpPr>
+            <a:spLocks noGrp="1"/>
+          </p:cNvSpPr>
+          <p:nvPr>
+            <p:ph type="title"/>
+          </p:nvPr>
+        </p:nvSpPr>
+        <p:spPr>
+          <a:xfrm>
+            <a:off x="0" y="17290"/>
+            <a:ext cx="10526486" cy="614082"/>
+          </a:xfrm>
+        </p:spPr>
+        <p:txBody>
+          <a:bodyPr/>
+          <a:lstStyle/>
+          <a:p>
+            <a:r>
+              <a:rPr lang="en-US" sz="3200" dirty="0"/>
+              <a:t>Galaxy S9 Network Analytics (Co-Hashtag Network)</a:t>
+            </a:r>
+          </a:p>
+        </p:txBody>
+      </p:sp>
+      <p:sp>
+        <p:nvSpPr>
+          <p:cNvPr id="3" name="Content Placeholder 2">
+            <a:extLst>
+              <a:ext uri="{FF2B5EF4-FFF2-40B4-BE49-F238E27FC236}">
+                <a16:creationId xmlns:a16="http://schemas.microsoft.com/office/drawing/2014/main" id="{AD505CAA-D10D-431F-844C-45EECC8D1B3A}"/>
+              </a:ext>
+            </a:extLst>
+          </p:cNvPr>
+          <p:cNvSpPr>
+            <a:spLocks noGrp="1"/>
+          </p:cNvSpPr>
+          <p:nvPr>
+            <p:ph idx="1"/>
+          </p:nvPr>
+        </p:nvSpPr>
+        <p:spPr>
+          <a:xfrm>
+            <a:off x="21773" y="631372"/>
+            <a:ext cx="5961492" cy="1861461"/>
+          </a:xfrm>
+        </p:spPr>
+        <p:txBody>
+          <a:bodyPr lIns="0">
+            <a:noAutofit/>
+          </a:bodyPr>
+          <a:lstStyle/>
+          <a:p>
+            <a:r>
+              <a:rPr lang="en-US" sz="1600" dirty="0"/>
+              <a:t>Centrality Analysis.</a:t>
+            </a:r>
+          </a:p>
+          <a:p>
+            <a:pPr lvl="1"/>
+            <a:r>
+              <a:rPr lang="en-US" sz="1600" dirty="0"/>
+              <a:t>Weighted degree centrality most influential hashtags are #galaxys9, #</a:t>
+            </a:r>
+            <a:r>
+              <a:rPr lang="en-US" sz="1600" dirty="0" err="1"/>
+              <a:t>aremoji</a:t>
+            </a:r>
+            <a:r>
+              <a:rPr lang="en-US" sz="1600" dirty="0"/>
+              <a:t>, #getagalaxys9, #</a:t>
+            </a:r>
+            <a:r>
+              <a:rPr lang="en-US" sz="1600" dirty="0" err="1"/>
+              <a:t>samsung</a:t>
+            </a:r>
+            <a:r>
+              <a:rPr lang="en-US" sz="1600" dirty="0"/>
+              <a:t>, #giveaway.</a:t>
+            </a:r>
+          </a:p>
+          <a:p>
+            <a:pPr lvl="1"/>
+            <a:r>
+              <a:rPr lang="en-US" sz="1600" dirty="0"/>
+              <a:t>Eigenvector centrality most influential hashtags are #galaxys9, #</a:t>
+            </a:r>
+            <a:r>
+              <a:rPr lang="en-US" sz="1600" dirty="0" err="1"/>
+              <a:t>samsung</a:t>
+            </a:r>
+            <a:r>
+              <a:rPr lang="en-US" sz="1600" dirty="0"/>
+              <a:t>, #samsungs9, #android, #galaxys9plus.</a:t>
+            </a:r>
+          </a:p>
+          <a:p>
+            <a:pPr lvl="1"/>
+            <a:r>
+              <a:rPr lang="en-US" sz="1600" dirty="0"/>
+              <a:t>Betweenness centrality most influential are #galaxys9, #</a:t>
+            </a:r>
+            <a:r>
+              <a:rPr lang="en-US" sz="1600" dirty="0" err="1"/>
+              <a:t>samsung</a:t>
+            </a:r>
+            <a:r>
+              <a:rPr lang="en-US" sz="1600" dirty="0"/>
+              <a:t>, #android, #samsungs9, #contest.</a:t>
+            </a:r>
+            <a:endParaRPr lang="en-US" sz="1400" dirty="0"/>
+          </a:p>
+          <a:p>
+            <a:r>
+              <a:rPr lang="en-US" sz="1600" dirty="0"/>
+              <a:t>Clustering Analysis</a:t>
+            </a:r>
+          </a:p>
+          <a:p>
+            <a:pPr lvl="1"/>
+            <a:r>
+              <a:rPr lang="en-US" sz="1400" dirty="0"/>
+              <a:t>Largest cluster associated with #galaxys9.  Topic appears to be AR Emoji feature and promoting Galaxy S9.</a:t>
+            </a:r>
+          </a:p>
+          <a:p>
+            <a:pPr lvl="1"/>
+            <a:r>
+              <a:rPr lang="en-US" sz="1400" dirty="0"/>
+              <a:t>Second largest cluster associated with #</a:t>
+            </a:r>
+            <a:r>
+              <a:rPr lang="en-US" sz="1400" dirty="0" err="1"/>
+              <a:t>samsung</a:t>
+            </a:r>
+            <a:r>
+              <a:rPr lang="en-US" sz="1400" dirty="0"/>
+              <a:t>. Topic appears to be Galaxy S9 giveaways.</a:t>
+            </a:r>
+          </a:p>
+          <a:p>
+            <a:pPr lvl="1"/>
+            <a:r>
+              <a:rPr lang="en-US" sz="1400" dirty="0"/>
+              <a:t>Third largest cluster associated with #tech. Topic appears to be about technology, Galaxy S9, and Android.</a:t>
+            </a:r>
+          </a:p>
+        </p:txBody>
+      </p:sp>
+      <p:pic>
+        <p:nvPicPr>
+          <p:cNvPr id="4" name="Picture 3">
+            <a:extLst>
+              <a:ext uri="{FF2B5EF4-FFF2-40B4-BE49-F238E27FC236}">
+                <a16:creationId xmlns:a16="http://schemas.microsoft.com/office/drawing/2014/main" id="{32468876-74E4-43E7-9AA8-43DFA4C2FFE9}"/>
+              </a:ext>
+            </a:extLst>
+          </p:cNvPr>
+          <p:cNvPicPr>
+            <a:picLocks noChangeAspect="1"/>
+          </p:cNvPicPr>
+          <p:nvPr/>
+        </p:nvPicPr>
+        <p:blipFill>
+          <a:blip r:embed="rId2"/>
+          <a:stretch>
+            <a:fillRect/>
+          </a:stretch>
+        </p:blipFill>
+        <p:spPr>
+          <a:xfrm>
+            <a:off x="5983265" y="1382486"/>
+            <a:ext cx="5896695" cy="5029200"/>
+          </a:xfrm>
+          <a:prstGeom prst="rect">
+            <a:avLst/>
+          </a:prstGeom>
+        </p:spPr>
+      </p:pic>
+    </p:spTree>
+    <p:extLst>
+      <p:ext uri="{BB962C8B-B14F-4D97-AF65-F5344CB8AC3E}">
+        <p14:creationId xmlns:p14="http://schemas.microsoft.com/office/powerpoint/2010/main" val="1345218522"/>
+      </p:ext>
+    </p:extLst>
+  </p:cSld>
+  <p:clrMapOvr>
+    <a:masterClrMapping/>
+  </p:clrMapOvr>
+</p:sld>
+</file>
+
+<file path=ppt/slides/slide13.xml><?xml version="1.0" encoding="utf-8"?>
+<p:sld xmlns:a="http://schemas.openxmlformats.org/drawingml/2006/main" xmlns:r="http://schemas.openxmlformats.org/officeDocument/2006/relationships" xmlns:p="http://schemas.openxmlformats.org/presentationml/2006/main">
+  <p:cSld>
+    <p:spTree>
+      <p:nvGrpSpPr>
+        <p:cNvPr id="1" name=""/>
+        <p:cNvGrpSpPr/>
+        <p:nvPr/>
+      </p:nvGrpSpPr>
+      <p:grpSpPr>
+        <a:xfrm>
+          <a:off x="0" y="0"/>
+          <a:ext cx="0" cy="0"/>
+          <a:chOff x="0" y="0"/>
+          <a:chExt cx="0" cy="0"/>
+        </a:xfrm>
+      </p:grpSpPr>
+      <p:sp>
+        <p:nvSpPr>
+          <p:cNvPr id="2" name="Title 1">
+            <a:extLst>
+              <a:ext uri="{FF2B5EF4-FFF2-40B4-BE49-F238E27FC236}">
+                <a16:creationId xmlns:a16="http://schemas.microsoft.com/office/drawing/2014/main" id="{0BCED554-BEF2-4430-B80A-4B5BC53AE7D5}"/>
+              </a:ext>
+            </a:extLst>
+          </p:cNvPr>
+          <p:cNvSpPr>
+            <a:spLocks noGrp="1"/>
+          </p:cNvSpPr>
+          <p:nvPr>
+            <p:ph type="title"/>
+          </p:nvPr>
+        </p:nvSpPr>
+        <p:spPr/>
+        <p:txBody>
+          <a:bodyPr/>
+          <a:lstStyle/>
+          <a:p>
+            <a:r>
+              <a:rPr lang="en-US" sz="3200" dirty="0"/>
+              <a:t>Final Analysis</a:t>
+            </a:r>
+          </a:p>
+        </p:txBody>
+      </p:sp>
+      <p:sp>
+        <p:nvSpPr>
+          <p:cNvPr id="3" name="Content Placeholder 2">
+            <a:extLst>
+              <a:ext uri="{FF2B5EF4-FFF2-40B4-BE49-F238E27FC236}">
+                <a16:creationId xmlns:a16="http://schemas.microsoft.com/office/drawing/2014/main" id="{0E04A5A6-8F6C-43EB-A5CE-97699DC3DFFA}"/>
+              </a:ext>
+            </a:extLst>
+          </p:cNvPr>
+          <p:cNvSpPr>
+            <a:spLocks noGrp="1"/>
+          </p:cNvSpPr>
+          <p:nvPr>
+            <p:ph sz="half" idx="1"/>
+          </p:nvPr>
+        </p:nvSpPr>
+        <p:spPr>
+          <a:xfrm>
+            <a:off x="1103312" y="2060575"/>
+            <a:ext cx="9115344" cy="4195763"/>
+          </a:xfrm>
+        </p:spPr>
+        <p:txBody>
+          <a:bodyPr/>
+          <a:lstStyle/>
+          <a:p>
+            <a:endParaRPr lang="en-US" dirty="0"/>
+          </a:p>
+        </p:txBody>
+      </p:sp>
+    </p:spTree>
+    <p:extLst>
+      <p:ext uri="{BB962C8B-B14F-4D97-AF65-F5344CB8AC3E}">
+        <p14:creationId xmlns:p14="http://schemas.microsoft.com/office/powerpoint/2010/main" val="1564512077"/>
+      </p:ext>
+    </p:extLst>
+  </p:cSld>
+  <p:clrMapOvr>
+    <a:masterClrMapping/>
+  </p:clrMapOvr>
+</p:sld>
+</file>
+
 <file path=ppt/slides/slide2.xml><?xml version="1.0" encoding="utf-8"?>
 <p:sld xmlns:a="http://schemas.openxmlformats.org/drawingml/2006/main" xmlns:r="http://schemas.openxmlformats.org/officeDocument/2006/relationships" xmlns:p="http://schemas.openxmlformats.org/presentationml/2006/main">
   <p:cSld>
@@ -8227,6 +8846,339 @@
     <p:extLst>
       <p:ext uri="{BB962C8B-B14F-4D97-AF65-F5344CB8AC3E}">
         <p14:creationId xmlns:p14="http://schemas.microsoft.com/office/powerpoint/2010/main" val="477595119"/>
+      </p:ext>
+    </p:extLst>
+  </p:cSld>
+  <p:clrMapOvr>
+    <a:masterClrMapping/>
+  </p:clrMapOvr>
+</p:sld>
+</file>
+
+<file path=ppt/slides/slide8.xml><?xml version="1.0" encoding="utf-8"?>
+<p:sld xmlns:a="http://schemas.openxmlformats.org/drawingml/2006/main" xmlns:r="http://schemas.openxmlformats.org/officeDocument/2006/relationships" xmlns:p="http://schemas.openxmlformats.org/presentationml/2006/main">
+  <p:cSld>
+    <p:spTree>
+      <p:nvGrpSpPr>
+        <p:cNvPr id="1" name=""/>
+        <p:cNvGrpSpPr/>
+        <p:nvPr/>
+      </p:nvGrpSpPr>
+      <p:grpSpPr>
+        <a:xfrm>
+          <a:off x="0" y="0"/>
+          <a:ext cx="0" cy="0"/>
+          <a:chOff x="0" y="0"/>
+          <a:chExt cx="0" cy="0"/>
+        </a:xfrm>
+      </p:grpSpPr>
+      <p:sp>
+        <p:nvSpPr>
+          <p:cNvPr id="2" name="Title 1">
+            <a:extLst>
+              <a:ext uri="{FF2B5EF4-FFF2-40B4-BE49-F238E27FC236}">
+                <a16:creationId xmlns:a16="http://schemas.microsoft.com/office/drawing/2014/main" id="{0BCED554-BEF2-4430-B80A-4B5BC53AE7D5}"/>
+              </a:ext>
+            </a:extLst>
+          </p:cNvPr>
+          <p:cNvSpPr>
+            <a:spLocks noGrp="1"/>
+          </p:cNvSpPr>
+          <p:nvPr>
+            <p:ph type="title"/>
+          </p:nvPr>
+        </p:nvSpPr>
+        <p:spPr/>
+        <p:txBody>
+          <a:bodyPr/>
+          <a:lstStyle/>
+          <a:p>
+            <a:r>
+              <a:rPr lang="en-US" dirty="0"/>
+              <a:t>Galaxy S9 Descriptive Analytics Important Findings</a:t>
+            </a:r>
+          </a:p>
+        </p:txBody>
+      </p:sp>
+      <p:sp>
+        <p:nvSpPr>
+          <p:cNvPr id="3" name="Content Placeholder 2">
+            <a:extLst>
+              <a:ext uri="{FF2B5EF4-FFF2-40B4-BE49-F238E27FC236}">
+                <a16:creationId xmlns:a16="http://schemas.microsoft.com/office/drawing/2014/main" id="{0E04A5A6-8F6C-43EB-A5CE-97699DC3DFFA}"/>
+              </a:ext>
+            </a:extLst>
+          </p:cNvPr>
+          <p:cNvSpPr>
+            <a:spLocks noGrp="1"/>
+          </p:cNvSpPr>
+          <p:nvPr>
+            <p:ph sz="half" idx="1"/>
+          </p:nvPr>
+        </p:nvSpPr>
+        <p:spPr/>
+        <p:txBody>
+          <a:bodyPr/>
+          <a:lstStyle/>
+          <a:p>
+            <a:r>
+              <a:rPr lang="en-US" dirty="0"/>
+              <a:t>8,168 Total tweets</a:t>
+            </a:r>
+          </a:p>
+          <a:p>
+            <a:r>
+              <a:rPr lang="en-US" dirty="0"/>
+              <a:t>6,169 Unique users</a:t>
+            </a:r>
+          </a:p>
+          <a:p>
+            <a:r>
+              <a:rPr lang="en-US" dirty="0"/>
+              <a:t>4,374 Original Tweets</a:t>
+            </a:r>
+          </a:p>
+          <a:p>
+            <a:r>
+              <a:rPr lang="en-US" dirty="0"/>
+              <a:t>3,793 Retweets</a:t>
+            </a:r>
+          </a:p>
+          <a:p>
+            <a:r>
+              <a:rPr lang="en-US" dirty="0"/>
+              <a:t>7,642 User Mentions</a:t>
+            </a:r>
+          </a:p>
+          <a:p>
+            <a:r>
+              <a:rPr lang="en-US" dirty="0"/>
+              <a:t>4,231 URLs</a:t>
+            </a:r>
+          </a:p>
+          <a:p>
+            <a:r>
+              <a:rPr lang="en-US" dirty="0"/>
+              <a:t>6,996 Hashtags</a:t>
+            </a:r>
+          </a:p>
+          <a:p>
+            <a:endParaRPr lang="en-US" dirty="0"/>
+          </a:p>
+        </p:txBody>
+      </p:sp>
+      <p:sp>
+        <p:nvSpPr>
+          <p:cNvPr id="4" name="Content Placeholder 3">
+            <a:extLst>
+              <a:ext uri="{FF2B5EF4-FFF2-40B4-BE49-F238E27FC236}">
+                <a16:creationId xmlns:a16="http://schemas.microsoft.com/office/drawing/2014/main" id="{D9946D00-9E3E-4AA6-8174-9D892D398FFB}"/>
+              </a:ext>
+            </a:extLst>
+          </p:cNvPr>
+          <p:cNvSpPr>
+            <a:spLocks noGrp="1"/>
+          </p:cNvSpPr>
+          <p:nvPr>
+            <p:ph sz="half" idx="2"/>
+          </p:nvPr>
+        </p:nvSpPr>
+        <p:spPr/>
+        <p:txBody>
+          <a:bodyPr/>
+          <a:lstStyle/>
+          <a:p>
+            <a:r>
+              <a:rPr lang="en-US" dirty="0"/>
+              <a:t>1.3 Avg. tweets Per User</a:t>
+            </a:r>
+          </a:p>
+          <a:p>
+            <a:r>
+              <a:rPr lang="en-US" dirty="0"/>
+              <a:t>0.94 User Mentions per tweet</a:t>
+            </a:r>
+          </a:p>
+          <a:p>
+            <a:r>
+              <a:rPr lang="en-US" dirty="0"/>
+              <a:t>0.52 URLs per tweet</a:t>
+            </a:r>
+          </a:p>
+          <a:p>
+            <a:r>
+              <a:rPr lang="en-US" dirty="0"/>
+              <a:t>0.86 Hashtags per tweet</a:t>
+            </a:r>
+          </a:p>
+          <a:p>
+            <a:endParaRPr lang="en-US" dirty="0"/>
+          </a:p>
+          <a:p>
+            <a:endParaRPr lang="en-US" dirty="0"/>
+          </a:p>
+        </p:txBody>
+      </p:sp>
+    </p:spTree>
+    <p:extLst>
+      <p:ext uri="{BB962C8B-B14F-4D97-AF65-F5344CB8AC3E}">
+        <p14:creationId xmlns:p14="http://schemas.microsoft.com/office/powerpoint/2010/main" val="1422114397"/>
+      </p:ext>
+    </p:extLst>
+  </p:cSld>
+  <p:clrMapOvr>
+    <a:masterClrMapping/>
+  </p:clrMapOvr>
+</p:sld>
+</file>
+
+<file path=ppt/slides/slide9.xml><?xml version="1.0" encoding="utf-8"?>
+<p:sld xmlns:a="http://schemas.openxmlformats.org/drawingml/2006/main" xmlns:r="http://schemas.openxmlformats.org/officeDocument/2006/relationships" xmlns:p="http://schemas.openxmlformats.org/presentationml/2006/main">
+  <p:cSld>
+    <p:spTree>
+      <p:nvGrpSpPr>
+        <p:cNvPr id="1" name=""/>
+        <p:cNvGrpSpPr/>
+        <p:nvPr/>
+      </p:nvGrpSpPr>
+      <p:grpSpPr>
+        <a:xfrm>
+          <a:off x="0" y="0"/>
+          <a:ext cx="0" cy="0"/>
+          <a:chOff x="0" y="0"/>
+          <a:chExt cx="0" cy="0"/>
+        </a:xfrm>
+      </p:grpSpPr>
+      <p:sp>
+        <p:nvSpPr>
+          <p:cNvPr id="2" name="Title 1">
+            <a:extLst>
+              <a:ext uri="{FF2B5EF4-FFF2-40B4-BE49-F238E27FC236}">
+                <a16:creationId xmlns:a16="http://schemas.microsoft.com/office/drawing/2014/main" id="{995BD24F-C368-488E-9FD6-89D0162311C6}"/>
+              </a:ext>
+            </a:extLst>
+          </p:cNvPr>
+          <p:cNvSpPr>
+            <a:spLocks noGrp="1"/>
+          </p:cNvSpPr>
+          <p:nvPr>
+            <p:ph type="title"/>
+          </p:nvPr>
+        </p:nvSpPr>
+        <p:spPr/>
+        <p:txBody>
+          <a:bodyPr/>
+          <a:lstStyle/>
+          <a:p>
+            <a:r>
+              <a:rPr lang="en-US" dirty="0"/>
+              <a:t>Galaxy S9 Content Analytics Findings</a:t>
+            </a:r>
+          </a:p>
+        </p:txBody>
+      </p:sp>
+      <p:sp>
+        <p:nvSpPr>
+          <p:cNvPr id="3" name="Content Placeholder 2">
+            <a:extLst>
+              <a:ext uri="{FF2B5EF4-FFF2-40B4-BE49-F238E27FC236}">
+                <a16:creationId xmlns:a16="http://schemas.microsoft.com/office/drawing/2014/main" id="{AD505CAA-D10D-431F-844C-45EECC8D1B3A}"/>
+              </a:ext>
+            </a:extLst>
+          </p:cNvPr>
+          <p:cNvSpPr>
+            <a:spLocks noGrp="1"/>
+          </p:cNvSpPr>
+          <p:nvPr>
+            <p:ph idx="1"/>
+          </p:nvPr>
+        </p:nvSpPr>
+        <p:spPr/>
+        <p:txBody>
+          <a:bodyPr/>
+          <a:lstStyle/>
+          <a:p>
+            <a:pPr lvl="1"/>
+            <a:r>
+              <a:rPr lang="en-US" dirty="0"/>
+              <a:t>Most Popular terms in iPhone X tweets</a:t>
+            </a:r>
+          </a:p>
+          <a:p>
+            <a:pPr lvl="2"/>
+            <a:r>
+              <a:rPr lang="en-US" dirty="0"/>
+              <a:t>‘galaxy’, ‘</a:t>
+            </a:r>
+            <a:r>
+              <a:rPr lang="en-US" dirty="0" err="1"/>
+              <a:t>samsung</a:t>
+            </a:r>
+            <a:r>
+              <a:rPr lang="en-US" dirty="0"/>
+              <a:t>’, ‘plus’, ‘case’, ‘giveaway’, ‘new’</a:t>
+            </a:r>
+          </a:p>
+          <a:p>
+            <a:pPr lvl="2"/>
+            <a:endParaRPr lang="en-US" dirty="0"/>
+          </a:p>
+          <a:p>
+            <a:pPr lvl="1"/>
+            <a:r>
+              <a:rPr lang="en-US" dirty="0"/>
+              <a:t>After data cleaning, the python package genism topic analysis showed an optimal number of topics at 4.</a:t>
+            </a:r>
+          </a:p>
+          <a:p>
+            <a:pPr lvl="1"/>
+            <a:r>
+              <a:rPr lang="en-US" dirty="0"/>
+              <a:t>Topics were broken down into:</a:t>
+            </a:r>
+          </a:p>
+          <a:p>
+            <a:pPr lvl="2"/>
+            <a:r>
+              <a:rPr lang="en-US" dirty="0"/>
+              <a:t>Samsung Galaxy giveaway</a:t>
+            </a:r>
+          </a:p>
+          <a:p>
+            <a:pPr lvl="2"/>
+            <a:r>
+              <a:rPr lang="en-US" dirty="0"/>
+              <a:t>Galaxy S9 video.  The slow motion video mode is a popular feature.</a:t>
+            </a:r>
+          </a:p>
+          <a:p>
+            <a:pPr lvl="2"/>
+            <a:r>
+              <a:rPr lang="en-US" dirty="0"/>
+              <a:t>Galaxy S9 comparison to </a:t>
+            </a:r>
+            <a:r>
+              <a:rPr lang="en-US" dirty="0" err="1"/>
+              <a:t>Huwaei</a:t>
+            </a:r>
+            <a:r>
+              <a:rPr lang="en-US" dirty="0"/>
+              <a:t> P20 Pro phone</a:t>
+            </a:r>
+          </a:p>
+          <a:p>
+            <a:pPr lvl="2"/>
+            <a:r>
+              <a:rPr lang="en-US" dirty="0"/>
+              <a:t>Galaxy S9 AR Emoji feature.</a:t>
+            </a:r>
+          </a:p>
+        </p:txBody>
+      </p:sp>
+    </p:spTree>
+    <p:extLst>
+      <p:ext uri="{BB962C8B-B14F-4D97-AF65-F5344CB8AC3E}">
+        <p14:creationId xmlns:p14="http://schemas.microsoft.com/office/powerpoint/2010/main" val="2270864307"/>
       </p:ext>
     </p:extLst>
   </p:cSld>

--- a/FINAL_presentation_iphone_galaxy.pptx
+++ b/FINAL_presentation_iphone_galaxy.pptx
@@ -130,10 +130,6 @@
 </p:presentation>
 </file>
 
-<file path=ppt/revisionInfo.xml><?xml version="1.0" encoding="utf-8"?>
-<p1510:revInfo xmlns:a="http://schemas.openxmlformats.org/drawingml/2006/main" xmlns:r="http://schemas.openxmlformats.org/officeDocument/2006/relationships" xmlns:p1510="http://schemas.microsoft.com/office/powerpoint/2015/10/main"/>
-</file>
-
 <file path=ppt/handoutMasters/handoutMaster1.xml><?xml version="1.0" encoding="utf-8"?>
 <p:handoutMaster xmlns:a="http://schemas.openxmlformats.org/drawingml/2006/main" xmlns:r="http://schemas.openxmlformats.org/officeDocument/2006/relationships" xmlns:p="http://schemas.openxmlformats.org/presentationml/2006/main">
   <p:cSld>
@@ -216,7 +212,7 @@
           <a:p>
             <a:fld id="{2BCAFC7A-71DD-4C2C-B63D-60FDC7DD5449}" type="datetimeFigureOut">
               <a:rPr lang="en-US" smtClean="0"/>
-              <a:t>5/3/2018</a:t>
+              <a:t>5/4/2018</a:t>
             </a:fld>
             <a:endParaRPr lang="en-US"/>
           </a:p>
@@ -381,7 +377,7 @@
           <a:p>
             <a:fld id="{D85ECAFD-F005-4163-B10D-85806DC43F93}" type="datetimeFigureOut">
               <a:rPr lang="en-US" smtClean="0"/>
-              <a:t>5/3/2018</a:t>
+              <a:t>5/4/2018</a:t>
             </a:fld>
             <a:endParaRPr lang="en-US"/>
           </a:p>
@@ -1006,7 +1002,7 @@
           <a:p>
             <a:fld id="{4AAD347D-5ACD-4C99-B74B-A9C85AD731AF}" type="datetimeFigureOut">
               <a:rPr lang="en-US" smtClean="0"/>
-              <a:t>5/3/2018</a:t>
+              <a:t>5/4/2018</a:t>
             </a:fld>
             <a:endParaRPr lang="en-US"/>
           </a:p>
@@ -1278,7 +1274,7 @@
           <a:p>
             <a:fld id="{4509A250-FF31-4206-8172-F9D3106AACB1}" type="datetimeFigureOut">
               <a:rPr lang="en-US" smtClean="0"/>
-              <a:t>5/3/2018</a:t>
+              <a:t>5/4/2018</a:t>
             </a:fld>
             <a:endParaRPr lang="en-US" dirty="0"/>
           </a:p>
@@ -1469,7 +1465,7 @@
           <a:p>
             <a:fld id="{4509A250-FF31-4206-8172-F9D3106AACB1}" type="datetimeFigureOut">
               <a:rPr lang="en-US" smtClean="0"/>
-              <a:t>5/3/2018</a:t>
+              <a:t>5/4/2018</a:t>
             </a:fld>
             <a:endParaRPr lang="en-US" dirty="0"/>
           </a:p>
@@ -1801,7 +1797,7 @@
           <a:p>
             <a:fld id="{4509A250-FF31-4206-8172-F9D3106AACB1}" type="datetimeFigureOut">
               <a:rPr lang="en-US" smtClean="0"/>
-              <a:t>5/3/2018</a:t>
+              <a:t>5/4/2018</a:t>
             </a:fld>
             <a:endParaRPr lang="en-US" dirty="0"/>
           </a:p>
@@ -2046,7 +2042,7 @@
           <a:p>
             <a:fld id="{4509A250-FF31-4206-8172-F9D3106AACB1}" type="datetimeFigureOut">
               <a:rPr lang="en-US" smtClean="0"/>
-              <a:t>5/3/2018</a:t>
+              <a:t>5/4/2018</a:t>
             </a:fld>
             <a:endParaRPr lang="en-US" dirty="0"/>
           </a:p>
@@ -2341,7 +2337,7 @@
           <a:p>
             <a:fld id="{4509A250-FF31-4206-8172-F9D3106AACB1}" type="datetimeFigureOut">
               <a:rPr lang="en-US" smtClean="0"/>
-              <a:t>5/3/2018</a:t>
+              <a:t>5/4/2018</a:t>
             </a:fld>
             <a:endParaRPr lang="en-US" dirty="0"/>
           </a:p>
@@ -2609,7 +2605,7 @@
           <a:p>
             <a:fld id="{4509A250-FF31-4206-8172-F9D3106AACB1}" type="datetimeFigureOut">
               <a:rPr lang="en-US" smtClean="0"/>
-              <a:t>5/3/2018</a:t>
+              <a:t>5/4/2018</a:t>
             </a:fld>
             <a:endParaRPr lang="en-US" dirty="0"/>
           </a:p>
@@ -3230,7 +3226,7 @@
           <a:p>
             <a:fld id="{4509A250-FF31-4206-8172-F9D3106AACB1}" type="datetimeFigureOut">
               <a:rPr lang="en-US" smtClean="0"/>
-              <a:t>5/3/2018</a:t>
+              <a:t>5/4/2018</a:t>
             </a:fld>
             <a:endParaRPr lang="en-US" dirty="0"/>
           </a:p>
@@ -4087,7 +4083,7 @@
           <a:p>
             <a:fld id="{4509A250-FF31-4206-8172-F9D3106AACB1}" type="datetimeFigureOut">
               <a:rPr lang="en-US" smtClean="0"/>
-              <a:t>5/3/2018</a:t>
+              <a:t>5/4/2018</a:t>
             </a:fld>
             <a:endParaRPr lang="en-US" dirty="0"/>
           </a:p>
@@ -4254,7 +4250,7 @@
           <a:p>
             <a:fld id="{4509A250-FF31-4206-8172-F9D3106AACB1}" type="datetimeFigureOut">
               <a:rPr lang="en-US" smtClean="0"/>
-              <a:t>5/3/2018</a:t>
+              <a:t>5/4/2018</a:t>
             </a:fld>
             <a:endParaRPr lang="en-US" dirty="0"/>
           </a:p>
@@ -4431,7 +4427,7 @@
           <a:p>
             <a:fld id="{4509A250-FF31-4206-8172-F9D3106AACB1}" type="datetimeFigureOut">
               <a:rPr lang="en-US" smtClean="0"/>
-              <a:t>5/3/2018</a:t>
+              <a:t>5/4/2018</a:t>
             </a:fld>
             <a:endParaRPr lang="en-US" dirty="0"/>
           </a:p>
@@ -4598,7 +4594,7 @@
           <a:p>
             <a:fld id="{4509A250-FF31-4206-8172-F9D3106AACB1}" type="datetimeFigureOut">
               <a:rPr lang="en-US" smtClean="0"/>
-              <a:t>5/3/2018</a:t>
+              <a:t>5/4/2018</a:t>
             </a:fld>
             <a:endParaRPr lang="en-US" dirty="0"/>
           </a:p>
@@ -4843,7 +4839,7 @@
           <a:p>
             <a:fld id="{9796027F-7875-4030-9381-8BD8C4F21935}" type="datetimeFigureOut">
               <a:rPr lang="en-US" smtClean="0"/>
-              <a:t>5/3/2018</a:t>
+              <a:t>5/4/2018</a:t>
             </a:fld>
             <a:endParaRPr lang="en-US"/>
           </a:p>
@@ -5130,7 +5126,7 @@
           <a:p>
             <a:fld id="{9796027F-7875-4030-9381-8BD8C4F21935}" type="datetimeFigureOut">
               <a:rPr lang="en-US" smtClean="0"/>
-              <a:t>5/3/2018</a:t>
+              <a:t>5/4/2018</a:t>
             </a:fld>
             <a:endParaRPr lang="en-US"/>
           </a:p>
@@ -5569,7 +5565,7 @@
           <a:p>
             <a:fld id="{9796027F-7875-4030-9381-8BD8C4F21935}" type="datetimeFigureOut">
               <a:rPr lang="en-US" smtClean="0"/>
-              <a:t>5/3/2018</a:t>
+              <a:t>5/4/2018</a:t>
             </a:fld>
             <a:endParaRPr lang="en-US"/>
           </a:p>
@@ -5684,7 +5680,7 @@
           <a:p>
             <a:fld id="{4509A250-FF31-4206-8172-F9D3106AACB1}" type="datetimeFigureOut">
               <a:rPr lang="en-US" smtClean="0"/>
-              <a:t>5/3/2018</a:t>
+              <a:t>5/4/2018</a:t>
             </a:fld>
             <a:endParaRPr lang="en-US" dirty="0"/>
           </a:p>
@@ -5777,7 +5773,7 @@
           <a:p>
             <a:fld id="{4509A250-FF31-4206-8172-F9D3106AACB1}" type="datetimeFigureOut">
               <a:rPr lang="en-US" smtClean="0"/>
-              <a:t>5/3/2018</a:t>
+              <a:t>5/4/2018</a:t>
             </a:fld>
             <a:endParaRPr lang="en-US" dirty="0"/>
           </a:p>
@@ -6053,7 +6049,7 @@
           <a:p>
             <a:fld id="{4509A250-FF31-4206-8172-F9D3106AACB1}" type="datetimeFigureOut">
               <a:rPr lang="en-US" smtClean="0"/>
-              <a:t>5/3/2018</a:t>
+              <a:t>5/4/2018</a:t>
             </a:fld>
             <a:endParaRPr lang="en-US" dirty="0"/>
           </a:p>
@@ -6325,7 +6321,7 @@
           <a:p>
             <a:fld id="{4509A250-FF31-4206-8172-F9D3106AACB1}" type="datetimeFigureOut">
               <a:rPr lang="en-US" smtClean="0"/>
-              <a:t>5/3/2018</a:t>
+              <a:t>5/4/2018</a:t>
             </a:fld>
             <a:endParaRPr lang="en-US" dirty="0"/>
           </a:p>
@@ -6722,7 +6718,7 @@
             <a:fld id="{4AAD347D-5ACD-4C99-B74B-A9C85AD731AF}" type="datetimeFigureOut">
               <a:rPr lang="en-US" smtClean="0"/>
               <a:pPr/>
-              <a:t>5/3/2018</a:t>
+              <a:t>5/4/2018</a:t>
             </a:fld>
             <a:endParaRPr lang="en-US" dirty="0"/>
           </a:p>
@@ -7318,7 +7314,7 @@
             <a:pPr algn="ctr"/>
             <a:r>
               <a:rPr lang="en-US" sz="6000" dirty="0"/>
-              <a:t>iPhone vs Galaxy S9</a:t>
+              <a:t>iPhone X vs Galaxy S9</a:t>
             </a:r>
           </a:p>
         </p:txBody>
@@ -8817,28 +8813,416 @@
           </a:p>
         </p:txBody>
       </p:sp>
-      <p:sp>
-        <p:nvSpPr>
-          <p:cNvPr id="3" name="Content Placeholder 2">
+      <p:pic>
+        <p:nvPicPr>
+          <p:cNvPr id="5" name="Content Placeholder 4">
             <a:extLst>
               <a:ext uri="{FF2B5EF4-FFF2-40B4-BE49-F238E27FC236}">
-                <a16:creationId xmlns:a16="http://schemas.microsoft.com/office/drawing/2014/main" id="{20D9E96E-60AF-4785-BCC9-3CEDC8170F82}"/>
+                <a16:creationId xmlns:a16="http://schemas.microsoft.com/office/drawing/2014/main" id="{11F931B9-7B18-4E24-A16B-D6D60924F7A5}"/>
               </a:ext>
             </a:extLst>
           </p:cNvPr>
-          <p:cNvSpPr>
-            <a:spLocks noGrp="1"/>
-          </p:cNvSpPr>
+          <p:cNvPicPr>
+            <a:picLocks noGrp="1" noChangeAspect="1"/>
+          </p:cNvPicPr>
           <p:nvPr>
             <p:ph idx="1"/>
           </p:nvPr>
-        </p:nvSpPr>
-        <p:spPr/>
-        <p:txBody>
-          <a:bodyPr/>
-          <a:lstStyle/>
-          <a:p>
-            <a:endParaRPr lang="en-US"/>
+        </p:nvPicPr>
+        <p:blipFill>
+          <a:blip r:embed="rId2"/>
+          <a:stretch>
+            <a:fillRect/>
+          </a:stretch>
+        </p:blipFill>
+        <p:spPr>
+          <a:xfrm>
+            <a:off x="6017229" y="2057644"/>
+            <a:ext cx="5358752" cy="4195762"/>
+          </a:xfrm>
+        </p:spPr>
+      </p:pic>
+      <p:sp>
+        <p:nvSpPr>
+          <p:cNvPr id="7" name="Content Placeholder 2">
+            <a:extLst>
+              <a:ext uri="{FF2B5EF4-FFF2-40B4-BE49-F238E27FC236}">
+                <a16:creationId xmlns:a16="http://schemas.microsoft.com/office/drawing/2014/main" id="{A6486E85-418F-4460-8F44-82B4BE3743F7}"/>
+              </a:ext>
+            </a:extLst>
+          </p:cNvPr>
+          <p:cNvSpPr txBox="1">
+            <a:spLocks/>
+          </p:cNvSpPr>
+          <p:nvPr/>
+        </p:nvSpPr>
+        <p:spPr>
+          <a:xfrm>
+            <a:off x="816019" y="2039061"/>
+            <a:ext cx="4396339" cy="4195763"/>
+          </a:xfrm>
+          <a:prstGeom prst="rect">
+            <a:avLst/>
+          </a:prstGeom>
+        </p:spPr>
+        <p:txBody>
+          <a:bodyPr vert="horz" lIns="91440" tIns="45720" rIns="91440" bIns="45720" rtlCol="0">
+            <a:normAutofit/>
+          </a:bodyPr>
+          <a:lstStyle>
+            <a:lvl1pPr marL="342900" indent="-342900" algn="l" defTabSz="457200" rtl="0" eaLnBrk="1" latinLnBrk="0" hangingPunct="1">
+              <a:spcBef>
+                <a:spcPts val="1000"/>
+              </a:spcBef>
+              <a:spcAft>
+                <a:spcPts val="0"/>
+              </a:spcAft>
+              <a:buClr>
+                <a:schemeClr val="bg2">
+                  <a:lumMod val="40000"/>
+                  <a:lumOff val="60000"/>
+                </a:schemeClr>
+              </a:buClr>
+              <a:buSzPct val="80000"/>
+              <a:buFont typeface="Wingdings 3" charset="2"/>
+              <a:buChar char=""/>
+              <a:defRPr sz="2000" b="0" i="0" kern="1200">
+                <a:solidFill>
+                  <a:schemeClr val="tx1"/>
+                </a:solidFill>
+                <a:latin typeface="+mj-lt"/>
+                <a:ea typeface="+mj-ea"/>
+                <a:cs typeface="+mj-cs"/>
+              </a:defRPr>
+            </a:lvl1pPr>
+            <a:lvl2pPr marL="742950" indent="-285750" algn="l" defTabSz="457200" rtl="0" eaLnBrk="1" latinLnBrk="0" hangingPunct="1">
+              <a:spcBef>
+                <a:spcPts val="1000"/>
+              </a:spcBef>
+              <a:spcAft>
+                <a:spcPts val="0"/>
+              </a:spcAft>
+              <a:buClr>
+                <a:schemeClr val="bg2">
+                  <a:lumMod val="40000"/>
+                  <a:lumOff val="60000"/>
+                </a:schemeClr>
+              </a:buClr>
+              <a:buSzPct val="80000"/>
+              <a:buFont typeface="Wingdings 3" charset="2"/>
+              <a:buChar char=""/>
+              <a:defRPr sz="1800" b="0" i="0" kern="1200">
+                <a:solidFill>
+                  <a:schemeClr val="tx1"/>
+                </a:solidFill>
+                <a:latin typeface="+mj-lt"/>
+                <a:ea typeface="+mj-ea"/>
+                <a:cs typeface="+mj-cs"/>
+              </a:defRPr>
+            </a:lvl2pPr>
+            <a:lvl3pPr marL="1143000" indent="-228600" algn="l" defTabSz="457200" rtl="0" eaLnBrk="1" latinLnBrk="0" hangingPunct="1">
+              <a:spcBef>
+                <a:spcPts val="1000"/>
+              </a:spcBef>
+              <a:spcAft>
+                <a:spcPts val="0"/>
+              </a:spcAft>
+              <a:buClr>
+                <a:schemeClr val="bg2">
+                  <a:lumMod val="40000"/>
+                  <a:lumOff val="60000"/>
+                </a:schemeClr>
+              </a:buClr>
+              <a:buSzPct val="80000"/>
+              <a:buFont typeface="Wingdings 3" charset="2"/>
+              <a:buChar char=""/>
+              <a:defRPr sz="1600" b="0" i="0" kern="1200">
+                <a:solidFill>
+                  <a:schemeClr val="tx1"/>
+                </a:solidFill>
+                <a:latin typeface="+mj-lt"/>
+                <a:ea typeface="+mj-ea"/>
+                <a:cs typeface="+mj-cs"/>
+              </a:defRPr>
+            </a:lvl3pPr>
+            <a:lvl4pPr marL="1600200" indent="-228600" algn="l" defTabSz="457200" rtl="0" eaLnBrk="1" latinLnBrk="0" hangingPunct="1">
+              <a:spcBef>
+                <a:spcPts val="1000"/>
+              </a:spcBef>
+              <a:spcAft>
+                <a:spcPts val="0"/>
+              </a:spcAft>
+              <a:buClr>
+                <a:schemeClr val="bg2">
+                  <a:lumMod val="40000"/>
+                  <a:lumOff val="60000"/>
+                </a:schemeClr>
+              </a:buClr>
+              <a:buSzPct val="80000"/>
+              <a:buFont typeface="Wingdings 3" charset="2"/>
+              <a:buChar char=""/>
+              <a:defRPr sz="1400" b="0" i="0" kern="1200">
+                <a:solidFill>
+                  <a:schemeClr val="tx1"/>
+                </a:solidFill>
+                <a:latin typeface="+mj-lt"/>
+                <a:ea typeface="+mj-ea"/>
+                <a:cs typeface="+mj-cs"/>
+              </a:defRPr>
+            </a:lvl4pPr>
+            <a:lvl5pPr marL="2057400" indent="-228600" algn="l" defTabSz="457200" rtl="0" eaLnBrk="1" latinLnBrk="0" hangingPunct="1">
+              <a:spcBef>
+                <a:spcPts val="1000"/>
+              </a:spcBef>
+              <a:spcAft>
+                <a:spcPts val="0"/>
+              </a:spcAft>
+              <a:buClr>
+                <a:schemeClr val="bg2">
+                  <a:lumMod val="40000"/>
+                  <a:lumOff val="60000"/>
+                </a:schemeClr>
+              </a:buClr>
+              <a:buSzPct val="80000"/>
+              <a:buFont typeface="Wingdings 3" charset="2"/>
+              <a:buChar char=""/>
+              <a:defRPr sz="1400" b="0" i="0" kern="1200">
+                <a:solidFill>
+                  <a:schemeClr val="tx1"/>
+                </a:solidFill>
+                <a:latin typeface="+mj-lt"/>
+                <a:ea typeface="+mj-ea"/>
+                <a:cs typeface="+mj-cs"/>
+              </a:defRPr>
+            </a:lvl5pPr>
+            <a:lvl6pPr marL="2514600" indent="-228600" algn="l" defTabSz="457200" rtl="0" eaLnBrk="1" latinLnBrk="0" hangingPunct="1">
+              <a:spcBef>
+                <a:spcPct val="20000"/>
+              </a:spcBef>
+              <a:spcAft>
+                <a:spcPts val="600"/>
+              </a:spcAft>
+              <a:buClr>
+                <a:schemeClr val="bg2">
+                  <a:lumMod val="40000"/>
+                  <a:lumOff val="60000"/>
+                </a:schemeClr>
+              </a:buClr>
+              <a:buSzPct val="80000"/>
+              <a:buFont typeface="Wingdings 3" charset="2"/>
+              <a:buChar char=""/>
+              <a:defRPr sz="1200" b="0" i="0" kern="1200">
+                <a:solidFill>
+                  <a:schemeClr val="tx1"/>
+                </a:solidFill>
+                <a:latin typeface="+mj-lt"/>
+                <a:ea typeface="+mj-ea"/>
+                <a:cs typeface="+mj-cs"/>
+              </a:defRPr>
+            </a:lvl6pPr>
+            <a:lvl7pPr marL="2971800" indent="-228600" algn="l" defTabSz="457200" rtl="0" eaLnBrk="1" latinLnBrk="0" hangingPunct="1">
+              <a:spcBef>
+                <a:spcPct val="20000"/>
+              </a:spcBef>
+              <a:spcAft>
+                <a:spcPts val="600"/>
+              </a:spcAft>
+              <a:buClr>
+                <a:schemeClr val="bg2">
+                  <a:lumMod val="40000"/>
+                  <a:lumOff val="60000"/>
+                </a:schemeClr>
+              </a:buClr>
+              <a:buSzPct val="80000"/>
+              <a:buFont typeface="Wingdings 3" charset="2"/>
+              <a:buChar char=""/>
+              <a:defRPr sz="1200" b="0" i="0" kern="1200">
+                <a:solidFill>
+                  <a:schemeClr val="tx1"/>
+                </a:solidFill>
+                <a:latin typeface="+mj-lt"/>
+                <a:ea typeface="+mj-ea"/>
+                <a:cs typeface="+mj-cs"/>
+              </a:defRPr>
+            </a:lvl7pPr>
+            <a:lvl8pPr marL="3429000" indent="-228600" algn="l" defTabSz="457200" rtl="0" eaLnBrk="1" latinLnBrk="0" hangingPunct="1">
+              <a:spcBef>
+                <a:spcPct val="20000"/>
+              </a:spcBef>
+              <a:spcAft>
+                <a:spcPts val="600"/>
+              </a:spcAft>
+              <a:buClr>
+                <a:schemeClr val="bg2">
+                  <a:lumMod val="40000"/>
+                  <a:lumOff val="60000"/>
+                </a:schemeClr>
+              </a:buClr>
+              <a:buSzPct val="80000"/>
+              <a:buFont typeface="Wingdings 3" charset="2"/>
+              <a:buChar char=""/>
+              <a:defRPr sz="1200" b="0" i="0" kern="1200">
+                <a:solidFill>
+                  <a:schemeClr val="tx1"/>
+                </a:solidFill>
+                <a:latin typeface="+mj-lt"/>
+                <a:ea typeface="+mj-ea"/>
+                <a:cs typeface="+mj-cs"/>
+              </a:defRPr>
+            </a:lvl8pPr>
+            <a:lvl9pPr marL="3886200" indent="-228600" algn="l" defTabSz="457200" rtl="0" eaLnBrk="1" latinLnBrk="0" hangingPunct="1">
+              <a:spcBef>
+                <a:spcPct val="20000"/>
+              </a:spcBef>
+              <a:spcAft>
+                <a:spcPts val="600"/>
+              </a:spcAft>
+              <a:buClr>
+                <a:schemeClr val="bg2">
+                  <a:lumMod val="40000"/>
+                  <a:lumOff val="60000"/>
+                </a:schemeClr>
+              </a:buClr>
+              <a:buSzPct val="80000"/>
+              <a:buFont typeface="Wingdings 3" charset="2"/>
+              <a:buChar char=""/>
+              <a:defRPr sz="1200" b="0" i="0" kern="1200">
+                <a:solidFill>
+                  <a:schemeClr val="tx1"/>
+                </a:solidFill>
+                <a:latin typeface="+mj-lt"/>
+                <a:ea typeface="+mj-ea"/>
+                <a:cs typeface="+mj-cs"/>
+              </a:defRPr>
+            </a:lvl9pPr>
+          </a:lstStyle>
+          <a:p>
+            <a:r>
+              <a:rPr lang="en-US" dirty="0"/>
+              <a:t>Avg. Degree 2.096</a:t>
+            </a:r>
+          </a:p>
+          <a:p>
+            <a:r>
+              <a:rPr lang="en-US" dirty="0"/>
+              <a:t>Over 2100 classes</a:t>
+            </a:r>
+          </a:p>
+          <a:p>
+            <a:pPr lvl="1"/>
+            <a:r>
+              <a:rPr lang="en-US" dirty="0"/>
+              <a:t>0.936 Modularity</a:t>
+            </a:r>
+          </a:p>
+          <a:p>
+            <a:r>
+              <a:rPr lang="en-US" dirty="0"/>
+              <a:t>Graph Density 0.04</a:t>
+            </a:r>
+          </a:p>
+          <a:p>
+            <a:endParaRPr lang="en-US" dirty="0"/>
+          </a:p>
+          <a:p>
+            <a:endParaRPr lang="en-US" dirty="0"/>
+          </a:p>
+        </p:txBody>
+      </p:sp>
+      <p:sp>
+        <p:nvSpPr>
+          <p:cNvPr id="8" name="TextBox 7">
+            <a:extLst>
+              <a:ext uri="{FF2B5EF4-FFF2-40B4-BE49-F238E27FC236}">
+                <a16:creationId xmlns:a16="http://schemas.microsoft.com/office/drawing/2014/main" id="{9F1F87F2-7A05-43F7-AF15-B167B87EA159}"/>
+              </a:ext>
+            </a:extLst>
+          </p:cNvPr>
+          <p:cNvSpPr txBox="1"/>
+          <p:nvPr/>
+        </p:nvSpPr>
+        <p:spPr>
+          <a:xfrm>
+            <a:off x="6460245" y="1392730"/>
+            <a:ext cx="4838476" cy="646331"/>
+          </a:xfrm>
+          <a:prstGeom prst="rect">
+            <a:avLst/>
+          </a:prstGeom>
+          <a:noFill/>
+        </p:spPr>
+        <p:txBody>
+          <a:bodyPr wrap="square" rtlCol="0">
+            <a:spAutoFit/>
+          </a:bodyPr>
+          <a:lstStyle/>
+          <a:p>
+            <a:r>
+              <a:rPr lang="en-US" dirty="0" err="1"/>
+              <a:t>Fruchterman</a:t>
+            </a:r>
+            <a:r>
+              <a:rPr lang="en-US" dirty="0"/>
+              <a:t> </a:t>
+            </a:r>
+            <a:r>
+              <a:rPr lang="en-US" dirty="0" err="1"/>
+              <a:t>Reingold</a:t>
+            </a:r>
+            <a:r>
+              <a:rPr lang="en-US" dirty="0"/>
+              <a:t> Layout</a:t>
+            </a:r>
+          </a:p>
+          <a:p>
+            <a:r>
+              <a:rPr lang="en-US" dirty="0"/>
+              <a:t>Text size scaled on Eigenvector Centrality</a:t>
+            </a:r>
+          </a:p>
+        </p:txBody>
+      </p:sp>
+      <p:sp>
+        <p:nvSpPr>
+          <p:cNvPr id="9" name="TextBox 8">
+            <a:extLst>
+              <a:ext uri="{FF2B5EF4-FFF2-40B4-BE49-F238E27FC236}">
+                <a16:creationId xmlns:a16="http://schemas.microsoft.com/office/drawing/2014/main" id="{0061C364-0101-4D61-90D1-E7C313212344}"/>
+              </a:ext>
+            </a:extLst>
+          </p:cNvPr>
+          <p:cNvSpPr txBox="1"/>
+          <p:nvPr/>
+        </p:nvSpPr>
+        <p:spPr>
+          <a:xfrm>
+            <a:off x="816019" y="4313816"/>
+            <a:ext cx="3799012" cy="1754326"/>
+          </a:xfrm>
+          <a:prstGeom prst="rect">
+            <a:avLst/>
+          </a:prstGeom>
+          <a:noFill/>
+        </p:spPr>
+        <p:txBody>
+          <a:bodyPr wrap="square" rtlCol="0">
+            <a:spAutoFit/>
+          </a:bodyPr>
+          <a:lstStyle/>
+          <a:p>
+            <a:r>
+              <a:rPr lang="en-US" dirty="0"/>
+              <a:t>Most popular nodes are related to a contest of Giveaway for free things.</a:t>
+            </a:r>
+          </a:p>
+          <a:p>
+            <a:endParaRPr lang="en-US" dirty="0"/>
+          </a:p>
+          <a:p>
+            <a:r>
+              <a:rPr lang="en-US" dirty="0"/>
+              <a:t>Additionally, photography or art is popular as well.</a:t>
+            </a:r>
           </a:p>
         </p:txBody>
       </p:sp>

--- a/FINAL_presentation_iphone_galaxy.pptx
+++ b/FINAL_presentation_iphone_galaxy.pptx
@@ -5,25 +5,33 @@
     <p:sldMasterId id="2147483648" r:id="rId1"/>
   </p:sldMasterIdLst>
   <p:notesMasterIdLst>
-    <p:notesMasterId r:id="rId15"/>
+    <p:notesMasterId r:id="rId23"/>
   </p:notesMasterIdLst>
   <p:handoutMasterIdLst>
-    <p:handoutMasterId r:id="rId16"/>
+    <p:handoutMasterId r:id="rId24"/>
   </p:handoutMasterIdLst>
   <p:sldIdLst>
     <p:sldId id="257" r:id="rId2"/>
     <p:sldId id="263" r:id="rId3"/>
     <p:sldId id="272" r:id="rId4"/>
     <p:sldId id="273" r:id="rId5"/>
-    <p:sldId id="274" r:id="rId6"/>
-    <p:sldId id="275" r:id="rId7"/>
-    <p:sldId id="276" r:id="rId8"/>
-    <p:sldId id="277" r:id="rId9"/>
-    <p:sldId id="278" r:id="rId10"/>
-    <p:sldId id="279" r:id="rId11"/>
-    <p:sldId id="280" r:id="rId12"/>
-    <p:sldId id="281" r:id="rId13"/>
-    <p:sldId id="282" r:id="rId14"/>
+    <p:sldId id="285" r:id="rId6"/>
+    <p:sldId id="274" r:id="rId7"/>
+    <p:sldId id="275" r:id="rId8"/>
+    <p:sldId id="276" r:id="rId9"/>
+    <p:sldId id="286" r:id="rId10"/>
+    <p:sldId id="277" r:id="rId11"/>
+    <p:sldId id="278" r:id="rId12"/>
+    <p:sldId id="279" r:id="rId13"/>
+    <p:sldId id="280" r:id="rId14"/>
+    <p:sldId id="281" r:id="rId15"/>
+    <p:sldId id="284" r:id="rId16"/>
+    <p:sldId id="282" r:id="rId17"/>
+    <p:sldId id="290" r:id="rId18"/>
+    <p:sldId id="287" r:id="rId19"/>
+    <p:sldId id="288" r:id="rId20"/>
+    <p:sldId id="289" r:id="rId21"/>
+    <p:sldId id="283" r:id="rId22"/>
   </p:sldIdLst>
   <p:sldSz cx="12192000" cy="6858000"/>
   <p:notesSz cx="7023100" cy="9309100"/>
@@ -130,6 +138,4001 @@
 </p:presentation>
 </file>
 
+<file path=ppt/commentAuthors.xml><?xml version="1.0" encoding="utf-8"?>
+<p:cmAuthorLst xmlns:a="http://schemas.openxmlformats.org/drawingml/2006/main" xmlns:r="http://schemas.openxmlformats.org/officeDocument/2006/relationships" xmlns:p="http://schemas.openxmlformats.org/presentationml/2006/main">
+  <p:cmAuthor id="1" name="Andrew Egelhof" initials="AE" lastIdx="2" clrIdx="0">
+    <p:extLst>
+      <p:ext uri="{19B8F6BF-5375-455C-9EA6-DF929625EA0E}">
+        <p15:presenceInfo xmlns:p15="http://schemas.microsoft.com/office/powerpoint/2012/main" userId="Andrew Egelhof" providerId="None"/>
+      </p:ext>
+    </p:extLst>
+  </p:cmAuthor>
+</p:cmAuthorLst>
+</file>
+
+<file path=ppt/changesInfos/changesInfo1.xml><?xml version="1.0" encoding="utf-8"?>
+<pc:chgInfo xmlns:a="http://schemas.openxmlformats.org/drawingml/2006/main" xmlns:r="http://schemas.openxmlformats.org/officeDocument/2006/relationships" xmlns:ac="http://schemas.microsoft.com/office/drawing/2013/main/command" xmlns:pc="http://schemas.microsoft.com/office/powerpoint/2013/main/command">
+  <pc:docChgLst>
+    <pc:chgData name="Andrew Egelhof" userId="29058917-62c7-476e-9c17-21507d35c92b" providerId="ADAL" clId="{CCC7B729-793A-4328-921B-7073466B6191}"/>
+    <pc:docChg chg="undo custSel addSld modSld sldOrd">
+      <pc:chgData name="Andrew Egelhof" userId="29058917-62c7-476e-9c17-21507d35c92b" providerId="ADAL" clId="{CCC7B729-793A-4328-921B-7073466B6191}" dt="2018-05-05T20:20:54.209" v="1463" actId="20577"/>
+      <pc:docMkLst>
+        <pc:docMk/>
+      </pc:docMkLst>
+      <pc:sldChg chg="modSp">
+        <pc:chgData name="Andrew Egelhof" userId="29058917-62c7-476e-9c17-21507d35c92b" providerId="ADAL" clId="{CCC7B729-793A-4328-921B-7073466B6191}" dt="2018-05-05T20:20:54.209" v="1463" actId="20577"/>
+        <pc:sldMkLst>
+          <pc:docMk/>
+          <pc:sldMk cId="477595119" sldId="276"/>
+        </pc:sldMkLst>
+        <pc:spChg chg="mod">
+          <ac:chgData name="Andrew Egelhof" userId="29058917-62c7-476e-9c17-21507d35c92b" providerId="ADAL" clId="{CCC7B729-793A-4328-921B-7073466B6191}" dt="2018-05-05T20:20:54.209" v="1463" actId="20577"/>
+          <ac:spMkLst>
+            <pc:docMk/>
+            <pc:sldMk cId="477595119" sldId="276"/>
+            <ac:spMk id="2" creationId="{EF68FF24-76FE-4E4F-972D-4CD0DEE5E189}"/>
+          </ac:spMkLst>
+        </pc:spChg>
+      </pc:sldChg>
+      <pc:sldChg chg="addSp modSp mod">
+        <pc:chgData name="Andrew Egelhof" userId="29058917-62c7-476e-9c17-21507d35c92b" providerId="ADAL" clId="{CCC7B729-793A-4328-921B-7073466B6191}" dt="2018-05-05T19:46:05.373" v="1448"/>
+        <pc:sldMkLst>
+          <pc:docMk/>
+          <pc:sldMk cId="1564512077" sldId="282"/>
+        </pc:sldMkLst>
+        <pc:spChg chg="mod">
+          <ac:chgData name="Andrew Egelhof" userId="29058917-62c7-476e-9c17-21507d35c92b" providerId="ADAL" clId="{CCC7B729-793A-4328-921B-7073466B6191}" dt="2018-05-05T18:55:21.498" v="12" actId="20577"/>
+          <ac:spMkLst>
+            <pc:docMk/>
+            <pc:sldMk cId="1564512077" sldId="282"/>
+            <ac:spMk id="2" creationId="{0BCED554-BEF2-4430-B80A-4B5BC53AE7D5}"/>
+          </ac:spMkLst>
+        </pc:spChg>
+        <pc:spChg chg="mod">
+          <ac:chgData name="Andrew Egelhof" userId="29058917-62c7-476e-9c17-21507d35c92b" providerId="ADAL" clId="{CCC7B729-793A-4328-921B-7073466B6191}" dt="2018-05-05T19:05:15.673" v="476" actId="5793"/>
+          <ac:spMkLst>
+            <pc:docMk/>
+            <pc:sldMk cId="1564512077" sldId="282"/>
+            <ac:spMk id="3" creationId="{0E04A5A6-8F6C-43EB-A5CE-97699DC3DFFA}"/>
+          </ac:spMkLst>
+        </pc:spChg>
+        <pc:graphicFrameChg chg="add mod">
+          <ac:chgData name="Andrew Egelhof" userId="29058917-62c7-476e-9c17-21507d35c92b" providerId="ADAL" clId="{CCC7B729-793A-4328-921B-7073466B6191}" dt="2018-05-05T19:46:05.373" v="1448"/>
+          <ac:graphicFrameMkLst>
+            <pc:docMk/>
+            <pc:sldMk cId="1564512077" sldId="282"/>
+            <ac:graphicFrameMk id="6" creationId="{42499F0E-F084-45F7-AD62-A0ED83D896DC}"/>
+          </ac:graphicFrameMkLst>
+        </pc:graphicFrameChg>
+        <pc:graphicFrameChg chg="add mod">
+          <ac:chgData name="Andrew Egelhof" userId="29058917-62c7-476e-9c17-21507d35c92b" providerId="ADAL" clId="{CCC7B729-793A-4328-921B-7073466B6191}" dt="2018-05-05T19:44:38.216" v="1445" actId="1076"/>
+          <ac:graphicFrameMkLst>
+            <pc:docMk/>
+            <pc:sldMk cId="1564512077" sldId="282"/>
+            <ac:graphicFrameMk id="9" creationId="{F50E8551-2389-4462-824F-8F04A5B9509C}"/>
+          </ac:graphicFrameMkLst>
+        </pc:graphicFrameChg>
+      </pc:sldChg>
+      <pc:sldChg chg="delSp modSp add">
+        <pc:chgData name="Andrew Egelhof" userId="29058917-62c7-476e-9c17-21507d35c92b" providerId="ADAL" clId="{CCC7B729-793A-4328-921B-7073466B6191}" dt="2018-05-05T18:58:57.092" v="218" actId="20577"/>
+        <pc:sldMkLst>
+          <pc:docMk/>
+          <pc:sldMk cId="959535917" sldId="283"/>
+        </pc:sldMkLst>
+        <pc:spChg chg="mod">
+          <ac:chgData name="Andrew Egelhof" userId="29058917-62c7-476e-9c17-21507d35c92b" providerId="ADAL" clId="{CCC7B729-793A-4328-921B-7073466B6191}" dt="2018-05-05T18:58:37.436" v="211" actId="20577"/>
+          <ac:spMkLst>
+            <pc:docMk/>
+            <pc:sldMk cId="959535917" sldId="283"/>
+            <ac:spMk id="2" creationId="{F190462D-6B72-4F57-81A6-7934012ADE6E}"/>
+          </ac:spMkLst>
+        </pc:spChg>
+        <pc:spChg chg="mod">
+          <ac:chgData name="Andrew Egelhof" userId="29058917-62c7-476e-9c17-21507d35c92b" providerId="ADAL" clId="{CCC7B729-793A-4328-921B-7073466B6191}" dt="2018-05-05T18:58:57.092" v="218" actId="20577"/>
+          <ac:spMkLst>
+            <pc:docMk/>
+            <pc:sldMk cId="959535917" sldId="283"/>
+            <ac:spMk id="3" creationId="{2F9CB1A8-E303-4C36-8210-DACB8A5BD83B}"/>
+          </ac:spMkLst>
+        </pc:spChg>
+        <pc:spChg chg="del">
+          <ac:chgData name="Andrew Egelhof" userId="29058917-62c7-476e-9c17-21507d35c92b" providerId="ADAL" clId="{CCC7B729-793A-4328-921B-7073466B6191}" dt="2018-05-05T18:58:45.545" v="212" actId="478"/>
+          <ac:spMkLst>
+            <pc:docMk/>
+            <pc:sldMk cId="959535917" sldId="283"/>
+            <ac:spMk id="4" creationId="{9F8634D6-B3D6-4C5F-B04D-970BAACE760E}"/>
+          </ac:spMkLst>
+        </pc:spChg>
+      </pc:sldChg>
+      <pc:sldChg chg="addSp delSp modSp add ord">
+        <pc:chgData name="Andrew Egelhof" userId="29058917-62c7-476e-9c17-21507d35c92b" providerId="ADAL" clId="{CCC7B729-793A-4328-921B-7073466B6191}" dt="2018-05-05T19:00:53.562" v="258" actId="1076"/>
+        <pc:sldMkLst>
+          <pc:docMk/>
+          <pc:sldMk cId="1542199392" sldId="284"/>
+        </pc:sldMkLst>
+        <pc:spChg chg="del">
+          <ac:chgData name="Andrew Egelhof" userId="29058917-62c7-476e-9c17-21507d35c92b" providerId="ADAL" clId="{CCC7B729-793A-4328-921B-7073466B6191}" dt="2018-05-05T18:59:39.515" v="224"/>
+          <ac:spMkLst>
+            <pc:docMk/>
+            <pc:sldMk cId="1542199392" sldId="284"/>
+            <ac:spMk id="2" creationId="{9C459203-3CD5-436D-BAC4-E2AB2C96C1FF}"/>
+          </ac:spMkLst>
+        </pc:spChg>
+        <pc:spChg chg="del">
+          <ac:chgData name="Andrew Egelhof" userId="29058917-62c7-476e-9c17-21507d35c92b" providerId="ADAL" clId="{CCC7B729-793A-4328-921B-7073466B6191}" dt="2018-05-05T18:59:39.515" v="224"/>
+          <ac:spMkLst>
+            <pc:docMk/>
+            <pc:sldMk cId="1542199392" sldId="284"/>
+            <ac:spMk id="3" creationId="{8E4B6361-19F3-481C-9280-ED58B2EC6108}"/>
+          </ac:spMkLst>
+        </pc:spChg>
+        <pc:spChg chg="del">
+          <ac:chgData name="Andrew Egelhof" userId="29058917-62c7-476e-9c17-21507d35c92b" providerId="ADAL" clId="{CCC7B729-793A-4328-921B-7073466B6191}" dt="2018-05-05T18:59:39.515" v="224"/>
+          <ac:spMkLst>
+            <pc:docMk/>
+            <pc:sldMk cId="1542199392" sldId="284"/>
+            <ac:spMk id="4" creationId="{4713E159-8B22-4817-AA37-A1A2CAD250CC}"/>
+          </ac:spMkLst>
+        </pc:spChg>
+        <pc:spChg chg="add mod">
+          <ac:chgData name="Andrew Egelhof" userId="29058917-62c7-476e-9c17-21507d35c92b" providerId="ADAL" clId="{CCC7B729-793A-4328-921B-7073466B6191}" dt="2018-05-05T19:00:53.562" v="258" actId="1076"/>
+          <ac:spMkLst>
+            <pc:docMk/>
+            <pc:sldMk cId="1542199392" sldId="284"/>
+            <ac:spMk id="5" creationId="{CE1611FE-A0A3-4BBC-BBE4-A30E0A9FFEE1}"/>
+          </ac:spMkLst>
+        </pc:spChg>
+        <pc:spChg chg="add del mod">
+          <ac:chgData name="Andrew Egelhof" userId="29058917-62c7-476e-9c17-21507d35c92b" providerId="ADAL" clId="{CCC7B729-793A-4328-921B-7073466B6191}" dt="2018-05-05T19:00:00.515" v="243" actId="478"/>
+          <ac:spMkLst>
+            <pc:docMk/>
+            <pc:sldMk cId="1542199392" sldId="284"/>
+            <ac:spMk id="6" creationId="{6030076C-5C55-4A7F-82D7-7E98252F2289}"/>
+          </ac:spMkLst>
+        </pc:spChg>
+      </pc:sldChg>
+      <pc:sldChg chg="modSp add">
+        <pc:chgData name="Andrew Egelhof" userId="29058917-62c7-476e-9c17-21507d35c92b" providerId="ADAL" clId="{CCC7B729-793A-4328-921B-7073466B6191}" dt="2018-05-05T19:00:47.734" v="257" actId="1076"/>
+        <pc:sldMkLst>
+          <pc:docMk/>
+          <pc:sldMk cId="2282768836" sldId="285"/>
+        </pc:sldMkLst>
+        <pc:spChg chg="mod">
+          <ac:chgData name="Andrew Egelhof" userId="29058917-62c7-476e-9c17-21507d35c92b" providerId="ADAL" clId="{CCC7B729-793A-4328-921B-7073466B6191}" dt="2018-05-05T19:00:47.734" v="257" actId="1076"/>
+          <ac:spMkLst>
+            <pc:docMk/>
+            <pc:sldMk cId="2282768836" sldId="285"/>
+            <ac:spMk id="5" creationId="{CE1611FE-A0A3-4BBC-BBE4-A30E0A9FFEE1}"/>
+          </ac:spMkLst>
+        </pc:spChg>
+      </pc:sldChg>
+      <pc:sldChg chg="modSp add ord">
+        <pc:chgData name="Andrew Egelhof" userId="29058917-62c7-476e-9c17-21507d35c92b" providerId="ADAL" clId="{CCC7B729-793A-4328-921B-7073466B6191}" dt="2018-05-05T19:01:11.577" v="270" actId="20577"/>
+        <pc:sldMkLst>
+          <pc:docMk/>
+          <pc:sldMk cId="3565333814" sldId="286"/>
+        </pc:sldMkLst>
+        <pc:spChg chg="mod">
+          <ac:chgData name="Andrew Egelhof" userId="29058917-62c7-476e-9c17-21507d35c92b" providerId="ADAL" clId="{CCC7B729-793A-4328-921B-7073466B6191}" dt="2018-05-05T19:01:11.577" v="270" actId="20577"/>
+          <ac:spMkLst>
+            <pc:docMk/>
+            <pc:sldMk cId="3565333814" sldId="286"/>
+            <ac:spMk id="5" creationId="{CE1611FE-A0A3-4BBC-BBE4-A30E0A9FFEE1}"/>
+          </ac:spMkLst>
+        </pc:spChg>
+      </pc:sldChg>
+      <pc:sldChg chg="addSp delSp modSp add ord addCm delCm modCm">
+        <pc:chgData name="Andrew Egelhof" userId="29058917-62c7-476e-9c17-21507d35c92b" providerId="ADAL" clId="{CCC7B729-793A-4328-921B-7073466B6191}" dt="2018-05-05T19:33:03.634" v="1323"/>
+        <pc:sldMkLst>
+          <pc:docMk/>
+          <pc:sldMk cId="1877594445" sldId="287"/>
+        </pc:sldMkLst>
+        <pc:spChg chg="del mod">
+          <ac:chgData name="Andrew Egelhof" userId="29058917-62c7-476e-9c17-21507d35c92b" providerId="ADAL" clId="{CCC7B729-793A-4328-921B-7073466B6191}" dt="2018-05-05T19:20:13.552" v="587" actId="478"/>
+          <ac:spMkLst>
+            <pc:docMk/>
+            <pc:sldMk cId="1877594445" sldId="287"/>
+            <ac:spMk id="2" creationId="{0BCED554-BEF2-4430-B80A-4B5BC53AE7D5}"/>
+          </ac:spMkLst>
+        </pc:spChg>
+        <pc:spChg chg="del">
+          <ac:chgData name="Andrew Egelhof" userId="29058917-62c7-476e-9c17-21507d35c92b" providerId="ADAL" clId="{CCC7B729-793A-4328-921B-7073466B6191}" dt="2018-05-05T19:13:28.644" v="485" actId="478"/>
+          <ac:spMkLst>
+            <pc:docMk/>
+            <pc:sldMk cId="1877594445" sldId="287"/>
+            <ac:spMk id="3" creationId="{0E04A5A6-8F6C-43EB-A5CE-97699DC3DFFA}"/>
+          </ac:spMkLst>
+        </pc:spChg>
+        <pc:spChg chg="add del mod">
+          <ac:chgData name="Andrew Egelhof" userId="29058917-62c7-476e-9c17-21507d35c92b" providerId="ADAL" clId="{CCC7B729-793A-4328-921B-7073466B6191}" dt="2018-05-05T19:12:07.831" v="479"/>
+          <ac:spMkLst>
+            <pc:docMk/>
+            <pc:sldMk cId="1877594445" sldId="287"/>
+            <ac:spMk id="4" creationId="{92D35EC6-B945-41C3-ACF4-D6ED3F4A0319}"/>
+          </ac:spMkLst>
+        </pc:spChg>
+        <pc:spChg chg="add del mod">
+          <ac:chgData name="Andrew Egelhof" userId="29058917-62c7-476e-9c17-21507d35c92b" providerId="ADAL" clId="{CCC7B729-793A-4328-921B-7073466B6191}" dt="2018-05-05T19:13:04.550" v="481"/>
+          <ac:spMkLst>
+            <pc:docMk/>
+            <pc:sldMk cId="1877594445" sldId="287"/>
+            <ac:spMk id="7" creationId="{5BE60E98-B94D-418D-9A5F-07541ACA6C54}"/>
+          </ac:spMkLst>
+        </pc:spChg>
+        <pc:spChg chg="add del mod">
+          <ac:chgData name="Andrew Egelhof" userId="29058917-62c7-476e-9c17-21507d35c92b" providerId="ADAL" clId="{CCC7B729-793A-4328-921B-7073466B6191}" dt="2018-05-05T19:13:29.409" v="486" actId="478"/>
+          <ac:spMkLst>
+            <pc:docMk/>
+            <pc:sldMk cId="1877594445" sldId="287"/>
+            <ac:spMk id="10" creationId="{94679B4B-1F36-4F3C-979F-D9AC5F263CB3}"/>
+          </ac:spMkLst>
+        </pc:spChg>
+        <pc:spChg chg="add del mod">
+          <ac:chgData name="Andrew Egelhof" userId="29058917-62c7-476e-9c17-21507d35c92b" providerId="ADAL" clId="{CCC7B729-793A-4328-921B-7073466B6191}" dt="2018-05-05T19:13:31.894" v="487" actId="478"/>
+          <ac:spMkLst>
+            <pc:docMk/>
+            <pc:sldMk cId="1877594445" sldId="287"/>
+            <ac:spMk id="12" creationId="{46B0D19C-6DAC-4D16-BAD0-834DFD7A9DD6}"/>
+          </ac:spMkLst>
+        </pc:spChg>
+        <pc:spChg chg="add mod">
+          <ac:chgData name="Andrew Egelhof" userId="29058917-62c7-476e-9c17-21507d35c92b" providerId="ADAL" clId="{CCC7B729-793A-4328-921B-7073466B6191}" dt="2018-05-05T19:18:46.677" v="573" actId="1076"/>
+          <ac:spMkLst>
+            <pc:docMk/>
+            <pc:sldMk cId="1877594445" sldId="287"/>
+            <ac:spMk id="14" creationId="{7E7536E2-AC59-491A-9CC8-DF6D5BB988B2}"/>
+          </ac:spMkLst>
+        </pc:spChg>
+        <pc:spChg chg="add del mod">
+          <ac:chgData name="Andrew Egelhof" userId="29058917-62c7-476e-9c17-21507d35c92b" providerId="ADAL" clId="{CCC7B729-793A-4328-921B-7073466B6191}" dt="2018-05-05T19:18:23.052" v="551" actId="478"/>
+          <ac:spMkLst>
+            <pc:docMk/>
+            <pc:sldMk cId="1877594445" sldId="287"/>
+            <ac:spMk id="15" creationId="{1CE16E8A-19C1-4429-B840-300966DC40B4}"/>
+          </ac:spMkLst>
+        </pc:spChg>
+        <pc:spChg chg="add mod">
+          <ac:chgData name="Andrew Egelhof" userId="29058917-62c7-476e-9c17-21507d35c92b" providerId="ADAL" clId="{CCC7B729-793A-4328-921B-7073466B6191}" dt="2018-05-05T19:19:12.849" v="581" actId="1076"/>
+          <ac:spMkLst>
+            <pc:docMk/>
+            <pc:sldMk cId="1877594445" sldId="287"/>
+            <ac:spMk id="16" creationId="{DA795AFA-8797-464E-B890-44D71CEBF964}"/>
+          </ac:spMkLst>
+        </pc:spChg>
+        <pc:spChg chg="add mod">
+          <ac:chgData name="Andrew Egelhof" userId="29058917-62c7-476e-9c17-21507d35c92b" providerId="ADAL" clId="{CCC7B729-793A-4328-921B-7073466B6191}" dt="2018-05-05T19:20:56.709" v="592" actId="255"/>
+          <ac:spMkLst>
+            <pc:docMk/>
+            <pc:sldMk cId="1877594445" sldId="287"/>
+            <ac:spMk id="18" creationId="{BF46072F-CAB3-470F-A5E6-FA848790821F}"/>
+          </ac:spMkLst>
+        </pc:spChg>
+        <pc:spChg chg="add del">
+          <ac:chgData name="Andrew Egelhof" userId="29058917-62c7-476e-9c17-21507d35c92b" providerId="ADAL" clId="{CCC7B729-793A-4328-921B-7073466B6191}" dt="2018-05-05T19:20:38.865" v="590" actId="478"/>
+          <ac:spMkLst>
+            <pc:docMk/>
+            <pc:sldMk cId="1877594445" sldId="287"/>
+            <ac:spMk id="19" creationId="{3C3D0676-B1D3-4182-B9D7-A6BB8535D7C8}"/>
+          </ac:spMkLst>
+        </pc:spChg>
+        <pc:graphicFrameChg chg="add del mod">
+          <ac:chgData name="Andrew Egelhof" userId="29058917-62c7-476e-9c17-21507d35c92b" providerId="ADAL" clId="{CCC7B729-793A-4328-921B-7073466B6191}" dt="2018-05-05T19:13:04.034" v="480" actId="478"/>
+          <ac:graphicFrameMkLst>
+            <pc:docMk/>
+            <pc:sldMk cId="1877594445" sldId="287"/>
+            <ac:graphicFrameMk id="5" creationId="{902CD968-E046-4EFA-82A7-96B0CD37CBBA}"/>
+          </ac:graphicFrameMkLst>
+        </pc:graphicFrameChg>
+        <pc:graphicFrameChg chg="add del mod modGraphic">
+          <ac:chgData name="Andrew Egelhof" userId="29058917-62c7-476e-9c17-21507d35c92b" providerId="ADAL" clId="{CCC7B729-793A-4328-921B-7073466B6191}" dt="2018-05-05T19:13:26.847" v="484" actId="478"/>
+          <ac:graphicFrameMkLst>
+            <pc:docMk/>
+            <pc:sldMk cId="1877594445" sldId="287"/>
+            <ac:graphicFrameMk id="8" creationId="{AAF4C4DF-8243-407F-99D6-14CA9E8C6A9E}"/>
+          </ac:graphicFrameMkLst>
+        </pc:graphicFrameChg>
+        <pc:graphicFrameChg chg="add mod modGraphic">
+          <ac:chgData name="Andrew Egelhof" userId="29058917-62c7-476e-9c17-21507d35c92b" providerId="ADAL" clId="{CCC7B729-793A-4328-921B-7073466B6191}" dt="2018-05-05T19:18:46.677" v="573" actId="1076"/>
+          <ac:graphicFrameMkLst>
+            <pc:docMk/>
+            <pc:sldMk cId="1877594445" sldId="287"/>
+            <ac:graphicFrameMk id="13" creationId="{EF6C7772-16B0-4843-A9A4-90F54CBCE16A}"/>
+          </ac:graphicFrameMkLst>
+        </pc:graphicFrameChg>
+      </pc:sldChg>
+      <pc:sldChg chg="addSp delSp modSp add">
+        <pc:chgData name="Andrew Egelhof" userId="29058917-62c7-476e-9c17-21507d35c92b" providerId="ADAL" clId="{CCC7B729-793A-4328-921B-7073466B6191}" dt="2018-05-05T19:25:39.148" v="1136" actId="20577"/>
+        <pc:sldMkLst>
+          <pc:docMk/>
+          <pc:sldMk cId="1965199964" sldId="288"/>
+        </pc:sldMkLst>
+        <pc:spChg chg="del">
+          <ac:chgData name="Andrew Egelhof" userId="29058917-62c7-476e-9c17-21507d35c92b" providerId="ADAL" clId="{CCC7B729-793A-4328-921B-7073466B6191}" dt="2018-05-05T19:19:32.771" v="583"/>
+          <ac:spMkLst>
+            <pc:docMk/>
+            <pc:sldMk cId="1965199964" sldId="288"/>
+            <ac:spMk id="2" creationId="{8A51271E-EEF6-4570-B7DA-C4240341C9DA}"/>
+          </ac:spMkLst>
+        </pc:spChg>
+        <pc:spChg chg="del">
+          <ac:chgData name="Andrew Egelhof" userId="29058917-62c7-476e-9c17-21507d35c92b" providerId="ADAL" clId="{CCC7B729-793A-4328-921B-7073466B6191}" dt="2018-05-05T19:19:32.771" v="583"/>
+          <ac:spMkLst>
+            <pc:docMk/>
+            <pc:sldMk cId="1965199964" sldId="288"/>
+            <ac:spMk id="3" creationId="{6A7B2E79-0FD7-4DB6-ABEA-DDAE9D8555DA}"/>
+          </ac:spMkLst>
+        </pc:spChg>
+        <pc:spChg chg="del">
+          <ac:chgData name="Andrew Egelhof" userId="29058917-62c7-476e-9c17-21507d35c92b" providerId="ADAL" clId="{CCC7B729-793A-4328-921B-7073466B6191}" dt="2018-05-05T19:19:32.771" v="583"/>
+          <ac:spMkLst>
+            <pc:docMk/>
+            <pc:sldMk cId="1965199964" sldId="288"/>
+            <ac:spMk id="4" creationId="{D4E6A2EB-A2B5-4736-90A8-8F38A05FF560}"/>
+          </ac:spMkLst>
+        </pc:spChg>
+        <pc:spChg chg="add mod">
+          <ac:chgData name="Andrew Egelhof" userId="29058917-62c7-476e-9c17-21507d35c92b" providerId="ADAL" clId="{CCC7B729-793A-4328-921B-7073466B6191}" dt="2018-05-05T19:21:15.677" v="628" actId="20577"/>
+          <ac:spMkLst>
+            <pc:docMk/>
+            <pc:sldMk cId="1965199964" sldId="288"/>
+            <ac:spMk id="5" creationId="{16AFE7EB-98C4-470A-BCD2-651B344F20DA}"/>
+          </ac:spMkLst>
+        </pc:spChg>
+        <pc:spChg chg="add mod">
+          <ac:chgData name="Andrew Egelhof" userId="29058917-62c7-476e-9c17-21507d35c92b" providerId="ADAL" clId="{CCC7B729-793A-4328-921B-7073466B6191}" dt="2018-05-05T19:25:39.148" v="1136" actId="20577"/>
+          <ac:spMkLst>
+            <pc:docMk/>
+            <pc:sldMk cId="1965199964" sldId="288"/>
+            <ac:spMk id="6" creationId="{BAFC0169-0A05-4A11-91F7-F2785660BF92}"/>
+          </ac:spMkLst>
+        </pc:spChg>
+        <pc:spChg chg="add del mod">
+          <ac:chgData name="Andrew Egelhof" userId="29058917-62c7-476e-9c17-21507d35c92b" providerId="ADAL" clId="{CCC7B729-793A-4328-921B-7073466B6191}" dt="2018-05-05T19:21:06.849" v="594" actId="478"/>
+          <ac:spMkLst>
+            <pc:docMk/>
+            <pc:sldMk cId="1965199964" sldId="288"/>
+            <ac:spMk id="7" creationId="{0E48F0D3-479E-4216-8706-BB4981A06AE5}"/>
+          </ac:spMkLst>
+        </pc:spChg>
+      </pc:sldChg>
+      <pc:sldChg chg="addSp delSp modSp add mod ord">
+        <pc:chgData name="Andrew Egelhof" userId="29058917-62c7-476e-9c17-21507d35c92b" providerId="ADAL" clId="{CCC7B729-793A-4328-921B-7073466B6191}" dt="2018-05-05T19:54:03.324" v="1455" actId="313"/>
+        <pc:sldMkLst>
+          <pc:docMk/>
+          <pc:sldMk cId="2740274686" sldId="289"/>
+        </pc:sldMkLst>
+        <pc:spChg chg="mod">
+          <ac:chgData name="Andrew Egelhof" userId="29058917-62c7-476e-9c17-21507d35c92b" providerId="ADAL" clId="{CCC7B729-793A-4328-921B-7073466B6191}" dt="2018-05-05T19:25:55.616" v="1152" actId="20577"/>
+          <ac:spMkLst>
+            <pc:docMk/>
+            <pc:sldMk cId="2740274686" sldId="289"/>
+            <ac:spMk id="2" creationId="{EE22D5A4-6010-48F0-BD0F-9172CDCD5518}"/>
+          </ac:spMkLst>
+        </pc:spChg>
+        <pc:spChg chg="del">
+          <ac:chgData name="Andrew Egelhof" userId="29058917-62c7-476e-9c17-21507d35c92b" providerId="ADAL" clId="{CCC7B729-793A-4328-921B-7073466B6191}" dt="2018-05-05T19:26:00.679" v="1153"/>
+          <ac:spMkLst>
+            <pc:docMk/>
+            <pc:sldMk cId="2740274686" sldId="289"/>
+            <ac:spMk id="3" creationId="{1BC94CBF-060E-4AF5-8F2A-2F09DE79EDAD}"/>
+          </ac:spMkLst>
+        </pc:spChg>
+        <pc:spChg chg="del">
+          <ac:chgData name="Andrew Egelhof" userId="29058917-62c7-476e-9c17-21507d35c92b" providerId="ADAL" clId="{CCC7B729-793A-4328-921B-7073466B6191}" dt="2018-05-05T19:26:00.679" v="1153"/>
+          <ac:spMkLst>
+            <pc:docMk/>
+            <pc:sldMk cId="2740274686" sldId="289"/>
+            <ac:spMk id="4" creationId="{6EE9FAE0-FE88-49EC-B79A-BD3781F92797}"/>
+          </ac:spMkLst>
+        </pc:spChg>
+        <pc:spChg chg="add del mod">
+          <ac:chgData name="Andrew Egelhof" userId="29058917-62c7-476e-9c17-21507d35c92b" providerId="ADAL" clId="{CCC7B729-793A-4328-921B-7073466B6191}" dt="2018-05-05T19:26:23.132" v="1155" actId="1957"/>
+          <ac:spMkLst>
+            <pc:docMk/>
+            <pc:sldMk cId="2740274686" sldId="289"/>
+            <ac:spMk id="5" creationId="{351EFCAB-DE9A-45D2-918E-64E528027597}"/>
+          </ac:spMkLst>
+        </pc:spChg>
+        <pc:spChg chg="add mod">
+          <ac:chgData name="Andrew Egelhof" userId="29058917-62c7-476e-9c17-21507d35c92b" providerId="ADAL" clId="{CCC7B729-793A-4328-921B-7073466B6191}" dt="2018-05-05T19:54:03.324" v="1455" actId="313"/>
+          <ac:spMkLst>
+            <pc:docMk/>
+            <pc:sldMk cId="2740274686" sldId="289"/>
+            <ac:spMk id="9" creationId="{18B011DA-1499-4FC4-AE11-7A9E1DAE9F18}"/>
+          </ac:spMkLst>
+        </pc:spChg>
+        <pc:graphicFrameChg chg="add del mod">
+          <ac:chgData name="Andrew Egelhof" userId="29058917-62c7-476e-9c17-21507d35c92b" providerId="ADAL" clId="{CCC7B729-793A-4328-921B-7073466B6191}" dt="2018-05-05T19:27:01.101" v="1156" actId="478"/>
+          <ac:graphicFrameMkLst>
+            <pc:docMk/>
+            <pc:sldMk cId="2740274686" sldId="289"/>
+            <ac:graphicFrameMk id="8" creationId="{184BF044-0AE6-4D8A-A32D-95F0DC7F7BEE}"/>
+          </ac:graphicFrameMkLst>
+        </pc:graphicFrameChg>
+      </pc:sldChg>
+      <pc:sldChg chg="addSp delSp modSp add mod ord">
+        <pc:chgData name="Andrew Egelhof" userId="29058917-62c7-476e-9c17-21507d35c92b" providerId="ADAL" clId="{CCC7B729-793A-4328-921B-7073466B6191}" dt="2018-05-05T19:53:36.238" v="1451" actId="1076"/>
+        <pc:sldMkLst>
+          <pc:docMk/>
+          <pc:sldMk cId="1882350226" sldId="290"/>
+        </pc:sldMkLst>
+        <pc:spChg chg="mod">
+          <ac:chgData name="Andrew Egelhof" userId="29058917-62c7-476e-9c17-21507d35c92b" providerId="ADAL" clId="{CCC7B729-793A-4328-921B-7073466B6191}" dt="2018-05-05T19:33:14.119" v="1324"/>
+          <ac:spMkLst>
+            <pc:docMk/>
+            <pc:sldMk cId="1882350226" sldId="290"/>
+            <ac:spMk id="2" creationId="{AAB65B8C-0D2E-41ED-9513-0168CBAEF547}"/>
+          </ac:spMkLst>
+        </pc:spChg>
+        <pc:spChg chg="del">
+          <ac:chgData name="Andrew Egelhof" userId="29058917-62c7-476e-9c17-21507d35c92b" providerId="ADAL" clId="{CCC7B729-793A-4328-921B-7073466B6191}" dt="2018-05-05T19:27:31.781" v="1160" actId="1957"/>
+          <ac:spMkLst>
+            <pc:docMk/>
+            <pc:sldMk cId="1882350226" sldId="290"/>
+            <ac:spMk id="3" creationId="{A5B4168C-B2B3-4670-BC06-F19C8E62EFA7}"/>
+          </ac:spMkLst>
+        </pc:spChg>
+        <pc:spChg chg="add mod">
+          <ac:chgData name="Andrew Egelhof" userId="29058917-62c7-476e-9c17-21507d35c92b" providerId="ADAL" clId="{CCC7B729-793A-4328-921B-7073466B6191}" dt="2018-05-05T19:53:36.238" v="1451" actId="1076"/>
+          <ac:spMkLst>
+            <pc:docMk/>
+            <pc:sldMk cId="1882350226" sldId="290"/>
+            <ac:spMk id="12" creationId="{158F7927-DAE8-4A9E-85AE-5BDAA121C468}"/>
+          </ac:spMkLst>
+        </pc:spChg>
+        <pc:graphicFrameChg chg="add mod">
+          <ac:chgData name="Andrew Egelhof" userId="29058917-62c7-476e-9c17-21507d35c92b" providerId="ADAL" clId="{CCC7B729-793A-4328-921B-7073466B6191}" dt="2018-05-05T19:38:19.995" v="1368" actId="1076"/>
+          <ac:graphicFrameMkLst>
+            <pc:docMk/>
+            <pc:sldMk cId="1882350226" sldId="290"/>
+            <ac:graphicFrameMk id="6" creationId="{C8CB229C-7A92-497E-AFEF-4A62E5B52676}"/>
+          </ac:graphicFrameMkLst>
+        </pc:graphicFrameChg>
+        <pc:graphicFrameChg chg="add del mod">
+          <ac:chgData name="Andrew Egelhof" userId="29058917-62c7-476e-9c17-21507d35c92b" providerId="ADAL" clId="{CCC7B729-793A-4328-921B-7073466B6191}" dt="2018-05-05T19:36:33.354" v="1350" actId="478"/>
+          <ac:graphicFrameMkLst>
+            <pc:docMk/>
+            <pc:sldMk cId="1882350226" sldId="290"/>
+            <ac:graphicFrameMk id="7" creationId="{95C5F16A-9955-450C-BF0E-B36F887D962F}"/>
+          </ac:graphicFrameMkLst>
+        </pc:graphicFrameChg>
+        <pc:graphicFrameChg chg="add del mod">
+          <ac:chgData name="Andrew Egelhof" userId="29058917-62c7-476e-9c17-21507d35c92b" providerId="ADAL" clId="{CCC7B729-793A-4328-921B-7073466B6191}" dt="2018-05-05T19:36:31.885" v="1349" actId="478"/>
+          <ac:graphicFrameMkLst>
+            <pc:docMk/>
+            <pc:sldMk cId="1882350226" sldId="290"/>
+            <ac:graphicFrameMk id="8" creationId="{8DB08EB4-558F-4BE1-B548-4D16C3E74FDF}"/>
+          </ac:graphicFrameMkLst>
+        </pc:graphicFrameChg>
+        <pc:graphicFrameChg chg="add mod">
+          <ac:chgData name="Andrew Egelhof" userId="29058917-62c7-476e-9c17-21507d35c92b" providerId="ADAL" clId="{CCC7B729-793A-4328-921B-7073466B6191}" dt="2018-05-05T19:38:22.948" v="1369" actId="1076"/>
+          <ac:graphicFrameMkLst>
+            <pc:docMk/>
+            <pc:sldMk cId="1882350226" sldId="290"/>
+            <ac:graphicFrameMk id="9" creationId="{9FDDB9B6-3FFD-4606-AE39-8FC6AEBCDCE6}"/>
+          </ac:graphicFrameMkLst>
+        </pc:graphicFrameChg>
+        <pc:graphicFrameChg chg="add del mod">
+          <ac:chgData name="Andrew Egelhof" userId="29058917-62c7-476e-9c17-21507d35c92b" providerId="ADAL" clId="{CCC7B729-793A-4328-921B-7073466B6191}" dt="2018-05-05T19:38:07.495" v="1365" actId="478"/>
+          <ac:graphicFrameMkLst>
+            <pc:docMk/>
+            <pc:sldMk cId="1882350226" sldId="290"/>
+            <ac:graphicFrameMk id="10" creationId="{A510BCF9-6041-4FBB-BE7B-05A8F9F28135}"/>
+          </ac:graphicFrameMkLst>
+        </pc:graphicFrameChg>
+        <pc:graphicFrameChg chg="add del mod">
+          <ac:chgData name="Andrew Egelhof" userId="29058917-62c7-476e-9c17-21507d35c92b" providerId="ADAL" clId="{CCC7B729-793A-4328-921B-7073466B6191}" dt="2018-05-05T19:38:08.933" v="1366" actId="478"/>
+          <ac:graphicFrameMkLst>
+            <pc:docMk/>
+            <pc:sldMk cId="1882350226" sldId="290"/>
+            <ac:graphicFrameMk id="11" creationId="{692D1666-01BB-40AD-806A-08DAFEAA7DBC}"/>
+          </ac:graphicFrameMkLst>
+        </pc:graphicFrameChg>
+      </pc:sldChg>
+    </pc:docChg>
+  </pc:docChgLst>
+</pc:chgInfo>
+</file>
+
+<file path=ppt/charts/chart1.xml><?xml version="1.0" encoding="utf-8"?>
+<c:chartSpace xmlns:c="http://schemas.openxmlformats.org/drawingml/2006/chart" xmlns:a="http://schemas.openxmlformats.org/drawingml/2006/main" xmlns:r="http://schemas.openxmlformats.org/officeDocument/2006/relationships" xmlns:c16r2="http://schemas.microsoft.com/office/drawing/2015/06/chart">
+  <c:date1904 val="0"/>
+  <c:lang val="en-US"/>
+  <c:roundedCorners val="0"/>
+  <mc:AlternateContent xmlns:mc="http://schemas.openxmlformats.org/markup-compatibility/2006">
+    <mc:Choice xmlns:c14="http://schemas.microsoft.com/office/drawing/2007/8/2/chart" Requires="c14">
+      <c14:style val="102"/>
+    </mc:Choice>
+    <mc:Fallback>
+      <c:style val="2"/>
+    </mc:Fallback>
+  </mc:AlternateContent>
+  <c:chart>
+    <c:title>
+      <c:overlay val="0"/>
+      <c:spPr>
+        <a:noFill/>
+        <a:ln>
+          <a:noFill/>
+        </a:ln>
+        <a:effectLst/>
+      </c:spPr>
+      <c:txPr>
+        <a:bodyPr rot="0" spcFirstLastPara="1" vertOverflow="ellipsis" vert="horz" wrap="square" anchor="ctr" anchorCtr="1"/>
+        <a:lstStyle/>
+        <a:p>
+          <a:pPr>
+            <a:defRPr sz="1862" b="0" i="0" u="none" strike="noStrike" kern="1200" spc="0" baseline="0">
+              <a:solidFill>
+                <a:schemeClr val="tx1">
+                  <a:lumMod val="65000"/>
+                  <a:lumOff val="35000"/>
+                </a:schemeClr>
+              </a:solidFill>
+              <a:latin typeface="+mn-lt"/>
+              <a:ea typeface="+mn-ea"/>
+              <a:cs typeface="+mn-cs"/>
+            </a:defRPr>
+          </a:pPr>
+          <a:endParaRPr lang="en-US"/>
+        </a:p>
+      </c:txPr>
+    </c:title>
+    <c:autoTitleDeleted val="0"/>
+    <c:plotArea>
+      <c:layout/>
+      <c:pieChart>
+        <c:varyColors val="1"/>
+        <c:ser>
+          <c:idx val="0"/>
+          <c:order val="0"/>
+          <c:tx>
+            <c:strRef>
+              <c:f>Sheet1!$B$1</c:f>
+              <c:strCache>
+                <c:ptCount val="1"/>
+                <c:pt idx="0">
+                  <c:v>"Tweet Share"</c:v>
+                </c:pt>
+              </c:strCache>
+            </c:strRef>
+          </c:tx>
+          <c:dPt>
+            <c:idx val="0"/>
+            <c:bubble3D val="0"/>
+            <c:spPr>
+              <a:solidFill>
+                <a:schemeClr val="accent1"/>
+              </a:solidFill>
+              <a:ln w="19050">
+                <a:solidFill>
+                  <a:schemeClr val="lt1"/>
+                </a:solidFill>
+              </a:ln>
+              <a:effectLst/>
+            </c:spPr>
+          </c:dPt>
+          <c:dPt>
+            <c:idx val="1"/>
+            <c:bubble3D val="0"/>
+            <c:spPr>
+              <a:solidFill>
+                <a:schemeClr val="accent2"/>
+              </a:solidFill>
+              <a:ln w="19050">
+                <a:solidFill>
+                  <a:schemeClr val="lt1"/>
+                </a:solidFill>
+              </a:ln>
+              <a:effectLst/>
+            </c:spPr>
+          </c:dPt>
+          <c:cat>
+            <c:strRef>
+              <c:f>Sheet1!$A$2:$A$3</c:f>
+              <c:strCache>
+                <c:ptCount val="2"/>
+                <c:pt idx="0">
+                  <c:v>iPhone X</c:v>
+                </c:pt>
+                <c:pt idx="1">
+                  <c:v>Galaxy S9</c:v>
+                </c:pt>
+              </c:strCache>
+            </c:strRef>
+          </c:cat>
+          <c:val>
+            <c:numRef>
+              <c:f>Sheet1!$B$2:$B$3</c:f>
+              <c:numCache>
+                <c:formatCode>General</c:formatCode>
+                <c:ptCount val="2"/>
+                <c:pt idx="0">
+                  <c:v>74.900000000000006</c:v>
+                </c:pt>
+                <c:pt idx="1">
+                  <c:v>23.1</c:v>
+                </c:pt>
+              </c:numCache>
+            </c:numRef>
+          </c:val>
+          <c:extLst>
+            <c:ext xmlns:c16="http://schemas.microsoft.com/office/drawing/2014/chart" uri="{C3380CC4-5D6E-409C-BE32-E72D297353CC}">
+              <c16:uniqueId val="{00000000-A64D-4C7A-B001-9FEF418BE7DE}"/>
+            </c:ext>
+          </c:extLst>
+        </c:ser>
+        <c:dLbls>
+          <c:showLegendKey val="0"/>
+          <c:showVal val="0"/>
+          <c:showCatName val="0"/>
+          <c:showSerName val="0"/>
+          <c:showPercent val="0"/>
+          <c:showBubbleSize val="0"/>
+          <c:showLeaderLines val="1"/>
+        </c:dLbls>
+        <c:firstSliceAng val="0"/>
+      </c:pieChart>
+      <c:spPr>
+        <a:noFill/>
+        <a:ln>
+          <a:noFill/>
+        </a:ln>
+        <a:effectLst/>
+      </c:spPr>
+    </c:plotArea>
+    <c:legend>
+      <c:legendPos val="b"/>
+      <c:overlay val="0"/>
+      <c:spPr>
+        <a:noFill/>
+        <a:ln>
+          <a:noFill/>
+        </a:ln>
+        <a:effectLst/>
+      </c:spPr>
+      <c:txPr>
+        <a:bodyPr rot="0" spcFirstLastPara="1" vertOverflow="ellipsis" vert="horz" wrap="square" anchor="ctr" anchorCtr="1"/>
+        <a:lstStyle/>
+        <a:p>
+          <a:pPr>
+            <a:defRPr sz="1197" b="0" i="0" u="none" strike="noStrike" kern="1200" baseline="0">
+              <a:solidFill>
+                <a:schemeClr val="tx1">
+                  <a:lumMod val="65000"/>
+                  <a:lumOff val="35000"/>
+                </a:schemeClr>
+              </a:solidFill>
+              <a:latin typeface="+mn-lt"/>
+              <a:ea typeface="+mn-ea"/>
+              <a:cs typeface="+mn-cs"/>
+            </a:defRPr>
+          </a:pPr>
+          <a:endParaRPr lang="en-US"/>
+        </a:p>
+      </c:txPr>
+    </c:legend>
+    <c:plotVisOnly val="1"/>
+    <c:dispBlanksAs val="gap"/>
+    <c:extLst>
+      <c:ext xmlns:c16r3="http://schemas.microsoft.com/office/drawing/2017/03/chart" uri="{56B9EC1D-385E-4148-901F-78D8002777C0}">
+        <c16r3:dataDisplayOptions16>
+          <c16r3:dispNaAsBlank val="1"/>
+        </c16r3:dataDisplayOptions16>
+      </c:ext>
+    </c:extLst>
+    <c:showDLblsOverMax val="0"/>
+  </c:chart>
+  <c:spPr>
+    <a:noFill/>
+    <a:ln>
+      <a:noFill/>
+    </a:ln>
+    <a:effectLst/>
+  </c:spPr>
+  <c:txPr>
+    <a:bodyPr/>
+    <a:lstStyle/>
+    <a:p>
+      <a:pPr>
+        <a:defRPr/>
+      </a:pPr>
+      <a:endParaRPr lang="en-US"/>
+    </a:p>
+  </c:txPr>
+  <c:externalData r:id="rId3">
+    <c:autoUpdate val="0"/>
+  </c:externalData>
+</c:chartSpace>
+</file>
+
+<file path=ppt/charts/chart2.xml><?xml version="1.0" encoding="utf-8"?>
+<c:chartSpace xmlns:c="http://schemas.openxmlformats.org/drawingml/2006/chart" xmlns:a="http://schemas.openxmlformats.org/drawingml/2006/main" xmlns:r="http://schemas.openxmlformats.org/officeDocument/2006/relationships" xmlns:c16r2="http://schemas.microsoft.com/office/drawing/2015/06/chart">
+  <c:date1904 val="0"/>
+  <c:lang val="en-US"/>
+  <c:roundedCorners val="0"/>
+  <mc:AlternateContent xmlns:mc="http://schemas.openxmlformats.org/markup-compatibility/2006">
+    <mc:Choice xmlns:c14="http://schemas.microsoft.com/office/drawing/2007/8/2/chart" Requires="c14">
+      <c14:style val="102"/>
+    </mc:Choice>
+    <mc:Fallback>
+      <c:style val="2"/>
+    </mc:Fallback>
+  </mc:AlternateContent>
+  <c:chart>
+    <c:title>
+      <c:tx>
+        <c:rich>
+          <a:bodyPr rot="0" spcFirstLastPara="1" vertOverflow="ellipsis" vert="horz" wrap="square" anchor="ctr" anchorCtr="1"/>
+          <a:lstStyle/>
+          <a:p>
+            <a:pPr>
+              <a:defRPr sz="1862" b="0" i="0" u="none" strike="noStrike" kern="1200" spc="0" baseline="0">
+                <a:solidFill>
+                  <a:schemeClr val="tx1">
+                    <a:lumMod val="65000"/>
+                    <a:lumOff val="35000"/>
+                  </a:schemeClr>
+                </a:solidFill>
+                <a:latin typeface="+mn-lt"/>
+                <a:ea typeface="+mn-ea"/>
+                <a:cs typeface="+mn-cs"/>
+              </a:defRPr>
+            </a:pPr>
+            <a:r>
+              <a:rPr lang="en-US" dirty="0"/>
+              <a:t>Sentiment %</a:t>
+            </a:r>
+          </a:p>
+        </c:rich>
+      </c:tx>
+      <c:overlay val="0"/>
+      <c:spPr>
+        <a:noFill/>
+        <a:ln>
+          <a:noFill/>
+        </a:ln>
+        <a:effectLst/>
+      </c:spPr>
+      <c:txPr>
+        <a:bodyPr rot="0" spcFirstLastPara="1" vertOverflow="ellipsis" vert="horz" wrap="square" anchor="ctr" anchorCtr="1"/>
+        <a:lstStyle/>
+        <a:p>
+          <a:pPr>
+            <a:defRPr sz="1862" b="0" i="0" u="none" strike="noStrike" kern="1200" spc="0" baseline="0">
+              <a:solidFill>
+                <a:schemeClr val="tx1">
+                  <a:lumMod val="65000"/>
+                  <a:lumOff val="35000"/>
+                </a:schemeClr>
+              </a:solidFill>
+              <a:latin typeface="+mn-lt"/>
+              <a:ea typeface="+mn-ea"/>
+              <a:cs typeface="+mn-cs"/>
+            </a:defRPr>
+          </a:pPr>
+          <a:endParaRPr lang="en-US"/>
+        </a:p>
+      </c:txPr>
+    </c:title>
+    <c:autoTitleDeleted val="0"/>
+    <c:plotArea>
+      <c:layout/>
+      <c:barChart>
+        <c:barDir val="col"/>
+        <c:grouping val="clustered"/>
+        <c:varyColors val="0"/>
+        <c:ser>
+          <c:idx val="0"/>
+          <c:order val="0"/>
+          <c:tx>
+            <c:strRef>
+              <c:f>Sheet1!$B$1</c:f>
+              <c:strCache>
+                <c:ptCount val="1"/>
+                <c:pt idx="0">
+                  <c:v>iPhone X</c:v>
+                </c:pt>
+              </c:strCache>
+            </c:strRef>
+          </c:tx>
+          <c:spPr>
+            <a:solidFill>
+              <a:schemeClr val="accent1"/>
+            </a:solidFill>
+            <a:ln>
+              <a:noFill/>
+            </a:ln>
+            <a:effectLst/>
+          </c:spPr>
+          <c:invertIfNegative val="0"/>
+          <c:cat>
+            <c:strRef>
+              <c:f>Sheet1!$A$2:$A$4</c:f>
+              <c:strCache>
+                <c:ptCount val="3"/>
+                <c:pt idx="0">
+                  <c:v>Positive</c:v>
+                </c:pt>
+                <c:pt idx="1">
+                  <c:v>Negative</c:v>
+                </c:pt>
+                <c:pt idx="2">
+                  <c:v>Neutral</c:v>
+                </c:pt>
+              </c:strCache>
+            </c:strRef>
+          </c:cat>
+          <c:val>
+            <c:numRef>
+              <c:f>Sheet1!$B$2:$B$4</c:f>
+              <c:numCache>
+                <c:formatCode>0.00%</c:formatCode>
+                <c:ptCount val="3"/>
+                <c:pt idx="0" formatCode="0%">
+                  <c:v>0.47</c:v>
+                </c:pt>
+                <c:pt idx="1">
+                  <c:v>5.2999999999999999E-2</c:v>
+                </c:pt>
+                <c:pt idx="2">
+                  <c:v>0.47799999999999998</c:v>
+                </c:pt>
+              </c:numCache>
+            </c:numRef>
+          </c:val>
+          <c:extLst>
+            <c:ext xmlns:c16="http://schemas.microsoft.com/office/drawing/2014/chart" uri="{C3380CC4-5D6E-409C-BE32-E72D297353CC}">
+              <c16:uniqueId val="{00000000-1404-4F3C-8AD5-AC60B317EDE9}"/>
+            </c:ext>
+          </c:extLst>
+        </c:ser>
+        <c:ser>
+          <c:idx val="1"/>
+          <c:order val="1"/>
+          <c:tx>
+            <c:strRef>
+              <c:f>Sheet1!$C$1</c:f>
+              <c:strCache>
+                <c:ptCount val="1"/>
+                <c:pt idx="0">
+                  <c:v>Galaxy S9</c:v>
+                </c:pt>
+              </c:strCache>
+            </c:strRef>
+          </c:tx>
+          <c:spPr>
+            <a:solidFill>
+              <a:schemeClr val="accent2"/>
+            </a:solidFill>
+            <a:ln>
+              <a:noFill/>
+            </a:ln>
+            <a:effectLst/>
+          </c:spPr>
+          <c:invertIfNegative val="0"/>
+          <c:cat>
+            <c:strRef>
+              <c:f>Sheet1!$A$2:$A$4</c:f>
+              <c:strCache>
+                <c:ptCount val="3"/>
+                <c:pt idx="0">
+                  <c:v>Positive</c:v>
+                </c:pt>
+                <c:pt idx="1">
+                  <c:v>Negative</c:v>
+                </c:pt>
+                <c:pt idx="2">
+                  <c:v>Neutral</c:v>
+                </c:pt>
+              </c:strCache>
+            </c:strRef>
+          </c:cat>
+          <c:val>
+            <c:numRef>
+              <c:f>Sheet1!$C$2:$C$4</c:f>
+              <c:numCache>
+                <c:formatCode>0.00%</c:formatCode>
+                <c:ptCount val="3"/>
+                <c:pt idx="0">
+                  <c:v>0.38100000000000001</c:v>
+                </c:pt>
+                <c:pt idx="1">
+                  <c:v>9.4E-2</c:v>
+                </c:pt>
+                <c:pt idx="2">
+                  <c:v>0.52500000000000002</c:v>
+                </c:pt>
+              </c:numCache>
+            </c:numRef>
+          </c:val>
+          <c:extLst>
+            <c:ext xmlns:c16="http://schemas.microsoft.com/office/drawing/2014/chart" uri="{C3380CC4-5D6E-409C-BE32-E72D297353CC}">
+              <c16:uniqueId val="{00000001-1404-4F3C-8AD5-AC60B317EDE9}"/>
+            </c:ext>
+          </c:extLst>
+        </c:ser>
+        <c:dLbls>
+          <c:showLegendKey val="0"/>
+          <c:showVal val="0"/>
+          <c:showCatName val="0"/>
+          <c:showSerName val="0"/>
+          <c:showPercent val="0"/>
+          <c:showBubbleSize val="0"/>
+        </c:dLbls>
+        <c:gapWidth val="219"/>
+        <c:overlap val="-27"/>
+        <c:axId val="614085512"/>
+        <c:axId val="614086168"/>
+      </c:barChart>
+      <c:catAx>
+        <c:axId val="614085512"/>
+        <c:scaling>
+          <c:orientation val="minMax"/>
+        </c:scaling>
+        <c:delete val="0"/>
+        <c:axPos val="b"/>
+        <c:numFmt formatCode="General" sourceLinked="1"/>
+        <c:majorTickMark val="none"/>
+        <c:minorTickMark val="none"/>
+        <c:tickLblPos val="nextTo"/>
+        <c:spPr>
+          <a:noFill/>
+          <a:ln w="9525" cap="flat" cmpd="sng" algn="ctr">
+            <a:solidFill>
+              <a:schemeClr val="tx1">
+                <a:lumMod val="15000"/>
+                <a:lumOff val="85000"/>
+              </a:schemeClr>
+            </a:solidFill>
+            <a:round/>
+          </a:ln>
+          <a:effectLst/>
+        </c:spPr>
+        <c:txPr>
+          <a:bodyPr rot="-60000000" spcFirstLastPara="1" vertOverflow="ellipsis" vert="horz" wrap="square" anchor="ctr" anchorCtr="1"/>
+          <a:lstStyle/>
+          <a:p>
+            <a:pPr>
+              <a:defRPr sz="1197" b="0" i="0" u="none" strike="noStrike" kern="1200" baseline="0">
+                <a:solidFill>
+                  <a:schemeClr val="tx1">
+                    <a:lumMod val="65000"/>
+                    <a:lumOff val="35000"/>
+                  </a:schemeClr>
+                </a:solidFill>
+                <a:latin typeface="+mn-lt"/>
+                <a:ea typeface="+mn-ea"/>
+                <a:cs typeface="+mn-cs"/>
+              </a:defRPr>
+            </a:pPr>
+            <a:endParaRPr lang="en-US"/>
+          </a:p>
+        </c:txPr>
+        <c:crossAx val="614086168"/>
+        <c:crosses val="autoZero"/>
+        <c:auto val="1"/>
+        <c:lblAlgn val="ctr"/>
+        <c:lblOffset val="100"/>
+        <c:noMultiLvlLbl val="0"/>
+      </c:catAx>
+      <c:valAx>
+        <c:axId val="614086168"/>
+        <c:scaling>
+          <c:orientation val="minMax"/>
+        </c:scaling>
+        <c:delete val="0"/>
+        <c:axPos val="l"/>
+        <c:majorGridlines>
+          <c:spPr>
+            <a:ln w="9525" cap="flat" cmpd="sng" algn="ctr">
+              <a:solidFill>
+                <a:schemeClr val="tx1">
+                  <a:lumMod val="15000"/>
+                  <a:lumOff val="85000"/>
+                </a:schemeClr>
+              </a:solidFill>
+              <a:round/>
+            </a:ln>
+            <a:effectLst/>
+          </c:spPr>
+        </c:majorGridlines>
+        <c:numFmt formatCode="0%" sourceLinked="1"/>
+        <c:majorTickMark val="none"/>
+        <c:minorTickMark val="none"/>
+        <c:tickLblPos val="nextTo"/>
+        <c:spPr>
+          <a:noFill/>
+          <a:ln>
+            <a:noFill/>
+          </a:ln>
+          <a:effectLst/>
+        </c:spPr>
+        <c:txPr>
+          <a:bodyPr rot="-60000000" spcFirstLastPara="1" vertOverflow="ellipsis" vert="horz" wrap="square" anchor="ctr" anchorCtr="1"/>
+          <a:lstStyle/>
+          <a:p>
+            <a:pPr>
+              <a:defRPr sz="1197" b="0" i="0" u="none" strike="noStrike" kern="1200" baseline="0">
+                <a:solidFill>
+                  <a:schemeClr val="tx1">
+                    <a:lumMod val="65000"/>
+                    <a:lumOff val="35000"/>
+                  </a:schemeClr>
+                </a:solidFill>
+                <a:latin typeface="+mn-lt"/>
+                <a:ea typeface="+mn-ea"/>
+                <a:cs typeface="+mn-cs"/>
+              </a:defRPr>
+            </a:pPr>
+            <a:endParaRPr lang="en-US"/>
+          </a:p>
+        </c:txPr>
+        <c:crossAx val="614085512"/>
+        <c:crosses val="autoZero"/>
+        <c:crossBetween val="between"/>
+      </c:valAx>
+      <c:spPr>
+        <a:noFill/>
+        <a:ln>
+          <a:noFill/>
+        </a:ln>
+        <a:effectLst/>
+      </c:spPr>
+    </c:plotArea>
+    <c:legend>
+      <c:legendPos val="b"/>
+      <c:overlay val="0"/>
+      <c:spPr>
+        <a:noFill/>
+        <a:ln>
+          <a:noFill/>
+        </a:ln>
+        <a:effectLst/>
+      </c:spPr>
+      <c:txPr>
+        <a:bodyPr rot="0" spcFirstLastPara="1" vertOverflow="ellipsis" vert="horz" wrap="square" anchor="ctr" anchorCtr="1"/>
+        <a:lstStyle/>
+        <a:p>
+          <a:pPr>
+            <a:defRPr sz="1197" b="0" i="0" u="none" strike="noStrike" kern="1200" baseline="0">
+              <a:solidFill>
+                <a:schemeClr val="tx1">
+                  <a:lumMod val="65000"/>
+                  <a:lumOff val="35000"/>
+                </a:schemeClr>
+              </a:solidFill>
+              <a:latin typeface="+mn-lt"/>
+              <a:ea typeface="+mn-ea"/>
+              <a:cs typeface="+mn-cs"/>
+            </a:defRPr>
+          </a:pPr>
+          <a:endParaRPr lang="en-US"/>
+        </a:p>
+      </c:txPr>
+    </c:legend>
+    <c:plotVisOnly val="1"/>
+    <c:dispBlanksAs val="gap"/>
+    <c:extLst>
+      <c:ext xmlns:c16r3="http://schemas.microsoft.com/office/drawing/2017/03/chart" uri="{56B9EC1D-385E-4148-901F-78D8002777C0}">
+        <c16r3:dataDisplayOptions16>
+          <c16r3:dispNaAsBlank val="1"/>
+        </c16r3:dataDisplayOptions16>
+      </c:ext>
+    </c:extLst>
+    <c:showDLblsOverMax val="0"/>
+  </c:chart>
+  <c:spPr>
+    <a:noFill/>
+    <a:ln>
+      <a:noFill/>
+    </a:ln>
+    <a:effectLst/>
+  </c:spPr>
+  <c:txPr>
+    <a:bodyPr/>
+    <a:lstStyle/>
+    <a:p>
+      <a:pPr>
+        <a:defRPr/>
+      </a:pPr>
+      <a:endParaRPr lang="en-US"/>
+    </a:p>
+  </c:txPr>
+  <c:externalData r:id="rId3">
+    <c:autoUpdate val="0"/>
+  </c:externalData>
+</c:chartSpace>
+</file>
+
+<file path=ppt/charts/chart3.xml><?xml version="1.0" encoding="utf-8"?>
+<c:chartSpace xmlns:c="http://schemas.openxmlformats.org/drawingml/2006/chart" xmlns:a="http://schemas.openxmlformats.org/drawingml/2006/main" xmlns:r="http://schemas.openxmlformats.org/officeDocument/2006/relationships" xmlns:c16r2="http://schemas.microsoft.com/office/drawing/2015/06/chart">
+  <c:date1904 val="0"/>
+  <c:lang val="en-US"/>
+  <c:roundedCorners val="0"/>
+  <mc:AlternateContent xmlns:mc="http://schemas.openxmlformats.org/markup-compatibility/2006">
+    <mc:Choice xmlns:c14="http://schemas.microsoft.com/office/drawing/2007/8/2/chart" Requires="c14">
+      <c14:style val="102"/>
+    </mc:Choice>
+    <mc:Fallback>
+      <c:style val="2"/>
+    </mc:Fallback>
+  </mc:AlternateContent>
+  <c:chart>
+    <c:autoTitleDeleted val="1"/>
+    <c:plotArea>
+      <c:layout/>
+      <c:barChart>
+        <c:barDir val="col"/>
+        <c:grouping val="clustered"/>
+        <c:varyColors val="0"/>
+        <c:ser>
+          <c:idx val="0"/>
+          <c:order val="0"/>
+          <c:tx>
+            <c:strRef>
+              <c:f>Sheet1!$B$1</c:f>
+              <c:strCache>
+                <c:ptCount val="1"/>
+                <c:pt idx="0">
+                  <c:v>iPhone</c:v>
+                </c:pt>
+              </c:strCache>
+            </c:strRef>
+          </c:tx>
+          <c:spPr>
+            <a:solidFill>
+              <a:schemeClr val="accent1"/>
+            </a:solidFill>
+            <a:ln>
+              <a:noFill/>
+            </a:ln>
+            <a:effectLst/>
+          </c:spPr>
+          <c:invertIfNegative val="0"/>
+          <c:cat>
+            <c:strRef>
+              <c:f>Sheet1!$A$2:$A$5</c:f>
+              <c:strCache>
+                <c:ptCount val="3"/>
+                <c:pt idx="0">
+                  <c:v>Retweet %</c:v>
+                </c:pt>
+                <c:pt idx="1">
+                  <c:v>Original Tweet %</c:v>
+                </c:pt>
+                <c:pt idx="2">
+                  <c:v>Tweets From Unique Users</c:v>
+                </c:pt>
+              </c:strCache>
+            </c:strRef>
+          </c:cat>
+          <c:val>
+            <c:numRef>
+              <c:f>Sheet1!$B$2:$B$5</c:f>
+              <c:numCache>
+                <c:formatCode>0.00%</c:formatCode>
+                <c:ptCount val="4"/>
+                <c:pt idx="0">
+                  <c:v>0.6</c:v>
+                </c:pt>
+                <c:pt idx="1">
+                  <c:v>0.39600000000000002</c:v>
+                </c:pt>
+                <c:pt idx="2">
+                  <c:v>0.81100000000000005</c:v>
+                </c:pt>
+              </c:numCache>
+            </c:numRef>
+          </c:val>
+          <c:extLst>
+            <c:ext xmlns:c16="http://schemas.microsoft.com/office/drawing/2014/chart" uri="{C3380CC4-5D6E-409C-BE32-E72D297353CC}">
+              <c16:uniqueId val="{00000000-6A71-4946-8083-F12D7CD48A00}"/>
+            </c:ext>
+          </c:extLst>
+        </c:ser>
+        <c:ser>
+          <c:idx val="1"/>
+          <c:order val="1"/>
+          <c:tx>
+            <c:strRef>
+              <c:f>Sheet1!$C$1</c:f>
+              <c:strCache>
+                <c:ptCount val="1"/>
+                <c:pt idx="0">
+                  <c:v>S9</c:v>
+                </c:pt>
+              </c:strCache>
+            </c:strRef>
+          </c:tx>
+          <c:spPr>
+            <a:solidFill>
+              <a:schemeClr val="accent2"/>
+            </a:solidFill>
+            <a:ln>
+              <a:noFill/>
+            </a:ln>
+            <a:effectLst/>
+          </c:spPr>
+          <c:invertIfNegative val="0"/>
+          <c:cat>
+            <c:strRef>
+              <c:f>Sheet1!$A$2:$A$5</c:f>
+              <c:strCache>
+                <c:ptCount val="3"/>
+                <c:pt idx="0">
+                  <c:v>Retweet %</c:v>
+                </c:pt>
+                <c:pt idx="1">
+                  <c:v>Original Tweet %</c:v>
+                </c:pt>
+                <c:pt idx="2">
+                  <c:v>Tweets From Unique Users</c:v>
+                </c:pt>
+              </c:strCache>
+            </c:strRef>
+          </c:cat>
+          <c:val>
+            <c:numRef>
+              <c:f>Sheet1!$C$2:$C$5</c:f>
+              <c:numCache>
+                <c:formatCode>0.00%</c:formatCode>
+                <c:ptCount val="4"/>
+                <c:pt idx="0" formatCode="0%">
+                  <c:v>0.314</c:v>
+                </c:pt>
+                <c:pt idx="1">
+                  <c:v>0.68500000000000005</c:v>
+                </c:pt>
+                <c:pt idx="2">
+                  <c:v>0.67300000000000004</c:v>
+                </c:pt>
+              </c:numCache>
+            </c:numRef>
+          </c:val>
+          <c:extLst>
+            <c:ext xmlns:c16="http://schemas.microsoft.com/office/drawing/2014/chart" uri="{C3380CC4-5D6E-409C-BE32-E72D297353CC}">
+              <c16:uniqueId val="{00000001-6A71-4946-8083-F12D7CD48A00}"/>
+            </c:ext>
+          </c:extLst>
+        </c:ser>
+        <c:dLbls>
+          <c:showLegendKey val="0"/>
+          <c:showVal val="0"/>
+          <c:showCatName val="0"/>
+          <c:showSerName val="0"/>
+          <c:showPercent val="0"/>
+          <c:showBubbleSize val="0"/>
+        </c:dLbls>
+        <c:gapWidth val="219"/>
+        <c:overlap val="-27"/>
+        <c:axId val="416807632"/>
+        <c:axId val="416808944"/>
+      </c:barChart>
+      <c:catAx>
+        <c:axId val="416807632"/>
+        <c:scaling>
+          <c:orientation val="minMax"/>
+        </c:scaling>
+        <c:delete val="0"/>
+        <c:axPos val="b"/>
+        <c:numFmt formatCode="General" sourceLinked="1"/>
+        <c:majorTickMark val="none"/>
+        <c:minorTickMark val="none"/>
+        <c:tickLblPos val="nextTo"/>
+        <c:spPr>
+          <a:noFill/>
+          <a:ln w="9525" cap="flat" cmpd="sng" algn="ctr">
+            <a:solidFill>
+              <a:schemeClr val="tx1">
+                <a:lumMod val="15000"/>
+                <a:lumOff val="85000"/>
+              </a:schemeClr>
+            </a:solidFill>
+            <a:round/>
+          </a:ln>
+          <a:effectLst/>
+        </c:spPr>
+        <c:txPr>
+          <a:bodyPr rot="-60000000" spcFirstLastPara="1" vertOverflow="ellipsis" vert="horz" wrap="square" anchor="ctr" anchorCtr="1"/>
+          <a:lstStyle/>
+          <a:p>
+            <a:pPr>
+              <a:defRPr sz="1197" b="0" i="0" u="none" strike="noStrike" kern="1200" baseline="0">
+                <a:solidFill>
+                  <a:schemeClr val="tx1">
+                    <a:lumMod val="65000"/>
+                    <a:lumOff val="35000"/>
+                  </a:schemeClr>
+                </a:solidFill>
+                <a:latin typeface="+mn-lt"/>
+                <a:ea typeface="+mn-ea"/>
+                <a:cs typeface="+mn-cs"/>
+              </a:defRPr>
+            </a:pPr>
+            <a:endParaRPr lang="en-US"/>
+          </a:p>
+        </c:txPr>
+        <c:crossAx val="416808944"/>
+        <c:crosses val="autoZero"/>
+        <c:auto val="1"/>
+        <c:lblAlgn val="ctr"/>
+        <c:lblOffset val="100"/>
+        <c:noMultiLvlLbl val="0"/>
+      </c:catAx>
+      <c:valAx>
+        <c:axId val="416808944"/>
+        <c:scaling>
+          <c:orientation val="minMax"/>
+        </c:scaling>
+        <c:delete val="0"/>
+        <c:axPos val="l"/>
+        <c:majorGridlines>
+          <c:spPr>
+            <a:ln w="9525" cap="flat" cmpd="sng" algn="ctr">
+              <a:solidFill>
+                <a:schemeClr val="tx1">
+                  <a:lumMod val="15000"/>
+                  <a:lumOff val="85000"/>
+                </a:schemeClr>
+              </a:solidFill>
+              <a:round/>
+            </a:ln>
+            <a:effectLst/>
+          </c:spPr>
+        </c:majorGridlines>
+        <c:numFmt formatCode="0.00%" sourceLinked="1"/>
+        <c:majorTickMark val="none"/>
+        <c:minorTickMark val="none"/>
+        <c:tickLblPos val="nextTo"/>
+        <c:spPr>
+          <a:noFill/>
+          <a:ln>
+            <a:noFill/>
+          </a:ln>
+          <a:effectLst/>
+        </c:spPr>
+        <c:txPr>
+          <a:bodyPr rot="-60000000" spcFirstLastPara="1" vertOverflow="ellipsis" vert="horz" wrap="square" anchor="ctr" anchorCtr="1"/>
+          <a:lstStyle/>
+          <a:p>
+            <a:pPr>
+              <a:defRPr sz="1197" b="0" i="0" u="none" strike="noStrike" kern="1200" baseline="0">
+                <a:solidFill>
+                  <a:schemeClr val="tx1">
+                    <a:lumMod val="65000"/>
+                    <a:lumOff val="35000"/>
+                  </a:schemeClr>
+                </a:solidFill>
+                <a:latin typeface="+mn-lt"/>
+                <a:ea typeface="+mn-ea"/>
+                <a:cs typeface="+mn-cs"/>
+              </a:defRPr>
+            </a:pPr>
+            <a:endParaRPr lang="en-US"/>
+          </a:p>
+        </c:txPr>
+        <c:crossAx val="416807632"/>
+        <c:crosses val="autoZero"/>
+        <c:crossBetween val="between"/>
+      </c:valAx>
+      <c:spPr>
+        <a:noFill/>
+        <a:ln>
+          <a:noFill/>
+        </a:ln>
+        <a:effectLst/>
+      </c:spPr>
+    </c:plotArea>
+    <c:legend>
+      <c:legendPos val="b"/>
+      <c:overlay val="0"/>
+      <c:spPr>
+        <a:noFill/>
+        <a:ln>
+          <a:noFill/>
+        </a:ln>
+        <a:effectLst/>
+      </c:spPr>
+      <c:txPr>
+        <a:bodyPr rot="0" spcFirstLastPara="1" vertOverflow="ellipsis" vert="horz" wrap="square" anchor="ctr" anchorCtr="1"/>
+        <a:lstStyle/>
+        <a:p>
+          <a:pPr>
+            <a:defRPr sz="1197" b="0" i="0" u="none" strike="noStrike" kern="1200" baseline="0">
+              <a:solidFill>
+                <a:schemeClr val="tx1">
+                  <a:lumMod val="65000"/>
+                  <a:lumOff val="35000"/>
+                </a:schemeClr>
+              </a:solidFill>
+              <a:latin typeface="+mn-lt"/>
+              <a:ea typeface="+mn-ea"/>
+              <a:cs typeface="+mn-cs"/>
+            </a:defRPr>
+          </a:pPr>
+          <a:endParaRPr lang="en-US"/>
+        </a:p>
+      </c:txPr>
+    </c:legend>
+    <c:plotVisOnly val="1"/>
+    <c:dispBlanksAs val="gap"/>
+    <c:extLst>
+      <c:ext xmlns:c16r3="http://schemas.microsoft.com/office/drawing/2017/03/chart" uri="{56B9EC1D-385E-4148-901F-78D8002777C0}">
+        <c16r3:dataDisplayOptions16>
+          <c16r3:dispNaAsBlank val="1"/>
+        </c16r3:dataDisplayOptions16>
+      </c:ext>
+    </c:extLst>
+    <c:showDLblsOverMax val="0"/>
+  </c:chart>
+  <c:spPr>
+    <a:noFill/>
+    <a:ln>
+      <a:noFill/>
+    </a:ln>
+    <a:effectLst/>
+  </c:spPr>
+  <c:txPr>
+    <a:bodyPr/>
+    <a:lstStyle/>
+    <a:p>
+      <a:pPr>
+        <a:defRPr/>
+      </a:pPr>
+      <a:endParaRPr lang="en-US"/>
+    </a:p>
+  </c:txPr>
+  <c:externalData r:id="rId3">
+    <c:autoUpdate val="0"/>
+  </c:externalData>
+</c:chartSpace>
+</file>
+
+<file path=ppt/charts/chart4.xml><?xml version="1.0" encoding="utf-8"?>
+<c:chartSpace xmlns:c="http://schemas.openxmlformats.org/drawingml/2006/chart" xmlns:a="http://schemas.openxmlformats.org/drawingml/2006/main" xmlns:r="http://schemas.openxmlformats.org/officeDocument/2006/relationships" xmlns:c16r2="http://schemas.microsoft.com/office/drawing/2015/06/chart">
+  <c:date1904 val="0"/>
+  <c:lang val="en-US"/>
+  <c:roundedCorners val="0"/>
+  <mc:AlternateContent xmlns:mc="http://schemas.openxmlformats.org/markup-compatibility/2006">
+    <mc:Choice xmlns:c14="http://schemas.microsoft.com/office/drawing/2007/8/2/chart" Requires="c14">
+      <c14:style val="102"/>
+    </mc:Choice>
+    <mc:Fallback>
+      <c:style val="2"/>
+    </mc:Fallback>
+  </mc:AlternateContent>
+  <c:chart>
+    <c:autoTitleDeleted val="1"/>
+    <c:plotArea>
+      <c:layout/>
+      <c:barChart>
+        <c:barDir val="col"/>
+        <c:grouping val="clustered"/>
+        <c:varyColors val="0"/>
+        <c:ser>
+          <c:idx val="0"/>
+          <c:order val="0"/>
+          <c:tx>
+            <c:strRef>
+              <c:f>Sheet1!$B$1</c:f>
+              <c:strCache>
+                <c:ptCount val="1"/>
+                <c:pt idx="0">
+                  <c:v>iPhone</c:v>
+                </c:pt>
+              </c:strCache>
+            </c:strRef>
+          </c:tx>
+          <c:spPr>
+            <a:solidFill>
+              <a:schemeClr val="accent1"/>
+            </a:solidFill>
+            <a:ln>
+              <a:noFill/>
+            </a:ln>
+            <a:effectLst/>
+          </c:spPr>
+          <c:invertIfNegative val="0"/>
+          <c:cat>
+            <c:strRef>
+              <c:f>Sheet1!$A$2:$A$5</c:f>
+              <c:strCache>
+                <c:ptCount val="4"/>
+                <c:pt idx="0">
+                  <c:v>Avg. Tweets Per User</c:v>
+                </c:pt>
+                <c:pt idx="1">
+                  <c:v>Avg. Hashtags Per Tweet</c:v>
+                </c:pt>
+                <c:pt idx="2">
+                  <c:v>Avg. URLs Per Tweet</c:v>
+                </c:pt>
+                <c:pt idx="3">
+                  <c:v>Avg. User Mentions Per Tweet</c:v>
+                </c:pt>
+              </c:strCache>
+            </c:strRef>
+          </c:cat>
+          <c:val>
+            <c:numRef>
+              <c:f>Sheet1!$B$2:$B$5</c:f>
+              <c:numCache>
+                <c:formatCode>General</c:formatCode>
+                <c:ptCount val="4"/>
+                <c:pt idx="0">
+                  <c:v>1.22</c:v>
+                </c:pt>
+                <c:pt idx="1">
+                  <c:v>0.27</c:v>
+                </c:pt>
+                <c:pt idx="2">
+                  <c:v>0.18</c:v>
+                </c:pt>
+                <c:pt idx="3">
+                  <c:v>0.91</c:v>
+                </c:pt>
+              </c:numCache>
+            </c:numRef>
+          </c:val>
+          <c:extLst>
+            <c:ext xmlns:c16="http://schemas.microsoft.com/office/drawing/2014/chart" uri="{C3380CC4-5D6E-409C-BE32-E72D297353CC}">
+              <c16:uniqueId val="{00000000-CF5D-47EA-BC71-F105B9C0CA95}"/>
+            </c:ext>
+          </c:extLst>
+        </c:ser>
+        <c:ser>
+          <c:idx val="1"/>
+          <c:order val="1"/>
+          <c:tx>
+            <c:strRef>
+              <c:f>Sheet1!$C$1</c:f>
+              <c:strCache>
+                <c:ptCount val="1"/>
+                <c:pt idx="0">
+                  <c:v>S9</c:v>
+                </c:pt>
+              </c:strCache>
+            </c:strRef>
+          </c:tx>
+          <c:spPr>
+            <a:solidFill>
+              <a:schemeClr val="accent2"/>
+            </a:solidFill>
+            <a:ln>
+              <a:noFill/>
+            </a:ln>
+            <a:effectLst/>
+          </c:spPr>
+          <c:invertIfNegative val="0"/>
+          <c:cat>
+            <c:strRef>
+              <c:f>Sheet1!$A$2:$A$5</c:f>
+              <c:strCache>
+                <c:ptCount val="4"/>
+                <c:pt idx="0">
+                  <c:v>Avg. Tweets Per User</c:v>
+                </c:pt>
+                <c:pt idx="1">
+                  <c:v>Avg. Hashtags Per Tweet</c:v>
+                </c:pt>
+                <c:pt idx="2">
+                  <c:v>Avg. URLs Per Tweet</c:v>
+                </c:pt>
+                <c:pt idx="3">
+                  <c:v>Avg. User Mentions Per Tweet</c:v>
+                </c:pt>
+              </c:strCache>
+            </c:strRef>
+          </c:cat>
+          <c:val>
+            <c:numRef>
+              <c:f>Sheet1!$C$2:$C$5</c:f>
+              <c:numCache>
+                <c:formatCode>General</c:formatCode>
+                <c:ptCount val="4"/>
+                <c:pt idx="0">
+                  <c:v>1.48</c:v>
+                </c:pt>
+                <c:pt idx="1">
+                  <c:v>0.78</c:v>
+                </c:pt>
+                <c:pt idx="2">
+                  <c:v>1.42</c:v>
+                </c:pt>
+                <c:pt idx="3">
+                  <c:v>0.85</c:v>
+                </c:pt>
+              </c:numCache>
+            </c:numRef>
+          </c:val>
+          <c:extLst>
+            <c:ext xmlns:c16="http://schemas.microsoft.com/office/drawing/2014/chart" uri="{C3380CC4-5D6E-409C-BE32-E72D297353CC}">
+              <c16:uniqueId val="{00000001-CF5D-47EA-BC71-F105B9C0CA95}"/>
+            </c:ext>
+          </c:extLst>
+        </c:ser>
+        <c:dLbls>
+          <c:showLegendKey val="0"/>
+          <c:showVal val="0"/>
+          <c:showCatName val="0"/>
+          <c:showSerName val="0"/>
+          <c:showPercent val="0"/>
+          <c:showBubbleSize val="0"/>
+        </c:dLbls>
+        <c:gapWidth val="219"/>
+        <c:overlap val="-27"/>
+        <c:axId val="416807632"/>
+        <c:axId val="416808944"/>
+      </c:barChart>
+      <c:catAx>
+        <c:axId val="416807632"/>
+        <c:scaling>
+          <c:orientation val="minMax"/>
+        </c:scaling>
+        <c:delete val="0"/>
+        <c:axPos val="b"/>
+        <c:numFmt formatCode="General" sourceLinked="1"/>
+        <c:majorTickMark val="none"/>
+        <c:minorTickMark val="none"/>
+        <c:tickLblPos val="nextTo"/>
+        <c:spPr>
+          <a:noFill/>
+          <a:ln w="9525" cap="flat" cmpd="sng" algn="ctr">
+            <a:solidFill>
+              <a:schemeClr val="tx1">
+                <a:lumMod val="15000"/>
+                <a:lumOff val="85000"/>
+              </a:schemeClr>
+            </a:solidFill>
+            <a:round/>
+          </a:ln>
+          <a:effectLst/>
+        </c:spPr>
+        <c:txPr>
+          <a:bodyPr rot="-60000000" spcFirstLastPara="1" vertOverflow="ellipsis" vert="horz" wrap="square" anchor="ctr" anchorCtr="1"/>
+          <a:lstStyle/>
+          <a:p>
+            <a:pPr>
+              <a:defRPr sz="1197" b="0" i="0" u="none" strike="noStrike" kern="1200" baseline="0">
+                <a:solidFill>
+                  <a:schemeClr val="tx1">
+                    <a:lumMod val="65000"/>
+                    <a:lumOff val="35000"/>
+                  </a:schemeClr>
+                </a:solidFill>
+                <a:latin typeface="+mn-lt"/>
+                <a:ea typeface="+mn-ea"/>
+                <a:cs typeface="+mn-cs"/>
+              </a:defRPr>
+            </a:pPr>
+            <a:endParaRPr lang="en-US"/>
+          </a:p>
+        </c:txPr>
+        <c:crossAx val="416808944"/>
+        <c:crosses val="autoZero"/>
+        <c:auto val="1"/>
+        <c:lblAlgn val="ctr"/>
+        <c:lblOffset val="100"/>
+        <c:noMultiLvlLbl val="0"/>
+      </c:catAx>
+      <c:valAx>
+        <c:axId val="416808944"/>
+        <c:scaling>
+          <c:orientation val="minMax"/>
+        </c:scaling>
+        <c:delete val="0"/>
+        <c:axPos val="l"/>
+        <c:majorGridlines>
+          <c:spPr>
+            <a:ln w="9525" cap="flat" cmpd="sng" algn="ctr">
+              <a:solidFill>
+                <a:schemeClr val="tx1">
+                  <a:lumMod val="15000"/>
+                  <a:lumOff val="85000"/>
+                </a:schemeClr>
+              </a:solidFill>
+              <a:round/>
+            </a:ln>
+            <a:effectLst/>
+          </c:spPr>
+        </c:majorGridlines>
+        <c:numFmt formatCode="General" sourceLinked="1"/>
+        <c:majorTickMark val="none"/>
+        <c:minorTickMark val="none"/>
+        <c:tickLblPos val="nextTo"/>
+        <c:spPr>
+          <a:noFill/>
+          <a:ln>
+            <a:noFill/>
+          </a:ln>
+          <a:effectLst/>
+        </c:spPr>
+        <c:txPr>
+          <a:bodyPr rot="-60000000" spcFirstLastPara="1" vertOverflow="ellipsis" vert="horz" wrap="square" anchor="ctr" anchorCtr="1"/>
+          <a:lstStyle/>
+          <a:p>
+            <a:pPr>
+              <a:defRPr sz="1197" b="0" i="0" u="none" strike="noStrike" kern="1200" baseline="0">
+                <a:solidFill>
+                  <a:schemeClr val="tx1">
+                    <a:lumMod val="65000"/>
+                    <a:lumOff val="35000"/>
+                  </a:schemeClr>
+                </a:solidFill>
+                <a:latin typeface="+mn-lt"/>
+                <a:ea typeface="+mn-ea"/>
+                <a:cs typeface="+mn-cs"/>
+              </a:defRPr>
+            </a:pPr>
+            <a:endParaRPr lang="en-US"/>
+          </a:p>
+        </c:txPr>
+        <c:crossAx val="416807632"/>
+        <c:crosses val="autoZero"/>
+        <c:crossBetween val="between"/>
+      </c:valAx>
+      <c:spPr>
+        <a:noFill/>
+        <a:ln>
+          <a:noFill/>
+        </a:ln>
+        <a:effectLst/>
+      </c:spPr>
+    </c:plotArea>
+    <c:legend>
+      <c:legendPos val="b"/>
+      <c:overlay val="0"/>
+      <c:spPr>
+        <a:noFill/>
+        <a:ln>
+          <a:noFill/>
+        </a:ln>
+        <a:effectLst/>
+      </c:spPr>
+      <c:txPr>
+        <a:bodyPr rot="0" spcFirstLastPara="1" vertOverflow="ellipsis" vert="horz" wrap="square" anchor="ctr" anchorCtr="1"/>
+        <a:lstStyle/>
+        <a:p>
+          <a:pPr>
+            <a:defRPr sz="1197" b="0" i="0" u="none" strike="noStrike" kern="1200" baseline="0">
+              <a:solidFill>
+                <a:schemeClr val="tx1">
+                  <a:lumMod val="65000"/>
+                  <a:lumOff val="35000"/>
+                </a:schemeClr>
+              </a:solidFill>
+              <a:latin typeface="+mn-lt"/>
+              <a:ea typeface="+mn-ea"/>
+              <a:cs typeface="+mn-cs"/>
+            </a:defRPr>
+          </a:pPr>
+          <a:endParaRPr lang="en-US"/>
+        </a:p>
+      </c:txPr>
+    </c:legend>
+    <c:plotVisOnly val="1"/>
+    <c:dispBlanksAs val="gap"/>
+    <c:extLst>
+      <c:ext xmlns:c16r3="http://schemas.microsoft.com/office/drawing/2017/03/chart" uri="{56B9EC1D-385E-4148-901F-78D8002777C0}">
+        <c16r3:dataDisplayOptions16>
+          <c16r3:dispNaAsBlank val="1"/>
+        </c16r3:dataDisplayOptions16>
+      </c:ext>
+    </c:extLst>
+    <c:showDLblsOverMax val="0"/>
+  </c:chart>
+  <c:spPr>
+    <a:noFill/>
+    <a:ln>
+      <a:noFill/>
+    </a:ln>
+    <a:effectLst/>
+  </c:spPr>
+  <c:txPr>
+    <a:bodyPr/>
+    <a:lstStyle/>
+    <a:p>
+      <a:pPr>
+        <a:defRPr/>
+      </a:pPr>
+      <a:endParaRPr lang="en-US"/>
+    </a:p>
+  </c:txPr>
+  <c:externalData r:id="rId3">
+    <c:autoUpdate val="0"/>
+  </c:externalData>
+</c:chartSpace>
+</file>
+
+<file path=ppt/charts/colors1.xml><?xml version="1.0" encoding="utf-8"?>
+<cs:colorStyle xmlns:cs="http://schemas.microsoft.com/office/drawing/2012/chartStyle" xmlns:a="http://schemas.openxmlformats.org/drawingml/2006/main" meth="cycle" id="10">
+  <a:schemeClr val="accent1"/>
+  <a:schemeClr val="accent2"/>
+  <a:schemeClr val="accent3"/>
+  <a:schemeClr val="accent4"/>
+  <a:schemeClr val="accent5"/>
+  <a:schemeClr val="accent6"/>
+  <cs:variation/>
+  <cs:variation>
+    <a:lumMod val="60000"/>
+  </cs:variation>
+  <cs:variation>
+    <a:lumMod val="80000"/>
+    <a:lumOff val="20000"/>
+  </cs:variation>
+  <cs:variation>
+    <a:lumMod val="80000"/>
+  </cs:variation>
+  <cs:variation>
+    <a:lumMod val="60000"/>
+    <a:lumOff val="40000"/>
+  </cs:variation>
+  <cs:variation>
+    <a:lumMod val="50000"/>
+  </cs:variation>
+  <cs:variation>
+    <a:lumMod val="70000"/>
+    <a:lumOff val="30000"/>
+  </cs:variation>
+  <cs:variation>
+    <a:lumMod val="70000"/>
+  </cs:variation>
+  <cs:variation>
+    <a:lumMod val="50000"/>
+    <a:lumOff val="50000"/>
+  </cs:variation>
+</cs:colorStyle>
+</file>
+
+<file path=ppt/charts/colors2.xml><?xml version="1.0" encoding="utf-8"?>
+<cs:colorStyle xmlns:cs="http://schemas.microsoft.com/office/drawing/2012/chartStyle" xmlns:a="http://schemas.openxmlformats.org/drawingml/2006/main" meth="cycle" id="10">
+  <a:schemeClr val="accent1"/>
+  <a:schemeClr val="accent2"/>
+  <a:schemeClr val="accent3"/>
+  <a:schemeClr val="accent4"/>
+  <a:schemeClr val="accent5"/>
+  <a:schemeClr val="accent6"/>
+  <cs:variation/>
+  <cs:variation>
+    <a:lumMod val="60000"/>
+  </cs:variation>
+  <cs:variation>
+    <a:lumMod val="80000"/>
+    <a:lumOff val="20000"/>
+  </cs:variation>
+  <cs:variation>
+    <a:lumMod val="80000"/>
+  </cs:variation>
+  <cs:variation>
+    <a:lumMod val="60000"/>
+    <a:lumOff val="40000"/>
+  </cs:variation>
+  <cs:variation>
+    <a:lumMod val="50000"/>
+  </cs:variation>
+  <cs:variation>
+    <a:lumMod val="70000"/>
+    <a:lumOff val="30000"/>
+  </cs:variation>
+  <cs:variation>
+    <a:lumMod val="70000"/>
+  </cs:variation>
+  <cs:variation>
+    <a:lumMod val="50000"/>
+    <a:lumOff val="50000"/>
+  </cs:variation>
+</cs:colorStyle>
+</file>
+
+<file path=ppt/charts/colors3.xml><?xml version="1.0" encoding="utf-8"?>
+<cs:colorStyle xmlns:cs="http://schemas.microsoft.com/office/drawing/2012/chartStyle" xmlns:a="http://schemas.openxmlformats.org/drawingml/2006/main" meth="cycle" id="10">
+  <a:schemeClr val="accent1"/>
+  <a:schemeClr val="accent2"/>
+  <a:schemeClr val="accent3"/>
+  <a:schemeClr val="accent4"/>
+  <a:schemeClr val="accent5"/>
+  <a:schemeClr val="accent6"/>
+  <cs:variation/>
+  <cs:variation>
+    <a:lumMod val="60000"/>
+  </cs:variation>
+  <cs:variation>
+    <a:lumMod val="80000"/>
+    <a:lumOff val="20000"/>
+  </cs:variation>
+  <cs:variation>
+    <a:lumMod val="80000"/>
+  </cs:variation>
+  <cs:variation>
+    <a:lumMod val="60000"/>
+    <a:lumOff val="40000"/>
+  </cs:variation>
+  <cs:variation>
+    <a:lumMod val="50000"/>
+  </cs:variation>
+  <cs:variation>
+    <a:lumMod val="70000"/>
+    <a:lumOff val="30000"/>
+  </cs:variation>
+  <cs:variation>
+    <a:lumMod val="70000"/>
+  </cs:variation>
+  <cs:variation>
+    <a:lumMod val="50000"/>
+    <a:lumOff val="50000"/>
+  </cs:variation>
+</cs:colorStyle>
+</file>
+
+<file path=ppt/charts/colors4.xml><?xml version="1.0" encoding="utf-8"?>
+<cs:colorStyle xmlns:cs="http://schemas.microsoft.com/office/drawing/2012/chartStyle" xmlns:a="http://schemas.openxmlformats.org/drawingml/2006/main" meth="cycle" id="10">
+  <a:schemeClr val="accent1"/>
+  <a:schemeClr val="accent2"/>
+  <a:schemeClr val="accent3"/>
+  <a:schemeClr val="accent4"/>
+  <a:schemeClr val="accent5"/>
+  <a:schemeClr val="accent6"/>
+  <cs:variation/>
+  <cs:variation>
+    <a:lumMod val="60000"/>
+  </cs:variation>
+  <cs:variation>
+    <a:lumMod val="80000"/>
+    <a:lumOff val="20000"/>
+  </cs:variation>
+  <cs:variation>
+    <a:lumMod val="80000"/>
+  </cs:variation>
+  <cs:variation>
+    <a:lumMod val="60000"/>
+    <a:lumOff val="40000"/>
+  </cs:variation>
+  <cs:variation>
+    <a:lumMod val="50000"/>
+  </cs:variation>
+  <cs:variation>
+    <a:lumMod val="70000"/>
+    <a:lumOff val="30000"/>
+  </cs:variation>
+  <cs:variation>
+    <a:lumMod val="70000"/>
+  </cs:variation>
+  <cs:variation>
+    <a:lumMod val="50000"/>
+    <a:lumOff val="50000"/>
+  </cs:variation>
+</cs:colorStyle>
+</file>
+
+<file path=ppt/charts/style1.xml><?xml version="1.0" encoding="utf-8"?>
+<cs:chartStyle xmlns:cs="http://schemas.microsoft.com/office/drawing/2012/chartStyle" xmlns:a="http://schemas.openxmlformats.org/drawingml/2006/main" id="251">
+  <cs:axisTitle>
+    <cs:lnRef idx="0"/>
+    <cs:fillRef idx="0"/>
+    <cs:effectRef idx="0"/>
+    <cs:fontRef idx="minor">
+      <a:schemeClr val="tx1">
+        <a:lumMod val="65000"/>
+        <a:lumOff val="35000"/>
+      </a:schemeClr>
+    </cs:fontRef>
+    <cs:defRPr sz="1330" kern="1200"/>
+  </cs:axisTitle>
+  <cs:categoryAxis>
+    <cs:lnRef idx="0"/>
+    <cs:fillRef idx="0"/>
+    <cs:effectRef idx="0"/>
+    <cs:fontRef idx="minor">
+      <a:schemeClr val="tx1">
+        <a:lumMod val="65000"/>
+        <a:lumOff val="35000"/>
+      </a:schemeClr>
+    </cs:fontRef>
+    <cs:spPr>
+      <a:ln w="9525" cap="flat" cmpd="sng" algn="ctr">
+        <a:solidFill>
+          <a:schemeClr val="tx1">
+            <a:lumMod val="15000"/>
+            <a:lumOff val="85000"/>
+          </a:schemeClr>
+        </a:solidFill>
+        <a:round/>
+      </a:ln>
+    </cs:spPr>
+    <cs:defRPr sz="1197" kern="1200"/>
+  </cs:categoryAxis>
+  <cs:chartArea mods="allowNoFillOverride allowNoLineOverride">
+    <cs:lnRef idx="0"/>
+    <cs:fillRef idx="0"/>
+    <cs:effectRef idx="0"/>
+    <cs:fontRef idx="minor">
+      <a:schemeClr val="tx1"/>
+    </cs:fontRef>
+    <cs:spPr>
+      <a:solidFill>
+        <a:schemeClr val="bg1"/>
+      </a:solidFill>
+      <a:ln w="9525" cap="flat" cmpd="sng" algn="ctr">
+        <a:solidFill>
+          <a:schemeClr val="tx1">
+            <a:lumMod val="15000"/>
+            <a:lumOff val="85000"/>
+          </a:schemeClr>
+        </a:solidFill>
+        <a:round/>
+      </a:ln>
+    </cs:spPr>
+    <cs:defRPr sz="1197" kern="1200"/>
+  </cs:chartArea>
+  <cs:dataLabel>
+    <cs:lnRef idx="0"/>
+    <cs:fillRef idx="0"/>
+    <cs:effectRef idx="0"/>
+    <cs:fontRef idx="minor">
+      <a:schemeClr val="tx1">
+        <a:lumMod val="75000"/>
+        <a:lumOff val="25000"/>
+      </a:schemeClr>
+    </cs:fontRef>
+    <cs:defRPr sz="1197" kern="1200"/>
+  </cs:dataLabel>
+  <cs:dataLabelCallout>
+    <cs:lnRef idx="0"/>
+    <cs:fillRef idx="0"/>
+    <cs:effectRef idx="0"/>
+    <cs:fontRef idx="minor">
+      <a:schemeClr val="dk1">
+        <a:lumMod val="65000"/>
+        <a:lumOff val="35000"/>
+      </a:schemeClr>
+    </cs:fontRef>
+    <cs:spPr>
+      <a:solidFill>
+        <a:schemeClr val="lt1"/>
+      </a:solidFill>
+      <a:ln>
+        <a:solidFill>
+          <a:schemeClr val="dk1">
+            <a:lumMod val="25000"/>
+            <a:lumOff val="75000"/>
+          </a:schemeClr>
+        </a:solidFill>
+      </a:ln>
+    </cs:spPr>
+    <cs:defRPr sz="1197" kern="1200"/>
+    <cs:bodyPr rot="0" spcFirstLastPara="1" vertOverflow="clip" horzOverflow="clip" vert="horz" wrap="square" lIns="36576" tIns="18288" rIns="36576" bIns="18288" anchor="ctr" anchorCtr="1">
+      <a:spAutoFit/>
+    </cs:bodyPr>
+  </cs:dataLabelCallout>
+  <cs:dataPoint>
+    <cs:lnRef idx="0"/>
+    <cs:fillRef idx="1">
+      <cs:styleClr val="auto"/>
+    </cs:fillRef>
+    <cs:effectRef idx="0"/>
+    <cs:fontRef idx="minor">
+      <a:schemeClr val="tx1"/>
+    </cs:fontRef>
+    <cs:spPr>
+      <a:ln w="19050">
+        <a:solidFill>
+          <a:schemeClr val="lt1"/>
+        </a:solidFill>
+      </a:ln>
+    </cs:spPr>
+  </cs:dataPoint>
+  <cs:dataPoint3D>
+    <cs:lnRef idx="0"/>
+    <cs:fillRef idx="1">
+      <cs:styleClr val="auto"/>
+    </cs:fillRef>
+    <cs:effectRef idx="0"/>
+    <cs:fontRef idx="minor">
+      <a:schemeClr val="tx1"/>
+    </cs:fontRef>
+    <cs:spPr>
+      <a:ln w="25400">
+        <a:solidFill>
+          <a:schemeClr val="lt1"/>
+        </a:solidFill>
+      </a:ln>
+    </cs:spPr>
+  </cs:dataPoint3D>
+  <cs:dataPointLine>
+    <cs:lnRef idx="0">
+      <cs:styleClr val="auto"/>
+    </cs:lnRef>
+    <cs:fillRef idx="0"/>
+    <cs:effectRef idx="0"/>
+    <cs:fontRef idx="minor">
+      <a:schemeClr val="tx1"/>
+    </cs:fontRef>
+    <cs:spPr>
+      <a:ln w="28575" cap="rnd">
+        <a:solidFill>
+          <a:schemeClr val="phClr"/>
+        </a:solidFill>
+        <a:round/>
+      </a:ln>
+    </cs:spPr>
+  </cs:dataPointLine>
+  <cs:dataPointMarker>
+    <cs:lnRef idx="0">
+      <cs:styleClr val="auto"/>
+    </cs:lnRef>
+    <cs:fillRef idx="1">
+      <cs:styleClr val="auto"/>
+    </cs:fillRef>
+    <cs:effectRef idx="0"/>
+    <cs:fontRef idx="minor">
+      <a:schemeClr val="tx1"/>
+    </cs:fontRef>
+    <cs:spPr>
+      <a:ln w="9525">
+        <a:solidFill>
+          <a:schemeClr val="phClr"/>
+        </a:solidFill>
+      </a:ln>
+    </cs:spPr>
+  </cs:dataPointMarker>
+  <cs:dataPointMarkerLayout symbol="circle" size="5"/>
+  <cs:dataPointWireframe>
+    <cs:lnRef idx="0">
+      <cs:styleClr val="auto"/>
+    </cs:lnRef>
+    <cs:fillRef idx="0"/>
+    <cs:effectRef idx="0"/>
+    <cs:fontRef idx="minor">
+      <a:schemeClr val="tx1"/>
+    </cs:fontRef>
+    <cs:spPr>
+      <a:ln w="9525" cap="rnd">
+        <a:solidFill>
+          <a:schemeClr val="phClr"/>
+        </a:solidFill>
+        <a:round/>
+      </a:ln>
+    </cs:spPr>
+  </cs:dataPointWireframe>
+  <cs:dataTable>
+    <cs:lnRef idx="0"/>
+    <cs:fillRef idx="0"/>
+    <cs:effectRef idx="0"/>
+    <cs:fontRef idx="minor">
+      <a:schemeClr val="tx1">
+        <a:lumMod val="65000"/>
+        <a:lumOff val="35000"/>
+      </a:schemeClr>
+    </cs:fontRef>
+    <cs:spPr>
+      <a:noFill/>
+      <a:ln w="9525" cap="flat" cmpd="sng" algn="ctr">
+        <a:solidFill>
+          <a:schemeClr val="tx1">
+            <a:lumMod val="15000"/>
+            <a:lumOff val="85000"/>
+          </a:schemeClr>
+        </a:solidFill>
+        <a:round/>
+      </a:ln>
+    </cs:spPr>
+    <cs:defRPr sz="1197" kern="1200"/>
+  </cs:dataTable>
+  <cs:downBar>
+    <cs:lnRef idx="0"/>
+    <cs:fillRef idx="0"/>
+    <cs:effectRef idx="0"/>
+    <cs:fontRef idx="minor">
+      <a:schemeClr val="tx1"/>
+    </cs:fontRef>
+    <cs:spPr>
+      <a:solidFill>
+        <a:schemeClr val="dk1">
+          <a:lumMod val="75000"/>
+          <a:lumOff val="25000"/>
+        </a:schemeClr>
+      </a:solidFill>
+      <a:ln w="9525" cap="flat" cmpd="sng" algn="ctr">
+        <a:solidFill>
+          <a:schemeClr val="tx1">
+            <a:lumMod val="65000"/>
+            <a:lumOff val="35000"/>
+          </a:schemeClr>
+        </a:solidFill>
+        <a:round/>
+      </a:ln>
+    </cs:spPr>
+  </cs:downBar>
+  <cs:dropLine>
+    <cs:lnRef idx="0"/>
+    <cs:fillRef idx="0"/>
+    <cs:effectRef idx="0"/>
+    <cs:fontRef idx="minor">
+      <a:schemeClr val="tx1"/>
+    </cs:fontRef>
+    <cs:spPr>
+      <a:ln w="9525" cap="flat" cmpd="sng" algn="ctr">
+        <a:solidFill>
+          <a:schemeClr val="tx1">
+            <a:lumMod val="35000"/>
+            <a:lumOff val="65000"/>
+          </a:schemeClr>
+        </a:solidFill>
+        <a:round/>
+      </a:ln>
+    </cs:spPr>
+  </cs:dropLine>
+  <cs:errorBar>
+    <cs:lnRef idx="0"/>
+    <cs:fillRef idx="0"/>
+    <cs:effectRef idx="0"/>
+    <cs:fontRef idx="minor">
+      <a:schemeClr val="tx1"/>
+    </cs:fontRef>
+    <cs:spPr>
+      <a:ln w="9525" cap="flat" cmpd="sng" algn="ctr">
+        <a:solidFill>
+          <a:schemeClr val="tx1">
+            <a:lumMod val="65000"/>
+            <a:lumOff val="35000"/>
+          </a:schemeClr>
+        </a:solidFill>
+        <a:round/>
+      </a:ln>
+    </cs:spPr>
+  </cs:errorBar>
+  <cs:floor>
+    <cs:lnRef idx="0"/>
+    <cs:fillRef idx="0"/>
+    <cs:effectRef idx="0"/>
+    <cs:fontRef idx="minor">
+      <a:schemeClr val="tx1"/>
+    </cs:fontRef>
+    <cs:spPr>
+      <a:noFill/>
+      <a:ln>
+        <a:noFill/>
+      </a:ln>
+    </cs:spPr>
+  </cs:floor>
+  <cs:gridlineMajor>
+    <cs:lnRef idx="0"/>
+    <cs:fillRef idx="0"/>
+    <cs:effectRef idx="0"/>
+    <cs:fontRef idx="minor">
+      <a:schemeClr val="tx1"/>
+    </cs:fontRef>
+    <cs:spPr>
+      <a:ln w="9525" cap="flat" cmpd="sng" algn="ctr">
+        <a:solidFill>
+          <a:schemeClr val="tx1">
+            <a:lumMod val="15000"/>
+            <a:lumOff val="85000"/>
+          </a:schemeClr>
+        </a:solidFill>
+        <a:round/>
+      </a:ln>
+    </cs:spPr>
+  </cs:gridlineMajor>
+  <cs:gridlineMinor>
+    <cs:lnRef idx="0"/>
+    <cs:fillRef idx="0"/>
+    <cs:effectRef idx="0"/>
+    <cs:fontRef idx="minor">
+      <a:schemeClr val="tx1"/>
+    </cs:fontRef>
+    <cs:spPr>
+      <a:ln w="9525" cap="flat" cmpd="sng" algn="ctr">
+        <a:solidFill>
+          <a:schemeClr val="tx1">
+            <a:lumMod val="5000"/>
+            <a:lumOff val="95000"/>
+          </a:schemeClr>
+        </a:solidFill>
+        <a:round/>
+      </a:ln>
+    </cs:spPr>
+  </cs:gridlineMinor>
+  <cs:hiLoLine>
+    <cs:lnRef idx="0"/>
+    <cs:fillRef idx="0"/>
+    <cs:effectRef idx="0"/>
+    <cs:fontRef idx="minor">
+      <a:schemeClr val="tx1"/>
+    </cs:fontRef>
+    <cs:spPr>
+      <a:ln w="9525" cap="flat" cmpd="sng" algn="ctr">
+        <a:solidFill>
+          <a:schemeClr val="tx1">
+            <a:lumMod val="50000"/>
+            <a:lumOff val="50000"/>
+          </a:schemeClr>
+        </a:solidFill>
+        <a:round/>
+      </a:ln>
+    </cs:spPr>
+  </cs:hiLoLine>
+  <cs:leaderLine>
+    <cs:lnRef idx="0"/>
+    <cs:fillRef idx="0"/>
+    <cs:effectRef idx="0"/>
+    <cs:fontRef idx="minor">
+      <a:schemeClr val="tx1"/>
+    </cs:fontRef>
+    <cs:spPr>
+      <a:ln w="9525" cap="flat" cmpd="sng" algn="ctr">
+        <a:solidFill>
+          <a:schemeClr val="tx1">
+            <a:lumMod val="35000"/>
+            <a:lumOff val="65000"/>
+          </a:schemeClr>
+        </a:solidFill>
+        <a:round/>
+      </a:ln>
+    </cs:spPr>
+  </cs:leaderLine>
+  <cs:legend>
+    <cs:lnRef idx="0"/>
+    <cs:fillRef idx="0"/>
+    <cs:effectRef idx="0"/>
+    <cs:fontRef idx="minor">
+      <a:schemeClr val="tx1">
+        <a:lumMod val="65000"/>
+        <a:lumOff val="35000"/>
+      </a:schemeClr>
+    </cs:fontRef>
+    <cs:defRPr sz="1197" kern="1200"/>
+  </cs:legend>
+  <cs:plotArea mods="allowNoFillOverride allowNoLineOverride">
+    <cs:lnRef idx="0"/>
+    <cs:fillRef idx="0"/>
+    <cs:effectRef idx="0"/>
+    <cs:fontRef idx="minor">
+      <a:schemeClr val="tx1"/>
+    </cs:fontRef>
+  </cs:plotArea>
+  <cs:plotArea3D mods="allowNoFillOverride allowNoLineOverride">
+    <cs:lnRef idx="0"/>
+    <cs:fillRef idx="0"/>
+    <cs:effectRef idx="0"/>
+    <cs:fontRef idx="minor">
+      <a:schemeClr val="tx1"/>
+    </cs:fontRef>
+  </cs:plotArea3D>
+  <cs:seriesAxis>
+    <cs:lnRef idx="0"/>
+    <cs:fillRef idx="0"/>
+    <cs:effectRef idx="0"/>
+    <cs:fontRef idx="minor">
+      <a:schemeClr val="tx1">
+        <a:lumMod val="65000"/>
+        <a:lumOff val="35000"/>
+      </a:schemeClr>
+    </cs:fontRef>
+    <cs:defRPr sz="1197" kern="1200"/>
+  </cs:seriesAxis>
+  <cs:seriesLine>
+    <cs:lnRef idx="0"/>
+    <cs:fillRef idx="0"/>
+    <cs:effectRef idx="0"/>
+    <cs:fontRef idx="minor">
+      <a:schemeClr val="tx1"/>
+    </cs:fontRef>
+    <cs:spPr>
+      <a:ln w="9525" cap="flat" cmpd="sng" algn="ctr">
+        <a:solidFill>
+          <a:schemeClr val="tx1">
+            <a:lumMod val="35000"/>
+            <a:lumOff val="65000"/>
+          </a:schemeClr>
+        </a:solidFill>
+        <a:round/>
+      </a:ln>
+    </cs:spPr>
+  </cs:seriesLine>
+  <cs:title>
+    <cs:lnRef idx="0"/>
+    <cs:fillRef idx="0"/>
+    <cs:effectRef idx="0"/>
+    <cs:fontRef idx="minor">
+      <a:schemeClr val="tx1">
+        <a:lumMod val="65000"/>
+        <a:lumOff val="35000"/>
+      </a:schemeClr>
+    </cs:fontRef>
+    <cs:defRPr sz="1862" b="0" kern="1200" spc="0" baseline="0"/>
+  </cs:title>
+  <cs:trendline>
+    <cs:lnRef idx="0">
+      <cs:styleClr val="auto"/>
+    </cs:lnRef>
+    <cs:fillRef idx="0"/>
+    <cs:effectRef idx="0"/>
+    <cs:fontRef idx="minor">
+      <a:schemeClr val="tx1"/>
+    </cs:fontRef>
+    <cs:spPr>
+      <a:ln w="19050" cap="rnd">
+        <a:solidFill>
+          <a:schemeClr val="phClr"/>
+        </a:solidFill>
+        <a:prstDash val="sysDot"/>
+      </a:ln>
+    </cs:spPr>
+  </cs:trendline>
+  <cs:trendlineLabel>
+    <cs:lnRef idx="0"/>
+    <cs:fillRef idx="0"/>
+    <cs:effectRef idx="0"/>
+    <cs:fontRef idx="minor">
+      <a:schemeClr val="tx1">
+        <a:lumMod val="65000"/>
+        <a:lumOff val="35000"/>
+      </a:schemeClr>
+    </cs:fontRef>
+    <cs:defRPr sz="1197" kern="1200"/>
+  </cs:trendlineLabel>
+  <cs:upBar>
+    <cs:lnRef idx="0"/>
+    <cs:fillRef idx="0"/>
+    <cs:effectRef idx="0"/>
+    <cs:fontRef idx="minor">
+      <a:schemeClr val="tx1"/>
+    </cs:fontRef>
+    <cs:spPr>
+      <a:solidFill>
+        <a:schemeClr val="lt1"/>
+      </a:solidFill>
+      <a:ln w="9525" cap="flat" cmpd="sng" algn="ctr">
+        <a:solidFill>
+          <a:schemeClr val="tx1">
+            <a:lumMod val="65000"/>
+            <a:lumOff val="35000"/>
+          </a:schemeClr>
+        </a:solidFill>
+        <a:round/>
+      </a:ln>
+    </cs:spPr>
+  </cs:upBar>
+  <cs:valueAxis>
+    <cs:lnRef idx="0"/>
+    <cs:fillRef idx="0"/>
+    <cs:effectRef idx="0"/>
+    <cs:fontRef idx="minor">
+      <a:schemeClr val="tx1">
+        <a:lumMod val="65000"/>
+        <a:lumOff val="35000"/>
+      </a:schemeClr>
+    </cs:fontRef>
+    <cs:defRPr sz="1197" kern="1200"/>
+  </cs:valueAxis>
+  <cs:wall>
+    <cs:lnRef idx="0"/>
+    <cs:fillRef idx="0"/>
+    <cs:effectRef idx="0"/>
+    <cs:fontRef idx="minor">
+      <a:schemeClr val="tx1"/>
+    </cs:fontRef>
+    <cs:spPr>
+      <a:noFill/>
+      <a:ln>
+        <a:noFill/>
+      </a:ln>
+    </cs:spPr>
+  </cs:wall>
+</cs:chartStyle>
+</file>
+
+<file path=ppt/charts/style2.xml><?xml version="1.0" encoding="utf-8"?>
+<cs:chartStyle xmlns:cs="http://schemas.microsoft.com/office/drawing/2012/chartStyle" xmlns:a="http://schemas.openxmlformats.org/drawingml/2006/main" id="201">
+  <cs:axisTitle>
+    <cs:lnRef idx="0"/>
+    <cs:fillRef idx="0"/>
+    <cs:effectRef idx="0"/>
+    <cs:fontRef idx="minor">
+      <a:schemeClr val="tx1">
+        <a:lumMod val="65000"/>
+        <a:lumOff val="35000"/>
+      </a:schemeClr>
+    </cs:fontRef>
+    <cs:defRPr sz="1330" kern="1200"/>
+  </cs:axisTitle>
+  <cs:categoryAxis>
+    <cs:lnRef idx="0"/>
+    <cs:fillRef idx="0"/>
+    <cs:effectRef idx="0"/>
+    <cs:fontRef idx="minor">
+      <a:schemeClr val="tx1">
+        <a:lumMod val="65000"/>
+        <a:lumOff val="35000"/>
+      </a:schemeClr>
+    </cs:fontRef>
+    <cs:spPr>
+      <a:ln w="9525" cap="flat" cmpd="sng" algn="ctr">
+        <a:solidFill>
+          <a:schemeClr val="tx1">
+            <a:lumMod val="15000"/>
+            <a:lumOff val="85000"/>
+          </a:schemeClr>
+        </a:solidFill>
+        <a:round/>
+      </a:ln>
+    </cs:spPr>
+    <cs:defRPr sz="1197" kern="1200"/>
+  </cs:categoryAxis>
+  <cs:chartArea mods="allowNoFillOverride allowNoLineOverride">
+    <cs:lnRef idx="0"/>
+    <cs:fillRef idx="0"/>
+    <cs:effectRef idx="0"/>
+    <cs:fontRef idx="minor">
+      <a:schemeClr val="tx1"/>
+    </cs:fontRef>
+    <cs:spPr>
+      <a:solidFill>
+        <a:schemeClr val="bg1"/>
+      </a:solidFill>
+      <a:ln w="9525" cap="flat" cmpd="sng" algn="ctr">
+        <a:solidFill>
+          <a:schemeClr val="tx1">
+            <a:lumMod val="15000"/>
+            <a:lumOff val="85000"/>
+          </a:schemeClr>
+        </a:solidFill>
+        <a:round/>
+      </a:ln>
+    </cs:spPr>
+    <cs:defRPr sz="1330" kern="1200"/>
+  </cs:chartArea>
+  <cs:dataLabel>
+    <cs:lnRef idx="0"/>
+    <cs:fillRef idx="0"/>
+    <cs:effectRef idx="0"/>
+    <cs:fontRef idx="minor">
+      <a:schemeClr val="tx1">
+        <a:lumMod val="75000"/>
+        <a:lumOff val="25000"/>
+      </a:schemeClr>
+    </cs:fontRef>
+    <cs:defRPr sz="1197" kern="1200"/>
+  </cs:dataLabel>
+  <cs:dataLabelCallout>
+    <cs:lnRef idx="0"/>
+    <cs:fillRef idx="0"/>
+    <cs:effectRef idx="0"/>
+    <cs:fontRef idx="minor">
+      <a:schemeClr val="dk1">
+        <a:lumMod val="65000"/>
+        <a:lumOff val="35000"/>
+      </a:schemeClr>
+    </cs:fontRef>
+    <cs:spPr>
+      <a:solidFill>
+        <a:schemeClr val="lt1"/>
+      </a:solidFill>
+      <a:ln>
+        <a:solidFill>
+          <a:schemeClr val="dk1">
+            <a:lumMod val="25000"/>
+            <a:lumOff val="75000"/>
+          </a:schemeClr>
+        </a:solidFill>
+      </a:ln>
+    </cs:spPr>
+    <cs:defRPr sz="1197" kern="1200"/>
+    <cs:bodyPr rot="0" spcFirstLastPara="1" vertOverflow="clip" horzOverflow="clip" vert="horz" wrap="square" lIns="36576" tIns="18288" rIns="36576" bIns="18288" anchor="ctr" anchorCtr="1">
+      <a:spAutoFit/>
+    </cs:bodyPr>
+  </cs:dataLabelCallout>
+  <cs:dataPoint>
+    <cs:lnRef idx="0"/>
+    <cs:fillRef idx="1">
+      <cs:styleClr val="auto"/>
+    </cs:fillRef>
+    <cs:effectRef idx="0"/>
+    <cs:fontRef idx="minor">
+      <a:schemeClr val="tx1"/>
+    </cs:fontRef>
+  </cs:dataPoint>
+  <cs:dataPoint3D>
+    <cs:lnRef idx="0"/>
+    <cs:fillRef idx="1">
+      <cs:styleClr val="auto"/>
+    </cs:fillRef>
+    <cs:effectRef idx="0"/>
+    <cs:fontRef idx="minor">
+      <a:schemeClr val="tx1"/>
+    </cs:fontRef>
+  </cs:dataPoint3D>
+  <cs:dataPointLine>
+    <cs:lnRef idx="0">
+      <cs:styleClr val="auto"/>
+    </cs:lnRef>
+    <cs:fillRef idx="1"/>
+    <cs:effectRef idx="0"/>
+    <cs:fontRef idx="minor">
+      <a:schemeClr val="tx1"/>
+    </cs:fontRef>
+    <cs:spPr>
+      <a:ln w="28575" cap="rnd">
+        <a:solidFill>
+          <a:schemeClr val="phClr"/>
+        </a:solidFill>
+        <a:round/>
+      </a:ln>
+    </cs:spPr>
+  </cs:dataPointLine>
+  <cs:dataPointMarker>
+    <cs:lnRef idx="0">
+      <cs:styleClr val="auto"/>
+    </cs:lnRef>
+    <cs:fillRef idx="1">
+      <cs:styleClr val="auto"/>
+    </cs:fillRef>
+    <cs:effectRef idx="0"/>
+    <cs:fontRef idx="minor">
+      <a:schemeClr val="tx1"/>
+    </cs:fontRef>
+    <cs:spPr>
+      <a:ln w="9525">
+        <a:solidFill>
+          <a:schemeClr val="phClr"/>
+        </a:solidFill>
+      </a:ln>
+    </cs:spPr>
+  </cs:dataPointMarker>
+  <cs:dataPointMarkerLayout symbol="circle" size="5"/>
+  <cs:dataPointWireframe>
+    <cs:lnRef idx="0">
+      <cs:styleClr val="auto"/>
+    </cs:lnRef>
+    <cs:fillRef idx="1"/>
+    <cs:effectRef idx="0"/>
+    <cs:fontRef idx="minor">
+      <a:schemeClr val="tx1"/>
+    </cs:fontRef>
+    <cs:spPr>
+      <a:ln w="9525" cap="rnd">
+        <a:solidFill>
+          <a:schemeClr val="phClr"/>
+        </a:solidFill>
+        <a:round/>
+      </a:ln>
+    </cs:spPr>
+  </cs:dataPointWireframe>
+  <cs:dataTable>
+    <cs:lnRef idx="0"/>
+    <cs:fillRef idx="0"/>
+    <cs:effectRef idx="0"/>
+    <cs:fontRef idx="minor">
+      <a:schemeClr val="tx1">
+        <a:lumMod val="65000"/>
+        <a:lumOff val="35000"/>
+      </a:schemeClr>
+    </cs:fontRef>
+    <cs:spPr>
+      <a:noFill/>
+      <a:ln w="9525" cap="flat" cmpd="sng" algn="ctr">
+        <a:solidFill>
+          <a:schemeClr val="tx1">
+            <a:lumMod val="15000"/>
+            <a:lumOff val="85000"/>
+          </a:schemeClr>
+        </a:solidFill>
+        <a:round/>
+      </a:ln>
+    </cs:spPr>
+    <cs:defRPr sz="1197" kern="1200"/>
+  </cs:dataTable>
+  <cs:downBar>
+    <cs:lnRef idx="0"/>
+    <cs:fillRef idx="0"/>
+    <cs:effectRef idx="0"/>
+    <cs:fontRef idx="minor">
+      <a:schemeClr val="dk1"/>
+    </cs:fontRef>
+    <cs:spPr>
+      <a:solidFill>
+        <a:schemeClr val="dk1">
+          <a:lumMod val="65000"/>
+          <a:lumOff val="35000"/>
+        </a:schemeClr>
+      </a:solidFill>
+      <a:ln w="9525">
+        <a:solidFill>
+          <a:schemeClr val="tx1">
+            <a:lumMod val="65000"/>
+            <a:lumOff val="35000"/>
+          </a:schemeClr>
+        </a:solidFill>
+      </a:ln>
+    </cs:spPr>
+  </cs:downBar>
+  <cs:dropLine>
+    <cs:lnRef idx="0"/>
+    <cs:fillRef idx="0"/>
+    <cs:effectRef idx="0"/>
+    <cs:fontRef idx="minor">
+      <a:schemeClr val="tx1"/>
+    </cs:fontRef>
+    <cs:spPr>
+      <a:ln w="9525" cap="flat" cmpd="sng" algn="ctr">
+        <a:solidFill>
+          <a:schemeClr val="tx1">
+            <a:lumMod val="35000"/>
+            <a:lumOff val="65000"/>
+          </a:schemeClr>
+        </a:solidFill>
+        <a:round/>
+      </a:ln>
+    </cs:spPr>
+  </cs:dropLine>
+  <cs:errorBar>
+    <cs:lnRef idx="0"/>
+    <cs:fillRef idx="0"/>
+    <cs:effectRef idx="0"/>
+    <cs:fontRef idx="minor">
+      <a:schemeClr val="tx1"/>
+    </cs:fontRef>
+    <cs:spPr>
+      <a:ln w="9525" cap="flat" cmpd="sng" algn="ctr">
+        <a:solidFill>
+          <a:schemeClr val="tx1">
+            <a:lumMod val="65000"/>
+            <a:lumOff val="35000"/>
+          </a:schemeClr>
+        </a:solidFill>
+        <a:round/>
+      </a:ln>
+    </cs:spPr>
+  </cs:errorBar>
+  <cs:floor>
+    <cs:lnRef idx="0"/>
+    <cs:fillRef idx="0"/>
+    <cs:effectRef idx="0"/>
+    <cs:fontRef idx="minor">
+      <a:schemeClr val="tx1"/>
+    </cs:fontRef>
+    <cs:spPr>
+      <a:noFill/>
+      <a:ln>
+        <a:noFill/>
+      </a:ln>
+    </cs:spPr>
+  </cs:floor>
+  <cs:gridlineMajor>
+    <cs:lnRef idx="0"/>
+    <cs:fillRef idx="0"/>
+    <cs:effectRef idx="0"/>
+    <cs:fontRef idx="minor">
+      <a:schemeClr val="tx1"/>
+    </cs:fontRef>
+    <cs:spPr>
+      <a:ln w="9525" cap="flat" cmpd="sng" algn="ctr">
+        <a:solidFill>
+          <a:schemeClr val="tx1">
+            <a:lumMod val="15000"/>
+            <a:lumOff val="85000"/>
+          </a:schemeClr>
+        </a:solidFill>
+        <a:round/>
+      </a:ln>
+    </cs:spPr>
+  </cs:gridlineMajor>
+  <cs:gridlineMinor>
+    <cs:lnRef idx="0"/>
+    <cs:fillRef idx="0"/>
+    <cs:effectRef idx="0"/>
+    <cs:fontRef idx="minor">
+      <a:schemeClr val="tx1"/>
+    </cs:fontRef>
+    <cs:spPr>
+      <a:ln w="9525" cap="flat" cmpd="sng" algn="ctr">
+        <a:solidFill>
+          <a:schemeClr val="tx1">
+            <a:lumMod val="5000"/>
+            <a:lumOff val="95000"/>
+          </a:schemeClr>
+        </a:solidFill>
+        <a:round/>
+      </a:ln>
+    </cs:spPr>
+  </cs:gridlineMinor>
+  <cs:hiLoLine>
+    <cs:lnRef idx="0"/>
+    <cs:fillRef idx="0"/>
+    <cs:effectRef idx="0"/>
+    <cs:fontRef idx="minor">
+      <a:schemeClr val="tx1"/>
+    </cs:fontRef>
+    <cs:spPr>
+      <a:ln w="9525" cap="flat" cmpd="sng" algn="ctr">
+        <a:solidFill>
+          <a:schemeClr val="tx1">
+            <a:lumMod val="75000"/>
+            <a:lumOff val="25000"/>
+          </a:schemeClr>
+        </a:solidFill>
+        <a:round/>
+      </a:ln>
+    </cs:spPr>
+  </cs:hiLoLine>
+  <cs:leaderLine>
+    <cs:lnRef idx="0"/>
+    <cs:fillRef idx="0"/>
+    <cs:effectRef idx="0"/>
+    <cs:fontRef idx="minor">
+      <a:schemeClr val="tx1"/>
+    </cs:fontRef>
+    <cs:spPr>
+      <a:ln w="9525" cap="flat" cmpd="sng" algn="ctr">
+        <a:solidFill>
+          <a:schemeClr val="tx1">
+            <a:lumMod val="35000"/>
+            <a:lumOff val="65000"/>
+          </a:schemeClr>
+        </a:solidFill>
+        <a:round/>
+      </a:ln>
+    </cs:spPr>
+  </cs:leaderLine>
+  <cs:legend>
+    <cs:lnRef idx="0"/>
+    <cs:fillRef idx="0"/>
+    <cs:effectRef idx="0"/>
+    <cs:fontRef idx="minor">
+      <a:schemeClr val="tx1">
+        <a:lumMod val="65000"/>
+        <a:lumOff val="35000"/>
+      </a:schemeClr>
+    </cs:fontRef>
+    <cs:defRPr sz="1197" kern="1200"/>
+  </cs:legend>
+  <cs:plotArea mods="allowNoFillOverride allowNoLineOverride">
+    <cs:lnRef idx="0"/>
+    <cs:fillRef idx="0"/>
+    <cs:effectRef idx="0"/>
+    <cs:fontRef idx="minor">
+      <a:schemeClr val="tx1"/>
+    </cs:fontRef>
+  </cs:plotArea>
+  <cs:plotArea3D mods="allowNoFillOverride allowNoLineOverride">
+    <cs:lnRef idx="0"/>
+    <cs:fillRef idx="0"/>
+    <cs:effectRef idx="0"/>
+    <cs:fontRef idx="minor">
+      <a:schemeClr val="tx1"/>
+    </cs:fontRef>
+  </cs:plotArea3D>
+  <cs:seriesAxis>
+    <cs:lnRef idx="0"/>
+    <cs:fillRef idx="0"/>
+    <cs:effectRef idx="0"/>
+    <cs:fontRef idx="minor">
+      <a:schemeClr val="tx1">
+        <a:lumMod val="65000"/>
+        <a:lumOff val="35000"/>
+      </a:schemeClr>
+    </cs:fontRef>
+    <cs:defRPr sz="1197" kern="1200"/>
+  </cs:seriesAxis>
+  <cs:seriesLine>
+    <cs:lnRef idx="0"/>
+    <cs:fillRef idx="0"/>
+    <cs:effectRef idx="0"/>
+    <cs:fontRef idx="minor">
+      <a:schemeClr val="tx1"/>
+    </cs:fontRef>
+    <cs:spPr>
+      <a:ln w="9525" cap="flat" cmpd="sng" algn="ctr">
+        <a:solidFill>
+          <a:schemeClr val="tx1">
+            <a:lumMod val="35000"/>
+            <a:lumOff val="65000"/>
+          </a:schemeClr>
+        </a:solidFill>
+        <a:round/>
+      </a:ln>
+    </cs:spPr>
+  </cs:seriesLine>
+  <cs:title>
+    <cs:lnRef idx="0"/>
+    <cs:fillRef idx="0"/>
+    <cs:effectRef idx="0"/>
+    <cs:fontRef idx="minor">
+      <a:schemeClr val="tx1">
+        <a:lumMod val="65000"/>
+        <a:lumOff val="35000"/>
+      </a:schemeClr>
+    </cs:fontRef>
+    <cs:defRPr sz="1862" b="0" kern="1200" spc="0" baseline="0"/>
+  </cs:title>
+  <cs:trendline>
+    <cs:lnRef idx="0">
+      <cs:styleClr val="auto"/>
+    </cs:lnRef>
+    <cs:fillRef idx="0"/>
+    <cs:effectRef idx="0"/>
+    <cs:fontRef idx="minor">
+      <a:schemeClr val="tx1"/>
+    </cs:fontRef>
+    <cs:spPr>
+      <a:ln w="19050" cap="rnd">
+        <a:solidFill>
+          <a:schemeClr val="phClr"/>
+        </a:solidFill>
+        <a:prstDash val="sysDot"/>
+      </a:ln>
+    </cs:spPr>
+  </cs:trendline>
+  <cs:trendlineLabel>
+    <cs:lnRef idx="0"/>
+    <cs:fillRef idx="0"/>
+    <cs:effectRef idx="0"/>
+    <cs:fontRef idx="minor">
+      <a:schemeClr val="tx1">
+        <a:lumMod val="65000"/>
+        <a:lumOff val="35000"/>
+      </a:schemeClr>
+    </cs:fontRef>
+    <cs:defRPr sz="1197" kern="1200"/>
+  </cs:trendlineLabel>
+  <cs:upBar>
+    <cs:lnRef idx="0"/>
+    <cs:fillRef idx="0"/>
+    <cs:effectRef idx="0"/>
+    <cs:fontRef idx="minor">
+      <a:schemeClr val="dk1"/>
+    </cs:fontRef>
+    <cs:spPr>
+      <a:solidFill>
+        <a:schemeClr val="lt1"/>
+      </a:solidFill>
+      <a:ln w="9525">
+        <a:solidFill>
+          <a:schemeClr val="tx1">
+            <a:lumMod val="15000"/>
+            <a:lumOff val="85000"/>
+          </a:schemeClr>
+        </a:solidFill>
+      </a:ln>
+    </cs:spPr>
+  </cs:upBar>
+  <cs:valueAxis>
+    <cs:lnRef idx="0"/>
+    <cs:fillRef idx="0"/>
+    <cs:effectRef idx="0"/>
+    <cs:fontRef idx="minor">
+      <a:schemeClr val="tx1">
+        <a:lumMod val="65000"/>
+        <a:lumOff val="35000"/>
+      </a:schemeClr>
+    </cs:fontRef>
+    <cs:defRPr sz="1197" kern="1200"/>
+  </cs:valueAxis>
+  <cs:wall>
+    <cs:lnRef idx="0"/>
+    <cs:fillRef idx="0"/>
+    <cs:effectRef idx="0"/>
+    <cs:fontRef idx="minor">
+      <a:schemeClr val="tx1"/>
+    </cs:fontRef>
+    <cs:spPr>
+      <a:noFill/>
+      <a:ln>
+        <a:noFill/>
+      </a:ln>
+    </cs:spPr>
+  </cs:wall>
+</cs:chartStyle>
+</file>
+
+<file path=ppt/charts/style3.xml><?xml version="1.0" encoding="utf-8"?>
+<cs:chartStyle xmlns:cs="http://schemas.microsoft.com/office/drawing/2012/chartStyle" xmlns:a="http://schemas.openxmlformats.org/drawingml/2006/main" id="201">
+  <cs:axisTitle>
+    <cs:lnRef idx="0"/>
+    <cs:fillRef idx="0"/>
+    <cs:effectRef idx="0"/>
+    <cs:fontRef idx="minor">
+      <a:schemeClr val="tx1">
+        <a:lumMod val="65000"/>
+        <a:lumOff val="35000"/>
+      </a:schemeClr>
+    </cs:fontRef>
+    <cs:defRPr sz="1330" kern="1200"/>
+  </cs:axisTitle>
+  <cs:categoryAxis>
+    <cs:lnRef idx="0"/>
+    <cs:fillRef idx="0"/>
+    <cs:effectRef idx="0"/>
+    <cs:fontRef idx="minor">
+      <a:schemeClr val="tx1">
+        <a:lumMod val="65000"/>
+        <a:lumOff val="35000"/>
+      </a:schemeClr>
+    </cs:fontRef>
+    <cs:spPr>
+      <a:ln w="9525" cap="flat" cmpd="sng" algn="ctr">
+        <a:solidFill>
+          <a:schemeClr val="tx1">
+            <a:lumMod val="15000"/>
+            <a:lumOff val="85000"/>
+          </a:schemeClr>
+        </a:solidFill>
+        <a:round/>
+      </a:ln>
+    </cs:spPr>
+    <cs:defRPr sz="1197" kern="1200"/>
+  </cs:categoryAxis>
+  <cs:chartArea mods="allowNoFillOverride allowNoLineOverride">
+    <cs:lnRef idx="0"/>
+    <cs:fillRef idx="0"/>
+    <cs:effectRef idx="0"/>
+    <cs:fontRef idx="minor">
+      <a:schemeClr val="tx1"/>
+    </cs:fontRef>
+    <cs:spPr>
+      <a:solidFill>
+        <a:schemeClr val="bg1"/>
+      </a:solidFill>
+      <a:ln w="9525" cap="flat" cmpd="sng" algn="ctr">
+        <a:solidFill>
+          <a:schemeClr val="tx1">
+            <a:lumMod val="15000"/>
+            <a:lumOff val="85000"/>
+          </a:schemeClr>
+        </a:solidFill>
+        <a:round/>
+      </a:ln>
+    </cs:spPr>
+    <cs:defRPr sz="1330" kern="1200"/>
+  </cs:chartArea>
+  <cs:dataLabel>
+    <cs:lnRef idx="0"/>
+    <cs:fillRef idx="0"/>
+    <cs:effectRef idx="0"/>
+    <cs:fontRef idx="minor">
+      <a:schemeClr val="tx1">
+        <a:lumMod val="75000"/>
+        <a:lumOff val="25000"/>
+      </a:schemeClr>
+    </cs:fontRef>
+    <cs:defRPr sz="1197" kern="1200"/>
+  </cs:dataLabel>
+  <cs:dataLabelCallout>
+    <cs:lnRef idx="0"/>
+    <cs:fillRef idx="0"/>
+    <cs:effectRef idx="0"/>
+    <cs:fontRef idx="minor">
+      <a:schemeClr val="dk1">
+        <a:lumMod val="65000"/>
+        <a:lumOff val="35000"/>
+      </a:schemeClr>
+    </cs:fontRef>
+    <cs:spPr>
+      <a:solidFill>
+        <a:schemeClr val="lt1"/>
+      </a:solidFill>
+      <a:ln>
+        <a:solidFill>
+          <a:schemeClr val="dk1">
+            <a:lumMod val="25000"/>
+            <a:lumOff val="75000"/>
+          </a:schemeClr>
+        </a:solidFill>
+      </a:ln>
+    </cs:spPr>
+    <cs:defRPr sz="1197" kern="1200"/>
+    <cs:bodyPr rot="0" spcFirstLastPara="1" vertOverflow="clip" horzOverflow="clip" vert="horz" wrap="square" lIns="36576" tIns="18288" rIns="36576" bIns="18288" anchor="ctr" anchorCtr="1">
+      <a:spAutoFit/>
+    </cs:bodyPr>
+  </cs:dataLabelCallout>
+  <cs:dataPoint>
+    <cs:lnRef idx="0"/>
+    <cs:fillRef idx="1">
+      <cs:styleClr val="auto"/>
+    </cs:fillRef>
+    <cs:effectRef idx="0"/>
+    <cs:fontRef idx="minor">
+      <a:schemeClr val="tx1"/>
+    </cs:fontRef>
+  </cs:dataPoint>
+  <cs:dataPoint3D>
+    <cs:lnRef idx="0"/>
+    <cs:fillRef idx="1">
+      <cs:styleClr val="auto"/>
+    </cs:fillRef>
+    <cs:effectRef idx="0"/>
+    <cs:fontRef idx="minor">
+      <a:schemeClr val="tx1"/>
+    </cs:fontRef>
+  </cs:dataPoint3D>
+  <cs:dataPointLine>
+    <cs:lnRef idx="0">
+      <cs:styleClr val="auto"/>
+    </cs:lnRef>
+    <cs:fillRef idx="1"/>
+    <cs:effectRef idx="0"/>
+    <cs:fontRef idx="minor">
+      <a:schemeClr val="tx1"/>
+    </cs:fontRef>
+    <cs:spPr>
+      <a:ln w="28575" cap="rnd">
+        <a:solidFill>
+          <a:schemeClr val="phClr"/>
+        </a:solidFill>
+        <a:round/>
+      </a:ln>
+    </cs:spPr>
+  </cs:dataPointLine>
+  <cs:dataPointMarker>
+    <cs:lnRef idx="0">
+      <cs:styleClr val="auto"/>
+    </cs:lnRef>
+    <cs:fillRef idx="1">
+      <cs:styleClr val="auto"/>
+    </cs:fillRef>
+    <cs:effectRef idx="0"/>
+    <cs:fontRef idx="minor">
+      <a:schemeClr val="tx1"/>
+    </cs:fontRef>
+    <cs:spPr>
+      <a:ln w="9525">
+        <a:solidFill>
+          <a:schemeClr val="phClr"/>
+        </a:solidFill>
+      </a:ln>
+    </cs:spPr>
+  </cs:dataPointMarker>
+  <cs:dataPointMarkerLayout symbol="circle" size="5"/>
+  <cs:dataPointWireframe>
+    <cs:lnRef idx="0">
+      <cs:styleClr val="auto"/>
+    </cs:lnRef>
+    <cs:fillRef idx="1"/>
+    <cs:effectRef idx="0"/>
+    <cs:fontRef idx="minor">
+      <a:schemeClr val="tx1"/>
+    </cs:fontRef>
+    <cs:spPr>
+      <a:ln w="9525" cap="rnd">
+        <a:solidFill>
+          <a:schemeClr val="phClr"/>
+        </a:solidFill>
+        <a:round/>
+      </a:ln>
+    </cs:spPr>
+  </cs:dataPointWireframe>
+  <cs:dataTable>
+    <cs:lnRef idx="0"/>
+    <cs:fillRef idx="0"/>
+    <cs:effectRef idx="0"/>
+    <cs:fontRef idx="minor">
+      <a:schemeClr val="tx1">
+        <a:lumMod val="65000"/>
+        <a:lumOff val="35000"/>
+      </a:schemeClr>
+    </cs:fontRef>
+    <cs:spPr>
+      <a:noFill/>
+      <a:ln w="9525" cap="flat" cmpd="sng" algn="ctr">
+        <a:solidFill>
+          <a:schemeClr val="tx1">
+            <a:lumMod val="15000"/>
+            <a:lumOff val="85000"/>
+          </a:schemeClr>
+        </a:solidFill>
+        <a:round/>
+      </a:ln>
+    </cs:spPr>
+    <cs:defRPr sz="1197" kern="1200"/>
+  </cs:dataTable>
+  <cs:downBar>
+    <cs:lnRef idx="0"/>
+    <cs:fillRef idx="0"/>
+    <cs:effectRef idx="0"/>
+    <cs:fontRef idx="minor">
+      <a:schemeClr val="dk1"/>
+    </cs:fontRef>
+    <cs:spPr>
+      <a:solidFill>
+        <a:schemeClr val="dk1">
+          <a:lumMod val="65000"/>
+          <a:lumOff val="35000"/>
+        </a:schemeClr>
+      </a:solidFill>
+      <a:ln w="9525">
+        <a:solidFill>
+          <a:schemeClr val="tx1">
+            <a:lumMod val="65000"/>
+            <a:lumOff val="35000"/>
+          </a:schemeClr>
+        </a:solidFill>
+      </a:ln>
+    </cs:spPr>
+  </cs:downBar>
+  <cs:dropLine>
+    <cs:lnRef idx="0"/>
+    <cs:fillRef idx="0"/>
+    <cs:effectRef idx="0"/>
+    <cs:fontRef idx="minor">
+      <a:schemeClr val="tx1"/>
+    </cs:fontRef>
+    <cs:spPr>
+      <a:ln w="9525" cap="flat" cmpd="sng" algn="ctr">
+        <a:solidFill>
+          <a:schemeClr val="tx1">
+            <a:lumMod val="35000"/>
+            <a:lumOff val="65000"/>
+          </a:schemeClr>
+        </a:solidFill>
+        <a:round/>
+      </a:ln>
+    </cs:spPr>
+  </cs:dropLine>
+  <cs:errorBar>
+    <cs:lnRef idx="0"/>
+    <cs:fillRef idx="0"/>
+    <cs:effectRef idx="0"/>
+    <cs:fontRef idx="minor">
+      <a:schemeClr val="tx1"/>
+    </cs:fontRef>
+    <cs:spPr>
+      <a:ln w="9525" cap="flat" cmpd="sng" algn="ctr">
+        <a:solidFill>
+          <a:schemeClr val="tx1">
+            <a:lumMod val="65000"/>
+            <a:lumOff val="35000"/>
+          </a:schemeClr>
+        </a:solidFill>
+        <a:round/>
+      </a:ln>
+    </cs:spPr>
+  </cs:errorBar>
+  <cs:floor>
+    <cs:lnRef idx="0"/>
+    <cs:fillRef idx="0"/>
+    <cs:effectRef idx="0"/>
+    <cs:fontRef idx="minor">
+      <a:schemeClr val="tx1"/>
+    </cs:fontRef>
+    <cs:spPr>
+      <a:noFill/>
+      <a:ln>
+        <a:noFill/>
+      </a:ln>
+    </cs:spPr>
+  </cs:floor>
+  <cs:gridlineMajor>
+    <cs:lnRef idx="0"/>
+    <cs:fillRef idx="0"/>
+    <cs:effectRef idx="0"/>
+    <cs:fontRef idx="minor">
+      <a:schemeClr val="tx1"/>
+    </cs:fontRef>
+    <cs:spPr>
+      <a:ln w="9525" cap="flat" cmpd="sng" algn="ctr">
+        <a:solidFill>
+          <a:schemeClr val="tx1">
+            <a:lumMod val="15000"/>
+            <a:lumOff val="85000"/>
+          </a:schemeClr>
+        </a:solidFill>
+        <a:round/>
+      </a:ln>
+    </cs:spPr>
+  </cs:gridlineMajor>
+  <cs:gridlineMinor>
+    <cs:lnRef idx="0"/>
+    <cs:fillRef idx="0"/>
+    <cs:effectRef idx="0"/>
+    <cs:fontRef idx="minor">
+      <a:schemeClr val="tx1"/>
+    </cs:fontRef>
+    <cs:spPr>
+      <a:ln w="9525" cap="flat" cmpd="sng" algn="ctr">
+        <a:solidFill>
+          <a:schemeClr val="tx1">
+            <a:lumMod val="5000"/>
+            <a:lumOff val="95000"/>
+          </a:schemeClr>
+        </a:solidFill>
+        <a:round/>
+      </a:ln>
+    </cs:spPr>
+  </cs:gridlineMinor>
+  <cs:hiLoLine>
+    <cs:lnRef idx="0"/>
+    <cs:fillRef idx="0"/>
+    <cs:effectRef idx="0"/>
+    <cs:fontRef idx="minor">
+      <a:schemeClr val="tx1"/>
+    </cs:fontRef>
+    <cs:spPr>
+      <a:ln w="9525" cap="flat" cmpd="sng" algn="ctr">
+        <a:solidFill>
+          <a:schemeClr val="tx1">
+            <a:lumMod val="75000"/>
+            <a:lumOff val="25000"/>
+          </a:schemeClr>
+        </a:solidFill>
+        <a:round/>
+      </a:ln>
+    </cs:spPr>
+  </cs:hiLoLine>
+  <cs:leaderLine>
+    <cs:lnRef idx="0"/>
+    <cs:fillRef idx="0"/>
+    <cs:effectRef idx="0"/>
+    <cs:fontRef idx="minor">
+      <a:schemeClr val="tx1"/>
+    </cs:fontRef>
+    <cs:spPr>
+      <a:ln w="9525" cap="flat" cmpd="sng" algn="ctr">
+        <a:solidFill>
+          <a:schemeClr val="tx1">
+            <a:lumMod val="35000"/>
+            <a:lumOff val="65000"/>
+          </a:schemeClr>
+        </a:solidFill>
+        <a:round/>
+      </a:ln>
+    </cs:spPr>
+  </cs:leaderLine>
+  <cs:legend>
+    <cs:lnRef idx="0"/>
+    <cs:fillRef idx="0"/>
+    <cs:effectRef idx="0"/>
+    <cs:fontRef idx="minor">
+      <a:schemeClr val="tx1">
+        <a:lumMod val="65000"/>
+        <a:lumOff val="35000"/>
+      </a:schemeClr>
+    </cs:fontRef>
+    <cs:defRPr sz="1197" kern="1200"/>
+  </cs:legend>
+  <cs:plotArea mods="allowNoFillOverride allowNoLineOverride">
+    <cs:lnRef idx="0"/>
+    <cs:fillRef idx="0"/>
+    <cs:effectRef idx="0"/>
+    <cs:fontRef idx="minor">
+      <a:schemeClr val="tx1"/>
+    </cs:fontRef>
+  </cs:plotArea>
+  <cs:plotArea3D mods="allowNoFillOverride allowNoLineOverride">
+    <cs:lnRef idx="0"/>
+    <cs:fillRef idx="0"/>
+    <cs:effectRef idx="0"/>
+    <cs:fontRef idx="minor">
+      <a:schemeClr val="tx1"/>
+    </cs:fontRef>
+  </cs:plotArea3D>
+  <cs:seriesAxis>
+    <cs:lnRef idx="0"/>
+    <cs:fillRef idx="0"/>
+    <cs:effectRef idx="0"/>
+    <cs:fontRef idx="minor">
+      <a:schemeClr val="tx1">
+        <a:lumMod val="65000"/>
+        <a:lumOff val="35000"/>
+      </a:schemeClr>
+    </cs:fontRef>
+    <cs:defRPr sz="1197" kern="1200"/>
+  </cs:seriesAxis>
+  <cs:seriesLine>
+    <cs:lnRef idx="0"/>
+    <cs:fillRef idx="0"/>
+    <cs:effectRef idx="0"/>
+    <cs:fontRef idx="minor">
+      <a:schemeClr val="tx1"/>
+    </cs:fontRef>
+    <cs:spPr>
+      <a:ln w="9525" cap="flat" cmpd="sng" algn="ctr">
+        <a:solidFill>
+          <a:schemeClr val="tx1">
+            <a:lumMod val="35000"/>
+            <a:lumOff val="65000"/>
+          </a:schemeClr>
+        </a:solidFill>
+        <a:round/>
+      </a:ln>
+    </cs:spPr>
+  </cs:seriesLine>
+  <cs:title>
+    <cs:lnRef idx="0"/>
+    <cs:fillRef idx="0"/>
+    <cs:effectRef idx="0"/>
+    <cs:fontRef idx="minor">
+      <a:schemeClr val="tx1">
+        <a:lumMod val="65000"/>
+        <a:lumOff val="35000"/>
+      </a:schemeClr>
+    </cs:fontRef>
+    <cs:defRPr sz="1862" b="0" kern="1200" spc="0" baseline="0"/>
+  </cs:title>
+  <cs:trendline>
+    <cs:lnRef idx="0">
+      <cs:styleClr val="auto"/>
+    </cs:lnRef>
+    <cs:fillRef idx="0"/>
+    <cs:effectRef idx="0"/>
+    <cs:fontRef idx="minor">
+      <a:schemeClr val="tx1"/>
+    </cs:fontRef>
+    <cs:spPr>
+      <a:ln w="19050" cap="rnd">
+        <a:solidFill>
+          <a:schemeClr val="phClr"/>
+        </a:solidFill>
+        <a:prstDash val="sysDot"/>
+      </a:ln>
+    </cs:spPr>
+  </cs:trendline>
+  <cs:trendlineLabel>
+    <cs:lnRef idx="0"/>
+    <cs:fillRef idx="0"/>
+    <cs:effectRef idx="0"/>
+    <cs:fontRef idx="minor">
+      <a:schemeClr val="tx1">
+        <a:lumMod val="65000"/>
+        <a:lumOff val="35000"/>
+      </a:schemeClr>
+    </cs:fontRef>
+    <cs:defRPr sz="1197" kern="1200"/>
+  </cs:trendlineLabel>
+  <cs:upBar>
+    <cs:lnRef idx="0"/>
+    <cs:fillRef idx="0"/>
+    <cs:effectRef idx="0"/>
+    <cs:fontRef idx="minor">
+      <a:schemeClr val="dk1"/>
+    </cs:fontRef>
+    <cs:spPr>
+      <a:solidFill>
+        <a:schemeClr val="lt1"/>
+      </a:solidFill>
+      <a:ln w="9525">
+        <a:solidFill>
+          <a:schemeClr val="tx1">
+            <a:lumMod val="15000"/>
+            <a:lumOff val="85000"/>
+          </a:schemeClr>
+        </a:solidFill>
+      </a:ln>
+    </cs:spPr>
+  </cs:upBar>
+  <cs:valueAxis>
+    <cs:lnRef idx="0"/>
+    <cs:fillRef idx="0"/>
+    <cs:effectRef idx="0"/>
+    <cs:fontRef idx="minor">
+      <a:schemeClr val="tx1">
+        <a:lumMod val="65000"/>
+        <a:lumOff val="35000"/>
+      </a:schemeClr>
+    </cs:fontRef>
+    <cs:defRPr sz="1197" kern="1200"/>
+  </cs:valueAxis>
+  <cs:wall>
+    <cs:lnRef idx="0"/>
+    <cs:fillRef idx="0"/>
+    <cs:effectRef idx="0"/>
+    <cs:fontRef idx="minor">
+      <a:schemeClr val="tx1"/>
+    </cs:fontRef>
+    <cs:spPr>
+      <a:noFill/>
+      <a:ln>
+        <a:noFill/>
+      </a:ln>
+    </cs:spPr>
+  </cs:wall>
+</cs:chartStyle>
+</file>
+
+<file path=ppt/charts/style4.xml><?xml version="1.0" encoding="utf-8"?>
+<cs:chartStyle xmlns:cs="http://schemas.microsoft.com/office/drawing/2012/chartStyle" xmlns:a="http://schemas.openxmlformats.org/drawingml/2006/main" id="201">
+  <cs:axisTitle>
+    <cs:lnRef idx="0"/>
+    <cs:fillRef idx="0"/>
+    <cs:effectRef idx="0"/>
+    <cs:fontRef idx="minor">
+      <a:schemeClr val="tx1">
+        <a:lumMod val="65000"/>
+        <a:lumOff val="35000"/>
+      </a:schemeClr>
+    </cs:fontRef>
+    <cs:defRPr sz="1330" kern="1200"/>
+  </cs:axisTitle>
+  <cs:categoryAxis>
+    <cs:lnRef idx="0"/>
+    <cs:fillRef idx="0"/>
+    <cs:effectRef idx="0"/>
+    <cs:fontRef idx="minor">
+      <a:schemeClr val="tx1">
+        <a:lumMod val="65000"/>
+        <a:lumOff val="35000"/>
+      </a:schemeClr>
+    </cs:fontRef>
+    <cs:spPr>
+      <a:ln w="9525" cap="flat" cmpd="sng" algn="ctr">
+        <a:solidFill>
+          <a:schemeClr val="tx1">
+            <a:lumMod val="15000"/>
+            <a:lumOff val="85000"/>
+          </a:schemeClr>
+        </a:solidFill>
+        <a:round/>
+      </a:ln>
+    </cs:spPr>
+    <cs:defRPr sz="1197" kern="1200"/>
+  </cs:categoryAxis>
+  <cs:chartArea mods="allowNoFillOverride allowNoLineOverride">
+    <cs:lnRef idx="0"/>
+    <cs:fillRef idx="0"/>
+    <cs:effectRef idx="0"/>
+    <cs:fontRef idx="minor">
+      <a:schemeClr val="tx1"/>
+    </cs:fontRef>
+    <cs:spPr>
+      <a:solidFill>
+        <a:schemeClr val="bg1"/>
+      </a:solidFill>
+      <a:ln w="9525" cap="flat" cmpd="sng" algn="ctr">
+        <a:solidFill>
+          <a:schemeClr val="tx1">
+            <a:lumMod val="15000"/>
+            <a:lumOff val="85000"/>
+          </a:schemeClr>
+        </a:solidFill>
+        <a:round/>
+      </a:ln>
+    </cs:spPr>
+    <cs:defRPr sz="1330" kern="1200"/>
+  </cs:chartArea>
+  <cs:dataLabel>
+    <cs:lnRef idx="0"/>
+    <cs:fillRef idx="0"/>
+    <cs:effectRef idx="0"/>
+    <cs:fontRef idx="minor">
+      <a:schemeClr val="tx1">
+        <a:lumMod val="75000"/>
+        <a:lumOff val="25000"/>
+      </a:schemeClr>
+    </cs:fontRef>
+    <cs:defRPr sz="1197" kern="1200"/>
+  </cs:dataLabel>
+  <cs:dataLabelCallout>
+    <cs:lnRef idx="0"/>
+    <cs:fillRef idx="0"/>
+    <cs:effectRef idx="0"/>
+    <cs:fontRef idx="minor">
+      <a:schemeClr val="dk1">
+        <a:lumMod val="65000"/>
+        <a:lumOff val="35000"/>
+      </a:schemeClr>
+    </cs:fontRef>
+    <cs:spPr>
+      <a:solidFill>
+        <a:schemeClr val="lt1"/>
+      </a:solidFill>
+      <a:ln>
+        <a:solidFill>
+          <a:schemeClr val="dk1">
+            <a:lumMod val="25000"/>
+            <a:lumOff val="75000"/>
+          </a:schemeClr>
+        </a:solidFill>
+      </a:ln>
+    </cs:spPr>
+    <cs:defRPr sz="1197" kern="1200"/>
+    <cs:bodyPr rot="0" spcFirstLastPara="1" vertOverflow="clip" horzOverflow="clip" vert="horz" wrap="square" lIns="36576" tIns="18288" rIns="36576" bIns="18288" anchor="ctr" anchorCtr="1">
+      <a:spAutoFit/>
+    </cs:bodyPr>
+  </cs:dataLabelCallout>
+  <cs:dataPoint>
+    <cs:lnRef idx="0"/>
+    <cs:fillRef idx="1">
+      <cs:styleClr val="auto"/>
+    </cs:fillRef>
+    <cs:effectRef idx="0"/>
+    <cs:fontRef idx="minor">
+      <a:schemeClr val="tx1"/>
+    </cs:fontRef>
+  </cs:dataPoint>
+  <cs:dataPoint3D>
+    <cs:lnRef idx="0"/>
+    <cs:fillRef idx="1">
+      <cs:styleClr val="auto"/>
+    </cs:fillRef>
+    <cs:effectRef idx="0"/>
+    <cs:fontRef idx="minor">
+      <a:schemeClr val="tx1"/>
+    </cs:fontRef>
+  </cs:dataPoint3D>
+  <cs:dataPointLine>
+    <cs:lnRef idx="0">
+      <cs:styleClr val="auto"/>
+    </cs:lnRef>
+    <cs:fillRef idx="1"/>
+    <cs:effectRef idx="0"/>
+    <cs:fontRef idx="minor">
+      <a:schemeClr val="tx1"/>
+    </cs:fontRef>
+    <cs:spPr>
+      <a:ln w="28575" cap="rnd">
+        <a:solidFill>
+          <a:schemeClr val="phClr"/>
+        </a:solidFill>
+        <a:round/>
+      </a:ln>
+    </cs:spPr>
+  </cs:dataPointLine>
+  <cs:dataPointMarker>
+    <cs:lnRef idx="0">
+      <cs:styleClr val="auto"/>
+    </cs:lnRef>
+    <cs:fillRef idx="1">
+      <cs:styleClr val="auto"/>
+    </cs:fillRef>
+    <cs:effectRef idx="0"/>
+    <cs:fontRef idx="minor">
+      <a:schemeClr val="tx1"/>
+    </cs:fontRef>
+    <cs:spPr>
+      <a:ln w="9525">
+        <a:solidFill>
+          <a:schemeClr val="phClr"/>
+        </a:solidFill>
+      </a:ln>
+    </cs:spPr>
+  </cs:dataPointMarker>
+  <cs:dataPointMarkerLayout symbol="circle" size="5"/>
+  <cs:dataPointWireframe>
+    <cs:lnRef idx="0">
+      <cs:styleClr val="auto"/>
+    </cs:lnRef>
+    <cs:fillRef idx="1"/>
+    <cs:effectRef idx="0"/>
+    <cs:fontRef idx="minor">
+      <a:schemeClr val="tx1"/>
+    </cs:fontRef>
+    <cs:spPr>
+      <a:ln w="9525" cap="rnd">
+        <a:solidFill>
+          <a:schemeClr val="phClr"/>
+        </a:solidFill>
+        <a:round/>
+      </a:ln>
+    </cs:spPr>
+  </cs:dataPointWireframe>
+  <cs:dataTable>
+    <cs:lnRef idx="0"/>
+    <cs:fillRef idx="0"/>
+    <cs:effectRef idx="0"/>
+    <cs:fontRef idx="minor">
+      <a:schemeClr val="tx1">
+        <a:lumMod val="65000"/>
+        <a:lumOff val="35000"/>
+      </a:schemeClr>
+    </cs:fontRef>
+    <cs:spPr>
+      <a:noFill/>
+      <a:ln w="9525" cap="flat" cmpd="sng" algn="ctr">
+        <a:solidFill>
+          <a:schemeClr val="tx1">
+            <a:lumMod val="15000"/>
+            <a:lumOff val="85000"/>
+          </a:schemeClr>
+        </a:solidFill>
+        <a:round/>
+      </a:ln>
+    </cs:spPr>
+    <cs:defRPr sz="1197" kern="1200"/>
+  </cs:dataTable>
+  <cs:downBar>
+    <cs:lnRef idx="0"/>
+    <cs:fillRef idx="0"/>
+    <cs:effectRef idx="0"/>
+    <cs:fontRef idx="minor">
+      <a:schemeClr val="dk1"/>
+    </cs:fontRef>
+    <cs:spPr>
+      <a:solidFill>
+        <a:schemeClr val="dk1">
+          <a:lumMod val="65000"/>
+          <a:lumOff val="35000"/>
+        </a:schemeClr>
+      </a:solidFill>
+      <a:ln w="9525">
+        <a:solidFill>
+          <a:schemeClr val="tx1">
+            <a:lumMod val="65000"/>
+            <a:lumOff val="35000"/>
+          </a:schemeClr>
+        </a:solidFill>
+      </a:ln>
+    </cs:spPr>
+  </cs:downBar>
+  <cs:dropLine>
+    <cs:lnRef idx="0"/>
+    <cs:fillRef idx="0"/>
+    <cs:effectRef idx="0"/>
+    <cs:fontRef idx="minor">
+      <a:schemeClr val="tx1"/>
+    </cs:fontRef>
+    <cs:spPr>
+      <a:ln w="9525" cap="flat" cmpd="sng" algn="ctr">
+        <a:solidFill>
+          <a:schemeClr val="tx1">
+            <a:lumMod val="35000"/>
+            <a:lumOff val="65000"/>
+          </a:schemeClr>
+        </a:solidFill>
+        <a:round/>
+      </a:ln>
+    </cs:spPr>
+  </cs:dropLine>
+  <cs:errorBar>
+    <cs:lnRef idx="0"/>
+    <cs:fillRef idx="0"/>
+    <cs:effectRef idx="0"/>
+    <cs:fontRef idx="minor">
+      <a:schemeClr val="tx1"/>
+    </cs:fontRef>
+    <cs:spPr>
+      <a:ln w="9525" cap="flat" cmpd="sng" algn="ctr">
+        <a:solidFill>
+          <a:schemeClr val="tx1">
+            <a:lumMod val="65000"/>
+            <a:lumOff val="35000"/>
+          </a:schemeClr>
+        </a:solidFill>
+        <a:round/>
+      </a:ln>
+    </cs:spPr>
+  </cs:errorBar>
+  <cs:floor>
+    <cs:lnRef idx="0"/>
+    <cs:fillRef idx="0"/>
+    <cs:effectRef idx="0"/>
+    <cs:fontRef idx="minor">
+      <a:schemeClr val="tx1"/>
+    </cs:fontRef>
+    <cs:spPr>
+      <a:noFill/>
+      <a:ln>
+        <a:noFill/>
+      </a:ln>
+    </cs:spPr>
+  </cs:floor>
+  <cs:gridlineMajor>
+    <cs:lnRef idx="0"/>
+    <cs:fillRef idx="0"/>
+    <cs:effectRef idx="0"/>
+    <cs:fontRef idx="minor">
+      <a:schemeClr val="tx1"/>
+    </cs:fontRef>
+    <cs:spPr>
+      <a:ln w="9525" cap="flat" cmpd="sng" algn="ctr">
+        <a:solidFill>
+          <a:schemeClr val="tx1">
+            <a:lumMod val="15000"/>
+            <a:lumOff val="85000"/>
+          </a:schemeClr>
+        </a:solidFill>
+        <a:round/>
+      </a:ln>
+    </cs:spPr>
+  </cs:gridlineMajor>
+  <cs:gridlineMinor>
+    <cs:lnRef idx="0"/>
+    <cs:fillRef idx="0"/>
+    <cs:effectRef idx="0"/>
+    <cs:fontRef idx="minor">
+      <a:schemeClr val="tx1"/>
+    </cs:fontRef>
+    <cs:spPr>
+      <a:ln w="9525" cap="flat" cmpd="sng" algn="ctr">
+        <a:solidFill>
+          <a:schemeClr val="tx1">
+            <a:lumMod val="5000"/>
+            <a:lumOff val="95000"/>
+          </a:schemeClr>
+        </a:solidFill>
+        <a:round/>
+      </a:ln>
+    </cs:spPr>
+  </cs:gridlineMinor>
+  <cs:hiLoLine>
+    <cs:lnRef idx="0"/>
+    <cs:fillRef idx="0"/>
+    <cs:effectRef idx="0"/>
+    <cs:fontRef idx="minor">
+      <a:schemeClr val="tx1"/>
+    </cs:fontRef>
+    <cs:spPr>
+      <a:ln w="9525" cap="flat" cmpd="sng" algn="ctr">
+        <a:solidFill>
+          <a:schemeClr val="tx1">
+            <a:lumMod val="75000"/>
+            <a:lumOff val="25000"/>
+          </a:schemeClr>
+        </a:solidFill>
+        <a:round/>
+      </a:ln>
+    </cs:spPr>
+  </cs:hiLoLine>
+  <cs:leaderLine>
+    <cs:lnRef idx="0"/>
+    <cs:fillRef idx="0"/>
+    <cs:effectRef idx="0"/>
+    <cs:fontRef idx="minor">
+      <a:schemeClr val="tx1"/>
+    </cs:fontRef>
+    <cs:spPr>
+      <a:ln w="9525" cap="flat" cmpd="sng" algn="ctr">
+        <a:solidFill>
+          <a:schemeClr val="tx1">
+            <a:lumMod val="35000"/>
+            <a:lumOff val="65000"/>
+          </a:schemeClr>
+        </a:solidFill>
+        <a:round/>
+      </a:ln>
+    </cs:spPr>
+  </cs:leaderLine>
+  <cs:legend>
+    <cs:lnRef idx="0"/>
+    <cs:fillRef idx="0"/>
+    <cs:effectRef idx="0"/>
+    <cs:fontRef idx="minor">
+      <a:schemeClr val="tx1">
+        <a:lumMod val="65000"/>
+        <a:lumOff val="35000"/>
+      </a:schemeClr>
+    </cs:fontRef>
+    <cs:defRPr sz="1197" kern="1200"/>
+  </cs:legend>
+  <cs:plotArea mods="allowNoFillOverride allowNoLineOverride">
+    <cs:lnRef idx="0"/>
+    <cs:fillRef idx="0"/>
+    <cs:effectRef idx="0"/>
+    <cs:fontRef idx="minor">
+      <a:schemeClr val="tx1"/>
+    </cs:fontRef>
+  </cs:plotArea>
+  <cs:plotArea3D mods="allowNoFillOverride allowNoLineOverride">
+    <cs:lnRef idx="0"/>
+    <cs:fillRef idx="0"/>
+    <cs:effectRef idx="0"/>
+    <cs:fontRef idx="minor">
+      <a:schemeClr val="tx1"/>
+    </cs:fontRef>
+  </cs:plotArea3D>
+  <cs:seriesAxis>
+    <cs:lnRef idx="0"/>
+    <cs:fillRef idx="0"/>
+    <cs:effectRef idx="0"/>
+    <cs:fontRef idx="minor">
+      <a:schemeClr val="tx1">
+        <a:lumMod val="65000"/>
+        <a:lumOff val="35000"/>
+      </a:schemeClr>
+    </cs:fontRef>
+    <cs:defRPr sz="1197" kern="1200"/>
+  </cs:seriesAxis>
+  <cs:seriesLine>
+    <cs:lnRef idx="0"/>
+    <cs:fillRef idx="0"/>
+    <cs:effectRef idx="0"/>
+    <cs:fontRef idx="minor">
+      <a:schemeClr val="tx1"/>
+    </cs:fontRef>
+    <cs:spPr>
+      <a:ln w="9525" cap="flat" cmpd="sng" algn="ctr">
+        <a:solidFill>
+          <a:schemeClr val="tx1">
+            <a:lumMod val="35000"/>
+            <a:lumOff val="65000"/>
+          </a:schemeClr>
+        </a:solidFill>
+        <a:round/>
+      </a:ln>
+    </cs:spPr>
+  </cs:seriesLine>
+  <cs:title>
+    <cs:lnRef idx="0"/>
+    <cs:fillRef idx="0"/>
+    <cs:effectRef idx="0"/>
+    <cs:fontRef idx="minor">
+      <a:schemeClr val="tx1">
+        <a:lumMod val="65000"/>
+        <a:lumOff val="35000"/>
+      </a:schemeClr>
+    </cs:fontRef>
+    <cs:defRPr sz="1862" b="0" kern="1200" spc="0" baseline="0"/>
+  </cs:title>
+  <cs:trendline>
+    <cs:lnRef idx="0">
+      <cs:styleClr val="auto"/>
+    </cs:lnRef>
+    <cs:fillRef idx="0"/>
+    <cs:effectRef idx="0"/>
+    <cs:fontRef idx="minor">
+      <a:schemeClr val="tx1"/>
+    </cs:fontRef>
+    <cs:spPr>
+      <a:ln w="19050" cap="rnd">
+        <a:solidFill>
+          <a:schemeClr val="phClr"/>
+        </a:solidFill>
+        <a:prstDash val="sysDot"/>
+      </a:ln>
+    </cs:spPr>
+  </cs:trendline>
+  <cs:trendlineLabel>
+    <cs:lnRef idx="0"/>
+    <cs:fillRef idx="0"/>
+    <cs:effectRef idx="0"/>
+    <cs:fontRef idx="minor">
+      <a:schemeClr val="tx1">
+        <a:lumMod val="65000"/>
+        <a:lumOff val="35000"/>
+      </a:schemeClr>
+    </cs:fontRef>
+    <cs:defRPr sz="1197" kern="1200"/>
+  </cs:trendlineLabel>
+  <cs:upBar>
+    <cs:lnRef idx="0"/>
+    <cs:fillRef idx="0"/>
+    <cs:effectRef idx="0"/>
+    <cs:fontRef idx="minor">
+      <a:schemeClr val="dk1"/>
+    </cs:fontRef>
+    <cs:spPr>
+      <a:solidFill>
+        <a:schemeClr val="lt1"/>
+      </a:solidFill>
+      <a:ln w="9525">
+        <a:solidFill>
+          <a:schemeClr val="tx1">
+            <a:lumMod val="15000"/>
+            <a:lumOff val="85000"/>
+          </a:schemeClr>
+        </a:solidFill>
+      </a:ln>
+    </cs:spPr>
+  </cs:upBar>
+  <cs:valueAxis>
+    <cs:lnRef idx="0"/>
+    <cs:fillRef idx="0"/>
+    <cs:effectRef idx="0"/>
+    <cs:fontRef idx="minor">
+      <a:schemeClr val="tx1">
+        <a:lumMod val="65000"/>
+        <a:lumOff val="35000"/>
+      </a:schemeClr>
+    </cs:fontRef>
+    <cs:defRPr sz="1197" kern="1200"/>
+  </cs:valueAxis>
+  <cs:wall>
+    <cs:lnRef idx="0"/>
+    <cs:fillRef idx="0"/>
+    <cs:effectRef idx="0"/>
+    <cs:fontRef idx="minor">
+      <a:schemeClr val="tx1"/>
+    </cs:fontRef>
+    <cs:spPr>
+      <a:noFill/>
+      <a:ln>
+        <a:noFill/>
+      </a:ln>
+    </cs:spPr>
+  </cs:wall>
+</cs:chartStyle>
+</file>
+
 <file path=ppt/handoutMasters/handoutMaster1.xml><?xml version="1.0" encoding="utf-8"?>
 <p:handoutMaster xmlns:a="http://schemas.openxmlformats.org/drawingml/2006/main" xmlns:r="http://schemas.openxmlformats.org/officeDocument/2006/relationships" xmlns:p="http://schemas.openxmlformats.org/presentationml/2006/main">
   <p:cSld>
@@ -212,7 +4215,7 @@
           <a:p>
             <a:fld id="{2BCAFC7A-71DD-4C2C-B63D-60FDC7DD5449}" type="datetimeFigureOut">
               <a:rPr lang="en-US" smtClean="0"/>
-              <a:t>5/4/2018</a:t>
+              <a:t>5/5/2018</a:t>
             </a:fld>
             <a:endParaRPr lang="en-US"/>
           </a:p>
@@ -377,7 +4380,7 @@
           <a:p>
             <a:fld id="{D85ECAFD-F005-4163-B10D-85806DC43F93}" type="datetimeFigureOut">
               <a:rPr lang="en-US" smtClean="0"/>
-              <a:t>5/4/2018</a:t>
+              <a:t>5/5/2018</a:t>
             </a:fld>
             <a:endParaRPr lang="en-US"/>
           </a:p>
@@ -777,7 +4780,7 @@
           </a:bodyPr>
           <a:lstStyle/>
           <a:p>
-            <a:endParaRPr lang="en-US"/>
+            <a:endParaRPr lang="en-US" dirty="0"/>
           </a:p>
         </p:txBody>
       </p:sp>
@@ -1002,7 +5005,7 @@
           <a:p>
             <a:fld id="{4AAD347D-5ACD-4C99-B74B-A9C85AD731AF}" type="datetimeFigureOut">
               <a:rPr lang="en-US" smtClean="0"/>
-              <a:t>5/4/2018</a:t>
+              <a:t>5/5/2018</a:t>
             </a:fld>
             <a:endParaRPr lang="en-US"/>
           </a:p>
@@ -1274,7 +5277,7 @@
           <a:p>
             <a:fld id="{4509A250-FF31-4206-8172-F9D3106AACB1}" type="datetimeFigureOut">
               <a:rPr lang="en-US" smtClean="0"/>
-              <a:t>5/4/2018</a:t>
+              <a:t>5/5/2018</a:t>
             </a:fld>
             <a:endParaRPr lang="en-US" dirty="0"/>
           </a:p>
@@ -1465,7 +5468,7 @@
           <a:p>
             <a:fld id="{4509A250-FF31-4206-8172-F9D3106AACB1}" type="datetimeFigureOut">
               <a:rPr lang="en-US" smtClean="0"/>
-              <a:t>5/4/2018</a:t>
+              <a:t>5/5/2018</a:t>
             </a:fld>
             <a:endParaRPr lang="en-US" dirty="0"/>
           </a:p>
@@ -1797,7 +5800,7 @@
           <a:p>
             <a:fld id="{4509A250-FF31-4206-8172-F9D3106AACB1}" type="datetimeFigureOut">
               <a:rPr lang="en-US" smtClean="0"/>
-              <a:t>5/4/2018</a:t>
+              <a:t>5/5/2018</a:t>
             </a:fld>
             <a:endParaRPr lang="en-US" dirty="0"/>
           </a:p>
@@ -2042,7 +6045,7 @@
           <a:p>
             <a:fld id="{4509A250-FF31-4206-8172-F9D3106AACB1}" type="datetimeFigureOut">
               <a:rPr lang="en-US" smtClean="0"/>
-              <a:t>5/4/2018</a:t>
+              <a:t>5/5/2018</a:t>
             </a:fld>
             <a:endParaRPr lang="en-US" dirty="0"/>
           </a:p>
@@ -2337,7 +6340,7 @@
           <a:p>
             <a:fld id="{4509A250-FF31-4206-8172-F9D3106AACB1}" type="datetimeFigureOut">
               <a:rPr lang="en-US" smtClean="0"/>
-              <a:t>5/4/2018</a:t>
+              <a:t>5/5/2018</a:t>
             </a:fld>
             <a:endParaRPr lang="en-US" dirty="0"/>
           </a:p>
@@ -2605,7 +6608,7 @@
           <a:p>
             <a:fld id="{4509A250-FF31-4206-8172-F9D3106AACB1}" type="datetimeFigureOut">
               <a:rPr lang="en-US" smtClean="0"/>
-              <a:t>5/4/2018</a:t>
+              <a:t>5/5/2018</a:t>
             </a:fld>
             <a:endParaRPr lang="en-US" dirty="0"/>
           </a:p>
@@ -3226,7 +7229,7 @@
           <a:p>
             <a:fld id="{4509A250-FF31-4206-8172-F9D3106AACB1}" type="datetimeFigureOut">
               <a:rPr lang="en-US" smtClean="0"/>
-              <a:t>5/4/2018</a:t>
+              <a:t>5/5/2018</a:t>
             </a:fld>
             <a:endParaRPr lang="en-US" dirty="0"/>
           </a:p>
@@ -4083,7 +8086,7 @@
           <a:p>
             <a:fld id="{4509A250-FF31-4206-8172-F9D3106AACB1}" type="datetimeFigureOut">
               <a:rPr lang="en-US" smtClean="0"/>
-              <a:t>5/4/2018</a:t>
+              <a:t>5/5/2018</a:t>
             </a:fld>
             <a:endParaRPr lang="en-US" dirty="0"/>
           </a:p>
@@ -4250,7 +8253,7 @@
           <a:p>
             <a:fld id="{4509A250-FF31-4206-8172-F9D3106AACB1}" type="datetimeFigureOut">
               <a:rPr lang="en-US" smtClean="0"/>
-              <a:t>5/4/2018</a:t>
+              <a:t>5/5/2018</a:t>
             </a:fld>
             <a:endParaRPr lang="en-US" dirty="0"/>
           </a:p>
@@ -4427,7 +8430,7 @@
           <a:p>
             <a:fld id="{4509A250-FF31-4206-8172-F9D3106AACB1}" type="datetimeFigureOut">
               <a:rPr lang="en-US" smtClean="0"/>
-              <a:t>5/4/2018</a:t>
+              <a:t>5/5/2018</a:t>
             </a:fld>
             <a:endParaRPr lang="en-US" dirty="0"/>
           </a:p>
@@ -4594,7 +8597,7 @@
           <a:p>
             <a:fld id="{4509A250-FF31-4206-8172-F9D3106AACB1}" type="datetimeFigureOut">
               <a:rPr lang="en-US" smtClean="0"/>
-              <a:t>5/4/2018</a:t>
+              <a:t>5/5/2018</a:t>
             </a:fld>
             <a:endParaRPr lang="en-US" dirty="0"/>
           </a:p>
@@ -4839,7 +8842,7 @@
           <a:p>
             <a:fld id="{9796027F-7875-4030-9381-8BD8C4F21935}" type="datetimeFigureOut">
               <a:rPr lang="en-US" smtClean="0"/>
-              <a:t>5/4/2018</a:t>
+              <a:t>5/5/2018</a:t>
             </a:fld>
             <a:endParaRPr lang="en-US"/>
           </a:p>
@@ -5126,7 +9129,7 @@
           <a:p>
             <a:fld id="{9796027F-7875-4030-9381-8BD8C4F21935}" type="datetimeFigureOut">
               <a:rPr lang="en-US" smtClean="0"/>
-              <a:t>5/4/2018</a:t>
+              <a:t>5/5/2018</a:t>
             </a:fld>
             <a:endParaRPr lang="en-US"/>
           </a:p>
@@ -5565,7 +9568,7 @@
           <a:p>
             <a:fld id="{9796027F-7875-4030-9381-8BD8C4F21935}" type="datetimeFigureOut">
               <a:rPr lang="en-US" smtClean="0"/>
-              <a:t>5/4/2018</a:t>
+              <a:t>5/5/2018</a:t>
             </a:fld>
             <a:endParaRPr lang="en-US"/>
           </a:p>
@@ -5680,7 +9683,7 @@
           <a:p>
             <a:fld id="{4509A250-FF31-4206-8172-F9D3106AACB1}" type="datetimeFigureOut">
               <a:rPr lang="en-US" smtClean="0"/>
-              <a:t>5/4/2018</a:t>
+              <a:t>5/5/2018</a:t>
             </a:fld>
             <a:endParaRPr lang="en-US" dirty="0"/>
           </a:p>
@@ -5773,7 +9776,7 @@
           <a:p>
             <a:fld id="{4509A250-FF31-4206-8172-F9D3106AACB1}" type="datetimeFigureOut">
               <a:rPr lang="en-US" smtClean="0"/>
-              <a:t>5/4/2018</a:t>
+              <a:t>5/5/2018</a:t>
             </a:fld>
             <a:endParaRPr lang="en-US" dirty="0"/>
           </a:p>
@@ -6049,7 +10052,7 @@
           <a:p>
             <a:fld id="{4509A250-FF31-4206-8172-F9D3106AACB1}" type="datetimeFigureOut">
               <a:rPr lang="en-US" smtClean="0"/>
-              <a:t>5/4/2018</a:t>
+              <a:t>5/5/2018</a:t>
             </a:fld>
             <a:endParaRPr lang="en-US" dirty="0"/>
           </a:p>
@@ -6321,7 +10324,7 @@
           <a:p>
             <a:fld id="{4509A250-FF31-4206-8172-F9D3106AACB1}" type="datetimeFigureOut">
               <a:rPr lang="en-US" smtClean="0"/>
-              <a:t>5/4/2018</a:t>
+              <a:t>5/5/2018</a:t>
             </a:fld>
             <a:endParaRPr lang="en-US" dirty="0"/>
           </a:p>
@@ -6718,7 +10721,7 @@
             <a:fld id="{4AAD347D-5ACD-4C99-B74B-A9C85AD731AF}" type="datetimeFigureOut">
               <a:rPr lang="en-US" smtClean="0"/>
               <a:pPr/>
-              <a:t>5/4/2018</a:t>
+              <a:t>5/5/2018</a:t>
             </a:fld>
             <a:endParaRPr lang="en-US" dirty="0"/>
           </a:p>
@@ -7472,6 +11475,339 @@
           <p:cNvPr id="2" name="Title 1">
             <a:extLst>
               <a:ext uri="{FF2B5EF4-FFF2-40B4-BE49-F238E27FC236}">
+                <a16:creationId xmlns:a16="http://schemas.microsoft.com/office/drawing/2014/main" id="{0BCED554-BEF2-4430-B80A-4B5BC53AE7D5}"/>
+              </a:ext>
+            </a:extLst>
+          </p:cNvPr>
+          <p:cNvSpPr>
+            <a:spLocks noGrp="1"/>
+          </p:cNvSpPr>
+          <p:nvPr>
+            <p:ph type="title"/>
+          </p:nvPr>
+        </p:nvSpPr>
+        <p:spPr/>
+        <p:txBody>
+          <a:bodyPr/>
+          <a:lstStyle/>
+          <a:p>
+            <a:r>
+              <a:rPr lang="en-US" dirty="0"/>
+              <a:t>Galaxy S9 Descriptive Analytics Important Findings</a:t>
+            </a:r>
+          </a:p>
+        </p:txBody>
+      </p:sp>
+      <p:sp>
+        <p:nvSpPr>
+          <p:cNvPr id="3" name="Content Placeholder 2">
+            <a:extLst>
+              <a:ext uri="{FF2B5EF4-FFF2-40B4-BE49-F238E27FC236}">
+                <a16:creationId xmlns:a16="http://schemas.microsoft.com/office/drawing/2014/main" id="{0E04A5A6-8F6C-43EB-A5CE-97699DC3DFFA}"/>
+              </a:ext>
+            </a:extLst>
+          </p:cNvPr>
+          <p:cNvSpPr>
+            <a:spLocks noGrp="1"/>
+          </p:cNvSpPr>
+          <p:nvPr>
+            <p:ph sz="half" idx="1"/>
+          </p:nvPr>
+        </p:nvSpPr>
+        <p:spPr/>
+        <p:txBody>
+          <a:bodyPr/>
+          <a:lstStyle/>
+          <a:p>
+            <a:r>
+              <a:rPr lang="en-US" dirty="0"/>
+              <a:t>8,168 Total tweets</a:t>
+            </a:r>
+          </a:p>
+          <a:p>
+            <a:r>
+              <a:rPr lang="en-US" dirty="0"/>
+              <a:t>6,169 Unique users</a:t>
+            </a:r>
+          </a:p>
+          <a:p>
+            <a:r>
+              <a:rPr lang="en-US" dirty="0"/>
+              <a:t>4,374 Original Tweets</a:t>
+            </a:r>
+          </a:p>
+          <a:p>
+            <a:r>
+              <a:rPr lang="en-US" dirty="0"/>
+              <a:t>3,793 Retweets</a:t>
+            </a:r>
+          </a:p>
+          <a:p>
+            <a:r>
+              <a:rPr lang="en-US" dirty="0"/>
+              <a:t>7,642 User Mentions</a:t>
+            </a:r>
+          </a:p>
+          <a:p>
+            <a:r>
+              <a:rPr lang="en-US" dirty="0"/>
+              <a:t>4,231 URLs</a:t>
+            </a:r>
+          </a:p>
+          <a:p>
+            <a:r>
+              <a:rPr lang="en-US" dirty="0"/>
+              <a:t>6,996 Hashtags</a:t>
+            </a:r>
+          </a:p>
+          <a:p>
+            <a:endParaRPr lang="en-US" dirty="0"/>
+          </a:p>
+        </p:txBody>
+      </p:sp>
+      <p:sp>
+        <p:nvSpPr>
+          <p:cNvPr id="4" name="Content Placeholder 3">
+            <a:extLst>
+              <a:ext uri="{FF2B5EF4-FFF2-40B4-BE49-F238E27FC236}">
+                <a16:creationId xmlns:a16="http://schemas.microsoft.com/office/drawing/2014/main" id="{D9946D00-9E3E-4AA6-8174-9D892D398FFB}"/>
+              </a:ext>
+            </a:extLst>
+          </p:cNvPr>
+          <p:cNvSpPr>
+            <a:spLocks noGrp="1"/>
+          </p:cNvSpPr>
+          <p:nvPr>
+            <p:ph sz="half" idx="2"/>
+          </p:nvPr>
+        </p:nvSpPr>
+        <p:spPr/>
+        <p:txBody>
+          <a:bodyPr/>
+          <a:lstStyle/>
+          <a:p>
+            <a:r>
+              <a:rPr lang="en-US" dirty="0"/>
+              <a:t>1.3 Avg. tweets Per User</a:t>
+            </a:r>
+          </a:p>
+          <a:p>
+            <a:r>
+              <a:rPr lang="en-US" dirty="0"/>
+              <a:t>0.94 User Mentions per tweet</a:t>
+            </a:r>
+          </a:p>
+          <a:p>
+            <a:r>
+              <a:rPr lang="en-US" dirty="0"/>
+              <a:t>0.52 URLs per tweet</a:t>
+            </a:r>
+          </a:p>
+          <a:p>
+            <a:r>
+              <a:rPr lang="en-US" dirty="0"/>
+              <a:t>0.86 Hashtags per tweet</a:t>
+            </a:r>
+          </a:p>
+          <a:p>
+            <a:endParaRPr lang="en-US" dirty="0"/>
+          </a:p>
+          <a:p>
+            <a:endParaRPr lang="en-US" dirty="0"/>
+          </a:p>
+        </p:txBody>
+      </p:sp>
+    </p:spTree>
+    <p:extLst>
+      <p:ext uri="{BB962C8B-B14F-4D97-AF65-F5344CB8AC3E}">
+        <p14:creationId xmlns:p14="http://schemas.microsoft.com/office/powerpoint/2010/main" val="1422114397"/>
+      </p:ext>
+    </p:extLst>
+  </p:cSld>
+  <p:clrMapOvr>
+    <a:masterClrMapping/>
+  </p:clrMapOvr>
+</p:sld>
+</file>
+
+<file path=ppt/slides/slide11.xml><?xml version="1.0" encoding="utf-8"?>
+<p:sld xmlns:a="http://schemas.openxmlformats.org/drawingml/2006/main" xmlns:r="http://schemas.openxmlformats.org/officeDocument/2006/relationships" xmlns:p="http://schemas.openxmlformats.org/presentationml/2006/main">
+  <p:cSld>
+    <p:spTree>
+      <p:nvGrpSpPr>
+        <p:cNvPr id="1" name=""/>
+        <p:cNvGrpSpPr/>
+        <p:nvPr/>
+      </p:nvGrpSpPr>
+      <p:grpSpPr>
+        <a:xfrm>
+          <a:off x="0" y="0"/>
+          <a:ext cx="0" cy="0"/>
+          <a:chOff x="0" y="0"/>
+          <a:chExt cx="0" cy="0"/>
+        </a:xfrm>
+      </p:grpSpPr>
+      <p:sp>
+        <p:nvSpPr>
+          <p:cNvPr id="2" name="Title 1">
+            <a:extLst>
+              <a:ext uri="{FF2B5EF4-FFF2-40B4-BE49-F238E27FC236}">
+                <a16:creationId xmlns:a16="http://schemas.microsoft.com/office/drawing/2014/main" id="{995BD24F-C368-488E-9FD6-89D0162311C6}"/>
+              </a:ext>
+            </a:extLst>
+          </p:cNvPr>
+          <p:cNvSpPr>
+            <a:spLocks noGrp="1"/>
+          </p:cNvSpPr>
+          <p:nvPr>
+            <p:ph type="title"/>
+          </p:nvPr>
+        </p:nvSpPr>
+        <p:spPr/>
+        <p:txBody>
+          <a:bodyPr/>
+          <a:lstStyle/>
+          <a:p>
+            <a:r>
+              <a:rPr lang="en-US" dirty="0"/>
+              <a:t>Galaxy S9 Content Analytics Findings</a:t>
+            </a:r>
+          </a:p>
+        </p:txBody>
+      </p:sp>
+      <p:sp>
+        <p:nvSpPr>
+          <p:cNvPr id="3" name="Content Placeholder 2">
+            <a:extLst>
+              <a:ext uri="{FF2B5EF4-FFF2-40B4-BE49-F238E27FC236}">
+                <a16:creationId xmlns:a16="http://schemas.microsoft.com/office/drawing/2014/main" id="{AD505CAA-D10D-431F-844C-45EECC8D1B3A}"/>
+              </a:ext>
+            </a:extLst>
+          </p:cNvPr>
+          <p:cNvSpPr>
+            <a:spLocks noGrp="1"/>
+          </p:cNvSpPr>
+          <p:nvPr>
+            <p:ph idx="1"/>
+          </p:nvPr>
+        </p:nvSpPr>
+        <p:spPr/>
+        <p:txBody>
+          <a:bodyPr/>
+          <a:lstStyle/>
+          <a:p>
+            <a:pPr lvl="1"/>
+            <a:r>
+              <a:rPr lang="en-US" dirty="0"/>
+              <a:t>Most Popular terms in iPhone X tweets</a:t>
+            </a:r>
+          </a:p>
+          <a:p>
+            <a:pPr lvl="2"/>
+            <a:r>
+              <a:rPr lang="en-US" dirty="0"/>
+              <a:t>‘galaxy’, ‘</a:t>
+            </a:r>
+            <a:r>
+              <a:rPr lang="en-US" dirty="0" err="1"/>
+              <a:t>samsung</a:t>
+            </a:r>
+            <a:r>
+              <a:rPr lang="en-US" dirty="0"/>
+              <a:t>’, ‘plus’, ‘case’, ‘giveaway’, ‘new’</a:t>
+            </a:r>
+          </a:p>
+          <a:p>
+            <a:pPr lvl="2"/>
+            <a:endParaRPr lang="en-US" dirty="0"/>
+          </a:p>
+          <a:p>
+            <a:pPr lvl="1"/>
+            <a:r>
+              <a:rPr lang="en-US" dirty="0"/>
+              <a:t>After data cleaning, the python package genism topic analysis showed an optimal number of topics at 4.</a:t>
+            </a:r>
+          </a:p>
+          <a:p>
+            <a:pPr lvl="1"/>
+            <a:r>
+              <a:rPr lang="en-US" dirty="0"/>
+              <a:t>Topics were broken down into:</a:t>
+            </a:r>
+          </a:p>
+          <a:p>
+            <a:pPr lvl="2"/>
+            <a:r>
+              <a:rPr lang="en-US" dirty="0"/>
+              <a:t>Samsung Galaxy giveaway</a:t>
+            </a:r>
+          </a:p>
+          <a:p>
+            <a:pPr lvl="2"/>
+            <a:r>
+              <a:rPr lang="en-US" dirty="0"/>
+              <a:t>Galaxy S9 video.  The slow motion video mode is a popular feature.</a:t>
+            </a:r>
+          </a:p>
+          <a:p>
+            <a:pPr lvl="2"/>
+            <a:r>
+              <a:rPr lang="en-US" dirty="0"/>
+              <a:t>Galaxy S9 comparison to </a:t>
+            </a:r>
+            <a:r>
+              <a:rPr lang="en-US" dirty="0" err="1"/>
+              <a:t>Huwaei</a:t>
+            </a:r>
+            <a:r>
+              <a:rPr lang="en-US" dirty="0"/>
+              <a:t> P20 Pro phone</a:t>
+            </a:r>
+          </a:p>
+          <a:p>
+            <a:pPr lvl="2"/>
+            <a:r>
+              <a:rPr lang="en-US" dirty="0"/>
+              <a:t>Galaxy S9 AR Emoji feature.</a:t>
+            </a:r>
+          </a:p>
+        </p:txBody>
+      </p:sp>
+    </p:spTree>
+    <p:extLst>
+      <p:ext uri="{BB962C8B-B14F-4D97-AF65-F5344CB8AC3E}">
+        <p14:creationId xmlns:p14="http://schemas.microsoft.com/office/powerpoint/2010/main" val="2270864307"/>
+      </p:ext>
+    </p:extLst>
+  </p:cSld>
+  <p:clrMapOvr>
+    <a:masterClrMapping/>
+  </p:clrMapOvr>
+</p:sld>
+</file>
+
+<file path=ppt/slides/slide12.xml><?xml version="1.0" encoding="utf-8"?>
+<p:sld xmlns:a="http://schemas.openxmlformats.org/drawingml/2006/main" xmlns:r="http://schemas.openxmlformats.org/officeDocument/2006/relationships" xmlns:p="http://schemas.openxmlformats.org/presentationml/2006/main">
+  <p:cSld>
+    <p:spTree>
+      <p:nvGrpSpPr>
+        <p:cNvPr id="1" name=""/>
+        <p:cNvGrpSpPr/>
+        <p:nvPr/>
+      </p:nvGrpSpPr>
+      <p:grpSpPr>
+        <a:xfrm>
+          <a:off x="0" y="0"/>
+          <a:ext cx="0" cy="0"/>
+          <a:chOff x="0" y="0"/>
+          <a:chExt cx="0" cy="0"/>
+        </a:xfrm>
+      </p:grpSpPr>
+      <p:sp>
+        <p:nvSpPr>
+          <p:cNvPr id="2" name="Title 1">
+            <a:extLst>
+              <a:ext uri="{FF2B5EF4-FFF2-40B4-BE49-F238E27FC236}">
                 <a16:creationId xmlns:a16="http://schemas.microsoft.com/office/drawing/2014/main" id="{995BD24F-C368-488E-9FD6-89D0162311C6}"/>
               </a:ext>
             </a:extLst>
@@ -7585,7 +11921,7 @@
 </p:sld>
 </file>
 
-<file path=ppt/slides/slide11.xml><?xml version="1.0" encoding="utf-8"?>
+<file path=ppt/slides/slide13.xml><?xml version="1.0" encoding="utf-8"?>
 <p:sld xmlns:a="http://schemas.openxmlformats.org/drawingml/2006/main" xmlns:r="http://schemas.openxmlformats.org/officeDocument/2006/relationships" xmlns:p="http://schemas.openxmlformats.org/presentationml/2006/main">
   <p:cSld>
     <p:spTree>
@@ -7754,7 +12090,7 @@
 </p:sld>
 </file>
 
-<file path=ppt/slides/slide12.xml><?xml version="1.0" encoding="utf-8"?>
+<file path=ppt/slides/slide14.xml><?xml version="1.0" encoding="utf-8"?>
 <p:sld xmlns:a="http://schemas.openxmlformats.org/drawingml/2006/main" xmlns:r="http://schemas.openxmlformats.org/officeDocument/2006/relationships" xmlns:p="http://schemas.openxmlformats.org/presentationml/2006/main">
   <p:cSld>
     <p:spTree>
@@ -7971,7 +12307,7 @@
 </p:sld>
 </file>
 
-<file path=ppt/slides/slide13.xml><?xml version="1.0" encoding="utf-8"?>
+<file path=ppt/slides/slide15.xml><?xml version="1.0" encoding="utf-8"?>
 <p:sld xmlns:a="http://schemas.openxmlformats.org/drawingml/2006/main" xmlns:r="http://schemas.openxmlformats.org/officeDocument/2006/relationships" xmlns:p="http://schemas.openxmlformats.org/presentationml/2006/main">
   <p:cSld>
     <p:spTree>
@@ -7990,6 +12326,70 @@
       </p:grpSpPr>
       <p:sp>
         <p:nvSpPr>
+          <p:cNvPr id="5" name="Title 4">
+            <a:extLst>
+              <a:ext uri="{FF2B5EF4-FFF2-40B4-BE49-F238E27FC236}">
+                <a16:creationId xmlns:a16="http://schemas.microsoft.com/office/drawing/2014/main" id="{CE1611FE-A0A3-4BBC-BBE4-A30E0A9FFEE1}"/>
+              </a:ext>
+            </a:extLst>
+          </p:cNvPr>
+          <p:cNvSpPr>
+            <a:spLocks noGrp="1"/>
+          </p:cNvSpPr>
+          <p:nvPr>
+            <p:ph type="ctrTitle"/>
+          </p:nvPr>
+        </p:nvSpPr>
+        <p:spPr>
+          <a:xfrm>
+            <a:off x="1327077" y="3018417"/>
+            <a:ext cx="8825658" cy="1037216"/>
+          </a:xfrm>
+        </p:spPr>
+        <p:txBody>
+          <a:bodyPr/>
+          <a:lstStyle/>
+          <a:p>
+            <a:pPr algn="ctr"/>
+            <a:r>
+              <a:rPr lang="en-US" dirty="0"/>
+              <a:t>Final Analysis</a:t>
+            </a:r>
+          </a:p>
+        </p:txBody>
+      </p:sp>
+    </p:spTree>
+    <p:extLst>
+      <p:ext uri="{BB962C8B-B14F-4D97-AF65-F5344CB8AC3E}">
+        <p14:creationId xmlns:p14="http://schemas.microsoft.com/office/powerpoint/2010/main" val="1542199392"/>
+      </p:ext>
+    </p:extLst>
+  </p:cSld>
+  <p:clrMapOvr>
+    <a:masterClrMapping/>
+  </p:clrMapOvr>
+</p:sld>
+</file>
+
+<file path=ppt/slides/slide16.xml><?xml version="1.0" encoding="utf-8"?>
+<p:sld xmlns:a="http://schemas.openxmlformats.org/drawingml/2006/main" xmlns:r="http://schemas.openxmlformats.org/officeDocument/2006/relationships" xmlns:p="http://schemas.openxmlformats.org/presentationml/2006/main">
+  <p:cSld>
+    <p:spTree>
+      <p:nvGrpSpPr>
+        <p:cNvPr id="1" name=""/>
+        <p:cNvGrpSpPr/>
+        <p:nvPr/>
+      </p:nvGrpSpPr>
+      <p:grpSpPr>
+        <a:xfrm>
+          <a:off x="0" y="0"/>
+          <a:ext cx="0" cy="0"/>
+          <a:chOff x="0" y="0"/>
+          <a:chExt cx="0" cy="0"/>
+        </a:xfrm>
+      </p:grpSpPr>
+      <p:sp>
+        <p:nvSpPr>
           <p:cNvPr id="2" name="Title 1">
             <a:extLst>
               <a:ext uri="{FF2B5EF4-FFF2-40B4-BE49-F238E27FC236}">
@@ -8011,7 +12411,7 @@
           <a:p>
             <a:r>
               <a:rPr lang="en-US" sz="3200" dirty="0"/>
-              <a:t>Final Analysis</a:t>
+              <a:t>Final Analysis, Differences</a:t>
             </a:r>
           </a:p>
         </p:txBody>
@@ -8042,14 +12442,1203 @@
           <a:bodyPr/>
           <a:lstStyle/>
           <a:p>
+            <a:r>
+              <a:rPr lang="en-US" dirty="0"/>
+              <a:t>“Tweet share” 74.9% iPhone X and 23.1% Galaxy S9</a:t>
+            </a:r>
+          </a:p>
+          <a:p>
+            <a:pPr lvl="1"/>
+            <a:r>
+              <a:rPr lang="en-US" dirty="0"/>
+              <a:t>Vs. Actual Market share of 21.9% Samsung, 15.2% Apple </a:t>
+            </a:r>
+            <a:r>
+              <a:rPr lang="en-US" baseline="30000" dirty="0"/>
+              <a:t>1</a:t>
+            </a:r>
+          </a:p>
+          <a:p>
+            <a:pPr marL="457200" lvl="1" indent="0">
+              <a:buNone/>
+            </a:pPr>
+            <a:endParaRPr lang="en-US" baseline="30000" dirty="0"/>
+          </a:p>
+          <a:p>
+            <a:r>
+              <a:rPr lang="en-US" dirty="0"/>
+              <a:t>Sentiment Analysis</a:t>
+            </a:r>
+          </a:p>
+          <a:p>
+            <a:pPr lvl="1"/>
+            <a:r>
+              <a:rPr lang="en-US" dirty="0"/>
+              <a:t>iPhone X 	47.0% Positive, 5.3% Negative, 47.8% Neutral</a:t>
+            </a:r>
+          </a:p>
+          <a:p>
+            <a:pPr lvl="1"/>
+            <a:r>
+              <a:rPr lang="en-US" dirty="0"/>
+              <a:t>Galaxy S9 	38.1% Positive, 9.4% Negative, 52.5% Neutral</a:t>
+            </a:r>
+            <a:endParaRPr lang="en-US" baseline="30000" dirty="0"/>
+          </a:p>
+          <a:p>
+            <a:pPr lvl="1"/>
+            <a:endParaRPr lang="en-US" baseline="30000" dirty="0"/>
+          </a:p>
+          <a:p>
+            <a:pPr lvl="1"/>
+            <a:endParaRPr lang="en-US" baseline="30000" dirty="0"/>
+          </a:p>
+          <a:p>
             <a:endParaRPr lang="en-US" dirty="0"/>
           </a:p>
         </p:txBody>
       </p:sp>
+      <p:graphicFrame>
+        <p:nvGraphicFramePr>
+          <p:cNvPr id="6" name="Chart 5">
+            <a:extLst>
+              <a:ext uri="{FF2B5EF4-FFF2-40B4-BE49-F238E27FC236}">
+                <a16:creationId xmlns:a16="http://schemas.microsoft.com/office/drawing/2014/main" id="{42499F0E-F084-45F7-AD62-A0ED83D896DC}"/>
+              </a:ext>
+            </a:extLst>
+          </p:cNvPr>
+          <p:cNvGraphicFramePr/>
+          <p:nvPr>
+            <p:extLst>
+              <p:ext uri="{D42A27DB-BD31-4B8C-83A1-F6EECF244321}">
+                <p14:modId xmlns:p14="http://schemas.microsoft.com/office/powerpoint/2010/main" val="2987442625"/>
+              </p:ext>
+            </p:extLst>
+          </p:nvPr>
+        </p:nvGraphicFramePr>
+        <p:xfrm>
+          <a:off x="8357243" y="1420765"/>
+          <a:ext cx="2731445" cy="2630644"/>
+        </p:xfrm>
+        <a:graphic>
+          <a:graphicData uri="http://schemas.openxmlformats.org/drawingml/2006/chart">
+            <c:chart xmlns:c="http://schemas.openxmlformats.org/drawingml/2006/chart" xmlns:r="http://schemas.openxmlformats.org/officeDocument/2006/relationships" r:id="rId2"/>
+          </a:graphicData>
+        </a:graphic>
+      </p:graphicFrame>
+      <p:graphicFrame>
+        <p:nvGraphicFramePr>
+          <p:cNvPr id="9" name="Chart 8">
+            <a:extLst>
+              <a:ext uri="{FF2B5EF4-FFF2-40B4-BE49-F238E27FC236}">
+                <a16:creationId xmlns:a16="http://schemas.microsoft.com/office/drawing/2014/main" id="{F50E8551-2389-4462-824F-8F04A5B9509C}"/>
+              </a:ext>
+            </a:extLst>
+          </p:cNvPr>
+          <p:cNvGraphicFramePr/>
+          <p:nvPr>
+            <p:extLst>
+              <p:ext uri="{D42A27DB-BD31-4B8C-83A1-F6EECF244321}">
+                <p14:modId xmlns:p14="http://schemas.microsoft.com/office/powerpoint/2010/main" val="2382360520"/>
+              </p:ext>
+            </p:extLst>
+          </p:nvPr>
+        </p:nvGraphicFramePr>
+        <p:xfrm>
+          <a:off x="1722717" y="4406654"/>
+          <a:ext cx="8128000" cy="2204929"/>
+        </p:xfrm>
+        <a:graphic>
+          <a:graphicData uri="http://schemas.openxmlformats.org/drawingml/2006/chart">
+            <c:chart xmlns:c="http://schemas.openxmlformats.org/drawingml/2006/chart" xmlns:r="http://schemas.openxmlformats.org/officeDocument/2006/relationships" r:id="rId3"/>
+          </a:graphicData>
+        </a:graphic>
+      </p:graphicFrame>
     </p:spTree>
     <p:extLst>
       <p:ext uri="{BB962C8B-B14F-4D97-AF65-F5344CB8AC3E}">
         <p14:creationId xmlns:p14="http://schemas.microsoft.com/office/powerpoint/2010/main" val="1564512077"/>
+      </p:ext>
+    </p:extLst>
+  </p:cSld>
+  <p:clrMapOvr>
+    <a:masterClrMapping/>
+  </p:clrMapOvr>
+</p:sld>
+</file>
+
+<file path=ppt/slides/slide17.xml><?xml version="1.0" encoding="utf-8"?>
+<p:sld xmlns:a="http://schemas.openxmlformats.org/drawingml/2006/main" xmlns:r="http://schemas.openxmlformats.org/officeDocument/2006/relationships" xmlns:p="http://schemas.openxmlformats.org/presentationml/2006/main">
+  <p:cSld>
+    <p:spTree>
+      <p:nvGrpSpPr>
+        <p:cNvPr id="1" name=""/>
+        <p:cNvGrpSpPr/>
+        <p:nvPr/>
+      </p:nvGrpSpPr>
+      <p:grpSpPr>
+        <a:xfrm>
+          <a:off x="0" y="0"/>
+          <a:ext cx="0" cy="0"/>
+          <a:chOff x="0" y="0"/>
+          <a:chExt cx="0" cy="0"/>
+        </a:xfrm>
+      </p:grpSpPr>
+      <p:sp>
+        <p:nvSpPr>
+          <p:cNvPr id="2" name="Title 1">
+            <a:extLst>
+              <a:ext uri="{FF2B5EF4-FFF2-40B4-BE49-F238E27FC236}">
+                <a16:creationId xmlns:a16="http://schemas.microsoft.com/office/drawing/2014/main" id="{AAB65B8C-0D2E-41ED-9513-0168CBAEF547}"/>
+              </a:ext>
+            </a:extLst>
+          </p:cNvPr>
+          <p:cNvSpPr>
+            <a:spLocks noGrp="1"/>
+          </p:cNvSpPr>
+          <p:nvPr>
+            <p:ph type="title"/>
+          </p:nvPr>
+        </p:nvSpPr>
+        <p:spPr/>
+        <p:txBody>
+          <a:bodyPr/>
+          <a:lstStyle/>
+          <a:p>
+            <a:r>
+              <a:rPr lang="en-US" sz="4400" dirty="0"/>
+              <a:t>Final Analysis, Differences</a:t>
+            </a:r>
+            <a:endParaRPr lang="en-US" dirty="0"/>
+          </a:p>
+        </p:txBody>
+      </p:sp>
+      <p:graphicFrame>
+        <p:nvGraphicFramePr>
+          <p:cNvPr id="6" name="Content Placeholder 5">
+            <a:extLst>
+              <a:ext uri="{FF2B5EF4-FFF2-40B4-BE49-F238E27FC236}">
+                <a16:creationId xmlns:a16="http://schemas.microsoft.com/office/drawing/2014/main" id="{C8CB229C-7A92-497E-AFEF-4A62E5B52676}"/>
+              </a:ext>
+            </a:extLst>
+          </p:cNvPr>
+          <p:cNvGraphicFramePr>
+            <a:graphicFrameLocks noGrp="1"/>
+          </p:cNvGraphicFramePr>
+          <p:nvPr>
+            <p:ph idx="1"/>
+            <p:extLst>
+              <p:ext uri="{D42A27DB-BD31-4B8C-83A1-F6EECF244321}">
+                <p14:modId xmlns:p14="http://schemas.microsoft.com/office/powerpoint/2010/main" val="195622335"/>
+              </p:ext>
+            </p:extLst>
+          </p:nvPr>
+        </p:nvGraphicFramePr>
+        <p:xfrm>
+          <a:off x="1045042" y="1581991"/>
+          <a:ext cx="8947521" cy="2068788"/>
+        </p:xfrm>
+        <a:graphic>
+          <a:graphicData uri="http://schemas.openxmlformats.org/drawingml/2006/chart">
+            <c:chart xmlns:c="http://schemas.openxmlformats.org/drawingml/2006/chart" xmlns:r="http://schemas.openxmlformats.org/officeDocument/2006/relationships" r:id="rId2"/>
+          </a:graphicData>
+        </a:graphic>
+      </p:graphicFrame>
+      <p:graphicFrame>
+        <p:nvGraphicFramePr>
+          <p:cNvPr id="9" name="Content Placeholder 5">
+            <a:extLst>
+              <a:ext uri="{FF2B5EF4-FFF2-40B4-BE49-F238E27FC236}">
+                <a16:creationId xmlns:a16="http://schemas.microsoft.com/office/drawing/2014/main" id="{9FDDB9B6-3FFD-4606-AE39-8FC6AEBCDCE6}"/>
+              </a:ext>
+            </a:extLst>
+          </p:cNvPr>
+          <p:cNvGraphicFramePr>
+            <a:graphicFrameLocks/>
+          </p:cNvGraphicFramePr>
+          <p:nvPr>
+            <p:extLst>
+              <p:ext uri="{D42A27DB-BD31-4B8C-83A1-F6EECF244321}">
+                <p14:modId xmlns:p14="http://schemas.microsoft.com/office/powerpoint/2010/main" val="3509811773"/>
+              </p:ext>
+            </p:extLst>
+          </p:nvPr>
+        </p:nvGraphicFramePr>
+        <p:xfrm>
+          <a:off x="1045042" y="3650779"/>
+          <a:ext cx="9064062" cy="2068788"/>
+        </p:xfrm>
+        <a:graphic>
+          <a:graphicData uri="http://schemas.openxmlformats.org/drawingml/2006/chart">
+            <c:chart xmlns:c="http://schemas.openxmlformats.org/drawingml/2006/chart" xmlns:r="http://schemas.openxmlformats.org/officeDocument/2006/relationships" r:id="rId3"/>
+          </a:graphicData>
+        </a:graphic>
+      </p:graphicFrame>
+      <p:sp>
+        <p:nvSpPr>
+          <p:cNvPr id="12" name="TextBox 11">
+            <a:extLst>
+              <a:ext uri="{FF2B5EF4-FFF2-40B4-BE49-F238E27FC236}">
+                <a16:creationId xmlns:a16="http://schemas.microsoft.com/office/drawing/2014/main" id="{158F7927-DAE8-4A9E-85AE-5BDAA121C468}"/>
+              </a:ext>
+            </a:extLst>
+          </p:cNvPr>
+          <p:cNvSpPr txBox="1"/>
+          <p:nvPr/>
+        </p:nvSpPr>
+        <p:spPr>
+          <a:xfrm>
+            <a:off x="2657365" y="2819782"/>
+            <a:ext cx="5839416" cy="830997"/>
+          </a:xfrm>
+          <a:prstGeom prst="rect">
+            <a:avLst/>
+          </a:prstGeom>
+          <a:noFill/>
+        </p:spPr>
+        <p:txBody>
+          <a:bodyPr wrap="square" rtlCol="0">
+            <a:spAutoFit/>
+          </a:bodyPr>
+          <a:lstStyle/>
+          <a:p>
+            <a:r>
+              <a:rPr lang="en-US" sz="4800" dirty="0">
+                <a:solidFill>
+                  <a:schemeClr val="accent1"/>
+                </a:solidFill>
+              </a:rPr>
+              <a:t>FIX SUMSUNG #’s</a:t>
+            </a:r>
+          </a:p>
+        </p:txBody>
+      </p:sp>
+    </p:spTree>
+    <p:extLst>
+      <p:ext uri="{BB962C8B-B14F-4D97-AF65-F5344CB8AC3E}">
+        <p14:creationId xmlns:p14="http://schemas.microsoft.com/office/powerpoint/2010/main" val="1882350226"/>
+      </p:ext>
+    </p:extLst>
+  </p:cSld>
+  <p:clrMapOvr>
+    <a:masterClrMapping/>
+  </p:clrMapOvr>
+</p:sld>
+</file>
+
+<file path=ppt/slides/slide18.xml><?xml version="1.0" encoding="utf-8"?>
+<p:sld xmlns:a="http://schemas.openxmlformats.org/drawingml/2006/main" xmlns:r="http://schemas.openxmlformats.org/officeDocument/2006/relationships" xmlns:p="http://schemas.openxmlformats.org/presentationml/2006/main">
+  <p:cSld>
+    <p:spTree>
+      <p:nvGrpSpPr>
+        <p:cNvPr id="1" name=""/>
+        <p:cNvGrpSpPr/>
+        <p:nvPr/>
+      </p:nvGrpSpPr>
+      <p:grpSpPr>
+        <a:xfrm>
+          <a:off x="0" y="0"/>
+          <a:ext cx="0" cy="0"/>
+          <a:chOff x="0" y="0"/>
+          <a:chExt cx="0" cy="0"/>
+        </a:xfrm>
+      </p:grpSpPr>
+      <p:graphicFrame>
+        <p:nvGraphicFramePr>
+          <p:cNvPr id="13" name="Table 12">
+            <a:extLst>
+              <a:ext uri="{FF2B5EF4-FFF2-40B4-BE49-F238E27FC236}">
+                <a16:creationId xmlns:a16="http://schemas.microsoft.com/office/drawing/2014/main" id="{EF6C7772-16B0-4843-A9A4-90F54CBCE16A}"/>
+              </a:ext>
+            </a:extLst>
+          </p:cNvPr>
+          <p:cNvGraphicFramePr>
+            <a:graphicFrameLocks noGrp="1"/>
+          </p:cNvGraphicFramePr>
+          <p:nvPr>
+            <p:extLst>
+              <p:ext uri="{D42A27DB-BD31-4B8C-83A1-F6EECF244321}">
+                <p14:modId xmlns:p14="http://schemas.microsoft.com/office/powerpoint/2010/main" val="402630032"/>
+              </p:ext>
+            </p:extLst>
+          </p:nvPr>
+        </p:nvGraphicFramePr>
+        <p:xfrm>
+          <a:off x="1263790" y="1738687"/>
+          <a:ext cx="9262333" cy="4335332"/>
+        </p:xfrm>
+        <a:graphic>
+          <a:graphicData uri="http://schemas.openxmlformats.org/drawingml/2006/table">
+            <a:tbl>
+              <a:tblPr firstRow="1" bandRow="1">
+                <a:tableStyleId>{0660B408-B3CF-4A94-85FC-2B1E0A45F4A2}</a:tableStyleId>
+              </a:tblPr>
+              <a:tblGrid>
+                <a:gridCol w="3683637">
+                  <a:extLst>
+                    <a:ext uri="{9D8B030D-6E8A-4147-A177-3AD203B41FA5}">
+                      <a16:colId xmlns:a16="http://schemas.microsoft.com/office/drawing/2014/main" val="487165506"/>
+                    </a:ext>
+                  </a:extLst>
+                </a:gridCol>
+                <a:gridCol w="2300107">
+                  <a:extLst>
+                    <a:ext uri="{9D8B030D-6E8A-4147-A177-3AD203B41FA5}">
+                      <a16:colId xmlns:a16="http://schemas.microsoft.com/office/drawing/2014/main" val="3952979413"/>
+                    </a:ext>
+                  </a:extLst>
+                </a:gridCol>
+                <a:gridCol w="3278589">
+                  <a:extLst>
+                    <a:ext uri="{9D8B030D-6E8A-4147-A177-3AD203B41FA5}">
+                      <a16:colId xmlns:a16="http://schemas.microsoft.com/office/drawing/2014/main" val="1956765077"/>
+                    </a:ext>
+                  </a:extLst>
+                </a:gridCol>
+              </a:tblGrid>
+              <a:tr h="598787">
+                <a:tc>
+                  <a:txBody>
+                    <a:bodyPr/>
+                    <a:lstStyle/>
+                    <a:p>
+                      <a:pPr algn="ctr" fontAlgn="b"/>
+                      <a:r>
+                        <a:rPr lang="en-US" sz="1400" u="none" strike="noStrike" dirty="0">
+                          <a:effectLst/>
+                        </a:rPr>
+                        <a:t>Item</a:t>
+                      </a:r>
+                      <a:endParaRPr lang="en-US" sz="1400" b="1" i="0" u="none" strike="noStrike" dirty="0">
+                        <a:solidFill>
+                          <a:srgbClr val="FFFFFF"/>
+                        </a:solidFill>
+                        <a:effectLst/>
+                        <a:latin typeface="Calibri" panose="020F0502020204030204" pitchFamily="34" charset="0"/>
+                      </a:endParaRPr>
+                    </a:p>
+                  </a:txBody>
+                  <a:tcPr marL="9525" marR="9525" marT="9525" marB="0" anchor="b"/>
+                </a:tc>
+                <a:tc>
+                  <a:txBody>
+                    <a:bodyPr/>
+                    <a:lstStyle/>
+                    <a:p>
+                      <a:pPr algn="ctr" fontAlgn="b"/>
+                      <a:r>
+                        <a:rPr lang="en-US" sz="1400" u="none" strike="noStrike" dirty="0">
+                          <a:effectLst/>
+                        </a:rPr>
+                        <a:t>Samsung Galaxy S9</a:t>
+                      </a:r>
+                      <a:endParaRPr lang="en-US" sz="1400" b="1" i="0" u="none" strike="noStrike" dirty="0">
+                        <a:solidFill>
+                          <a:srgbClr val="FFFFFF"/>
+                        </a:solidFill>
+                        <a:effectLst/>
+                        <a:latin typeface="Calibri" panose="020F0502020204030204" pitchFamily="34" charset="0"/>
+                      </a:endParaRPr>
+                    </a:p>
+                  </a:txBody>
+                  <a:tcPr marL="9525" marR="9525" marT="9525" marB="0" anchor="b"/>
+                </a:tc>
+                <a:tc>
+                  <a:txBody>
+                    <a:bodyPr/>
+                    <a:lstStyle/>
+                    <a:p>
+                      <a:pPr algn="ctr" fontAlgn="b"/>
+                      <a:r>
+                        <a:rPr lang="en-US" sz="1400" u="none" strike="noStrike" dirty="0">
+                          <a:effectLst/>
+                        </a:rPr>
+                        <a:t>iPhone X</a:t>
+                      </a:r>
+                      <a:endParaRPr lang="en-US" sz="1400" b="1" i="0" u="none" strike="noStrike" dirty="0">
+                        <a:solidFill>
+                          <a:srgbClr val="FFFFFF"/>
+                        </a:solidFill>
+                        <a:effectLst/>
+                        <a:latin typeface="Calibri" panose="020F0502020204030204" pitchFamily="34" charset="0"/>
+                      </a:endParaRPr>
+                    </a:p>
+                  </a:txBody>
+                  <a:tcPr marL="9525" marR="9525" marT="9525" marB="0" anchor="b"/>
+                </a:tc>
+                <a:extLst>
+                  <a:ext uri="{0D108BD9-81ED-4DB2-BD59-A6C34878D82A}">
+                    <a16:rowId xmlns:a16="http://schemas.microsoft.com/office/drawing/2014/main" val="743199046"/>
+                  </a:ext>
+                </a:extLst>
+              </a:tr>
+              <a:tr h="509014">
+                <a:tc>
+                  <a:txBody>
+                    <a:bodyPr/>
+                    <a:lstStyle/>
+                    <a:p>
+                      <a:pPr algn="l" fontAlgn="b"/>
+                      <a:r>
+                        <a:rPr lang="en-US" sz="1600" u="none" strike="noStrike" dirty="0">
+                          <a:effectLst/>
+                        </a:rPr>
+                        <a:t>Retweet %</a:t>
+                      </a:r>
+                      <a:endParaRPr lang="en-US" sz="1600" b="0" i="0" u="none" strike="noStrike" dirty="0">
+                        <a:solidFill>
+                          <a:srgbClr val="000000"/>
+                        </a:solidFill>
+                        <a:effectLst/>
+                        <a:latin typeface="Calibri" panose="020F0502020204030204" pitchFamily="34" charset="0"/>
+                      </a:endParaRPr>
+                    </a:p>
+                  </a:txBody>
+                  <a:tcPr marL="9525" marR="9525" marT="9525" marB="0" anchor="b"/>
+                </a:tc>
+                <a:tc>
+                  <a:txBody>
+                    <a:bodyPr/>
+                    <a:lstStyle/>
+                    <a:p>
+                      <a:pPr algn="ctr" fontAlgn="b"/>
+                      <a:r>
+                        <a:rPr lang="en-US" sz="1600" u="none" strike="noStrike">
+                          <a:effectLst/>
+                        </a:rPr>
+                        <a:t>31.40%</a:t>
+                      </a:r>
+                      <a:endParaRPr lang="en-US" sz="1600" b="0" i="0" u="none" strike="noStrike">
+                        <a:solidFill>
+                          <a:srgbClr val="000000"/>
+                        </a:solidFill>
+                        <a:effectLst/>
+                        <a:latin typeface="Calibri" panose="020F0502020204030204" pitchFamily="34" charset="0"/>
+                      </a:endParaRPr>
+                    </a:p>
+                  </a:txBody>
+                  <a:tcPr marL="9525" marR="9525" marT="9525" marB="0" anchor="b"/>
+                </a:tc>
+                <a:tc>
+                  <a:txBody>
+                    <a:bodyPr/>
+                    <a:lstStyle/>
+                    <a:p>
+                      <a:pPr algn="ctr" fontAlgn="b"/>
+                      <a:r>
+                        <a:rPr lang="en-US" sz="1600" u="none" strike="noStrike" dirty="0">
+                          <a:effectLst/>
+                        </a:rPr>
+                        <a:t>60.00%</a:t>
+                      </a:r>
+                      <a:endParaRPr lang="en-US" sz="1600" b="0" i="0" u="none" strike="noStrike" dirty="0">
+                        <a:solidFill>
+                          <a:srgbClr val="000000"/>
+                        </a:solidFill>
+                        <a:effectLst/>
+                        <a:latin typeface="Calibri" panose="020F0502020204030204" pitchFamily="34" charset="0"/>
+                      </a:endParaRPr>
+                    </a:p>
+                  </a:txBody>
+                  <a:tcPr marL="9525" marR="9525" marT="9525" marB="0" anchor="b"/>
+                </a:tc>
+                <a:extLst>
+                  <a:ext uri="{0D108BD9-81ED-4DB2-BD59-A6C34878D82A}">
+                    <a16:rowId xmlns:a16="http://schemas.microsoft.com/office/drawing/2014/main" val="3076752508"/>
+                  </a:ext>
+                </a:extLst>
+              </a:tr>
+              <a:tr h="509014">
+                <a:tc>
+                  <a:txBody>
+                    <a:bodyPr/>
+                    <a:lstStyle/>
+                    <a:p>
+                      <a:pPr algn="l" fontAlgn="b"/>
+                      <a:r>
+                        <a:rPr lang="en-US" sz="1600" u="none" strike="noStrike" dirty="0">
+                          <a:effectLst/>
+                        </a:rPr>
+                        <a:t>Original Tweet %</a:t>
+                      </a:r>
+                      <a:endParaRPr lang="en-US" sz="1600" b="0" i="0" u="none" strike="noStrike" dirty="0">
+                        <a:solidFill>
+                          <a:srgbClr val="000000"/>
+                        </a:solidFill>
+                        <a:effectLst/>
+                        <a:latin typeface="Calibri" panose="020F0502020204030204" pitchFamily="34" charset="0"/>
+                      </a:endParaRPr>
+                    </a:p>
+                  </a:txBody>
+                  <a:tcPr marL="9525" marR="9525" marT="9525" marB="0" anchor="b"/>
+                </a:tc>
+                <a:tc>
+                  <a:txBody>
+                    <a:bodyPr/>
+                    <a:lstStyle/>
+                    <a:p>
+                      <a:pPr algn="ctr" fontAlgn="b"/>
+                      <a:r>
+                        <a:rPr lang="en-US" sz="1600" u="none" strike="noStrike">
+                          <a:effectLst/>
+                        </a:rPr>
+                        <a:t>68.50%</a:t>
+                      </a:r>
+                      <a:endParaRPr lang="en-US" sz="1600" b="0" i="0" u="none" strike="noStrike">
+                        <a:solidFill>
+                          <a:srgbClr val="000000"/>
+                        </a:solidFill>
+                        <a:effectLst/>
+                        <a:latin typeface="Calibri" panose="020F0502020204030204" pitchFamily="34" charset="0"/>
+                      </a:endParaRPr>
+                    </a:p>
+                  </a:txBody>
+                  <a:tcPr marL="9525" marR="9525" marT="9525" marB="0" anchor="b"/>
+                </a:tc>
+                <a:tc>
+                  <a:txBody>
+                    <a:bodyPr/>
+                    <a:lstStyle/>
+                    <a:p>
+                      <a:pPr algn="ctr" fontAlgn="b"/>
+                      <a:r>
+                        <a:rPr lang="en-US" sz="1600" u="none" strike="noStrike">
+                          <a:effectLst/>
+                        </a:rPr>
+                        <a:t>39.60%</a:t>
+                      </a:r>
+                      <a:endParaRPr lang="en-US" sz="1600" b="0" i="0" u="none" strike="noStrike">
+                        <a:solidFill>
+                          <a:srgbClr val="000000"/>
+                        </a:solidFill>
+                        <a:effectLst/>
+                        <a:latin typeface="Calibri" panose="020F0502020204030204" pitchFamily="34" charset="0"/>
+                      </a:endParaRPr>
+                    </a:p>
+                  </a:txBody>
+                  <a:tcPr marL="9525" marR="9525" marT="9525" marB="0" anchor="b"/>
+                </a:tc>
+                <a:extLst>
+                  <a:ext uri="{0D108BD9-81ED-4DB2-BD59-A6C34878D82A}">
+                    <a16:rowId xmlns:a16="http://schemas.microsoft.com/office/drawing/2014/main" val="1853425942"/>
+                  </a:ext>
+                </a:extLst>
+              </a:tr>
+              <a:tr h="509014">
+                <a:tc>
+                  <a:txBody>
+                    <a:bodyPr/>
+                    <a:lstStyle/>
+                    <a:p>
+                      <a:pPr algn="l" fontAlgn="b"/>
+                      <a:r>
+                        <a:rPr lang="en-US" sz="1600" u="none" strike="noStrike" dirty="0">
+                          <a:effectLst/>
+                        </a:rPr>
+                        <a:t>Tweets From Unique Users</a:t>
+                      </a:r>
+                      <a:endParaRPr lang="en-US" sz="1600" b="0" i="0" u="none" strike="noStrike" dirty="0">
+                        <a:solidFill>
+                          <a:srgbClr val="000000"/>
+                        </a:solidFill>
+                        <a:effectLst/>
+                        <a:latin typeface="Calibri" panose="020F0502020204030204" pitchFamily="34" charset="0"/>
+                      </a:endParaRPr>
+                    </a:p>
+                  </a:txBody>
+                  <a:tcPr marL="9525" marR="9525" marT="9525" marB="0" anchor="b"/>
+                </a:tc>
+                <a:tc>
+                  <a:txBody>
+                    <a:bodyPr/>
+                    <a:lstStyle/>
+                    <a:p>
+                      <a:pPr algn="ctr" fontAlgn="b"/>
+                      <a:r>
+                        <a:rPr lang="en-US" sz="1600" u="none" strike="noStrike">
+                          <a:effectLst/>
+                        </a:rPr>
+                        <a:t>67.3</a:t>
+                      </a:r>
+                      <a:endParaRPr lang="en-US" sz="1600" b="0" i="0" u="none" strike="noStrike">
+                        <a:solidFill>
+                          <a:srgbClr val="000000"/>
+                        </a:solidFill>
+                        <a:effectLst/>
+                        <a:latin typeface="Calibri" panose="020F0502020204030204" pitchFamily="34" charset="0"/>
+                      </a:endParaRPr>
+                    </a:p>
+                  </a:txBody>
+                  <a:tcPr marL="9525" marR="9525" marT="9525" marB="0" anchor="b"/>
+                </a:tc>
+                <a:tc>
+                  <a:txBody>
+                    <a:bodyPr/>
+                    <a:lstStyle/>
+                    <a:p>
+                      <a:pPr algn="ctr" fontAlgn="b"/>
+                      <a:r>
+                        <a:rPr lang="en-US" sz="1600" u="none" strike="noStrike">
+                          <a:effectLst/>
+                        </a:rPr>
+                        <a:t>81.1</a:t>
+                      </a:r>
+                      <a:endParaRPr lang="en-US" sz="1600" b="0" i="0" u="none" strike="noStrike">
+                        <a:solidFill>
+                          <a:srgbClr val="000000"/>
+                        </a:solidFill>
+                        <a:effectLst/>
+                        <a:latin typeface="Calibri" panose="020F0502020204030204" pitchFamily="34" charset="0"/>
+                      </a:endParaRPr>
+                    </a:p>
+                  </a:txBody>
+                  <a:tcPr marL="9525" marR="9525" marT="9525" marB="0" anchor="b"/>
+                </a:tc>
+                <a:extLst>
+                  <a:ext uri="{0D108BD9-81ED-4DB2-BD59-A6C34878D82A}">
+                    <a16:rowId xmlns:a16="http://schemas.microsoft.com/office/drawing/2014/main" val="849361636"/>
+                  </a:ext>
+                </a:extLst>
+              </a:tr>
+              <a:tr h="509014">
+                <a:tc>
+                  <a:txBody>
+                    <a:bodyPr/>
+                    <a:lstStyle/>
+                    <a:p>
+                      <a:pPr algn="l" fontAlgn="b"/>
+                      <a:r>
+                        <a:rPr lang="en-US" sz="1600" u="none" strike="noStrike" dirty="0">
+                          <a:effectLst/>
+                        </a:rPr>
+                        <a:t>Avg. Tweets Per User</a:t>
+                      </a:r>
+                      <a:endParaRPr lang="en-US" sz="1600" b="0" i="0" u="none" strike="noStrike" dirty="0">
+                        <a:solidFill>
+                          <a:srgbClr val="000000"/>
+                        </a:solidFill>
+                        <a:effectLst/>
+                        <a:latin typeface="Calibri" panose="020F0502020204030204" pitchFamily="34" charset="0"/>
+                      </a:endParaRPr>
+                    </a:p>
+                  </a:txBody>
+                  <a:tcPr marL="9525" marR="9525" marT="9525" marB="0" anchor="b"/>
+                </a:tc>
+                <a:tc>
+                  <a:txBody>
+                    <a:bodyPr/>
+                    <a:lstStyle/>
+                    <a:p>
+                      <a:pPr algn="ctr" fontAlgn="b"/>
+                      <a:r>
+                        <a:rPr lang="en-US" sz="1600" u="none" strike="noStrike" dirty="0">
+                          <a:effectLst/>
+                        </a:rPr>
+                        <a:t>1.48</a:t>
+                      </a:r>
+                      <a:endParaRPr lang="en-US" sz="1600" b="0" i="0" u="none" strike="noStrike" dirty="0">
+                        <a:solidFill>
+                          <a:srgbClr val="000000"/>
+                        </a:solidFill>
+                        <a:effectLst/>
+                        <a:latin typeface="Calibri" panose="020F0502020204030204" pitchFamily="34" charset="0"/>
+                      </a:endParaRPr>
+                    </a:p>
+                  </a:txBody>
+                  <a:tcPr marL="9525" marR="9525" marT="9525" marB="0" anchor="b"/>
+                </a:tc>
+                <a:tc>
+                  <a:txBody>
+                    <a:bodyPr/>
+                    <a:lstStyle/>
+                    <a:p>
+                      <a:pPr algn="ctr" fontAlgn="b"/>
+                      <a:r>
+                        <a:rPr lang="en-US" sz="1600" u="none" strike="noStrike">
+                          <a:effectLst/>
+                        </a:rPr>
+                        <a:t>1.22</a:t>
+                      </a:r>
+                      <a:endParaRPr lang="en-US" sz="1600" b="0" i="0" u="none" strike="noStrike">
+                        <a:solidFill>
+                          <a:srgbClr val="000000"/>
+                        </a:solidFill>
+                        <a:effectLst/>
+                        <a:latin typeface="Calibri" panose="020F0502020204030204" pitchFamily="34" charset="0"/>
+                      </a:endParaRPr>
+                    </a:p>
+                  </a:txBody>
+                  <a:tcPr marL="9525" marR="9525" marT="9525" marB="0" anchor="b"/>
+                </a:tc>
+                <a:extLst>
+                  <a:ext uri="{0D108BD9-81ED-4DB2-BD59-A6C34878D82A}">
+                    <a16:rowId xmlns:a16="http://schemas.microsoft.com/office/drawing/2014/main" val="2564071342"/>
+                  </a:ext>
+                </a:extLst>
+              </a:tr>
+              <a:tr h="509014">
+                <a:tc>
+                  <a:txBody>
+                    <a:bodyPr/>
+                    <a:lstStyle/>
+                    <a:p>
+                      <a:pPr algn="l" fontAlgn="b"/>
+                      <a:r>
+                        <a:rPr lang="en-US" sz="1600" u="none" strike="noStrike">
+                          <a:effectLst/>
+                        </a:rPr>
+                        <a:t>Avg. Hashtag per Tweet</a:t>
+                      </a:r>
+                      <a:endParaRPr lang="en-US" sz="1600" b="0" i="0" u="none" strike="noStrike">
+                        <a:solidFill>
+                          <a:srgbClr val="000000"/>
+                        </a:solidFill>
+                        <a:effectLst/>
+                        <a:latin typeface="Calibri" panose="020F0502020204030204" pitchFamily="34" charset="0"/>
+                      </a:endParaRPr>
+                    </a:p>
+                  </a:txBody>
+                  <a:tcPr marL="9525" marR="9525" marT="9525" marB="0" anchor="b"/>
+                </a:tc>
+                <a:tc>
+                  <a:txBody>
+                    <a:bodyPr/>
+                    <a:lstStyle/>
+                    <a:p>
+                      <a:pPr algn="ctr" fontAlgn="b"/>
+                      <a:r>
+                        <a:rPr lang="en-US" sz="1600" u="none" strike="noStrike" dirty="0">
+                          <a:effectLst/>
+                        </a:rPr>
+                        <a:t>0.78</a:t>
+                      </a:r>
+                      <a:endParaRPr lang="en-US" sz="1600" b="0" i="0" u="none" strike="noStrike" dirty="0">
+                        <a:solidFill>
+                          <a:srgbClr val="000000"/>
+                        </a:solidFill>
+                        <a:effectLst/>
+                        <a:latin typeface="Calibri" panose="020F0502020204030204" pitchFamily="34" charset="0"/>
+                      </a:endParaRPr>
+                    </a:p>
+                  </a:txBody>
+                  <a:tcPr marL="9525" marR="9525" marT="9525" marB="0" anchor="b"/>
+                </a:tc>
+                <a:tc>
+                  <a:txBody>
+                    <a:bodyPr/>
+                    <a:lstStyle/>
+                    <a:p>
+                      <a:pPr algn="ctr" fontAlgn="b"/>
+                      <a:r>
+                        <a:rPr lang="en-US" sz="1600" u="none" strike="noStrike">
+                          <a:effectLst/>
+                        </a:rPr>
+                        <a:t>0.27</a:t>
+                      </a:r>
+                      <a:endParaRPr lang="en-US" sz="1600" b="0" i="0" u="none" strike="noStrike">
+                        <a:solidFill>
+                          <a:srgbClr val="000000"/>
+                        </a:solidFill>
+                        <a:effectLst/>
+                        <a:latin typeface="Calibri" panose="020F0502020204030204" pitchFamily="34" charset="0"/>
+                      </a:endParaRPr>
+                    </a:p>
+                  </a:txBody>
+                  <a:tcPr marL="9525" marR="9525" marT="9525" marB="0" anchor="b"/>
+                </a:tc>
+                <a:extLst>
+                  <a:ext uri="{0D108BD9-81ED-4DB2-BD59-A6C34878D82A}">
+                    <a16:rowId xmlns:a16="http://schemas.microsoft.com/office/drawing/2014/main" val="1952702471"/>
+                  </a:ext>
+                </a:extLst>
+              </a:tr>
+              <a:tr h="682461">
+                <a:tc>
+                  <a:txBody>
+                    <a:bodyPr/>
+                    <a:lstStyle/>
+                    <a:p>
+                      <a:pPr algn="l" fontAlgn="b"/>
+                      <a:r>
+                        <a:rPr lang="en-US" sz="1600" u="none" strike="noStrike">
+                          <a:effectLst/>
+                        </a:rPr>
+                        <a:t>Avg. User Mentions per Tweet</a:t>
+                      </a:r>
+                      <a:endParaRPr lang="en-US" sz="1600" b="0" i="0" u="none" strike="noStrike">
+                        <a:solidFill>
+                          <a:srgbClr val="000000"/>
+                        </a:solidFill>
+                        <a:effectLst/>
+                        <a:latin typeface="Calibri" panose="020F0502020204030204" pitchFamily="34" charset="0"/>
+                      </a:endParaRPr>
+                    </a:p>
+                  </a:txBody>
+                  <a:tcPr marL="9525" marR="9525" marT="9525" marB="0" anchor="b"/>
+                </a:tc>
+                <a:tc>
+                  <a:txBody>
+                    <a:bodyPr/>
+                    <a:lstStyle/>
+                    <a:p>
+                      <a:pPr algn="ctr" fontAlgn="b"/>
+                      <a:r>
+                        <a:rPr lang="en-US" sz="1600" u="none" strike="noStrike" dirty="0">
+                          <a:effectLst/>
+                        </a:rPr>
+                        <a:t>0.91</a:t>
+                      </a:r>
+                      <a:endParaRPr lang="en-US" sz="1600" b="0" i="0" u="none" strike="noStrike" dirty="0">
+                        <a:solidFill>
+                          <a:srgbClr val="000000"/>
+                        </a:solidFill>
+                        <a:effectLst/>
+                        <a:latin typeface="Calibri" panose="020F0502020204030204" pitchFamily="34" charset="0"/>
+                      </a:endParaRPr>
+                    </a:p>
+                  </a:txBody>
+                  <a:tcPr marL="9525" marR="9525" marT="9525" marB="0" anchor="b"/>
+                </a:tc>
+                <a:tc>
+                  <a:txBody>
+                    <a:bodyPr/>
+                    <a:lstStyle/>
+                    <a:p>
+                      <a:pPr algn="ctr" fontAlgn="b"/>
+                      <a:r>
+                        <a:rPr lang="en-US" sz="1600" u="none" strike="noStrike" dirty="0">
+                          <a:effectLst/>
+                        </a:rPr>
+                        <a:t>0.85</a:t>
+                      </a:r>
+                      <a:endParaRPr lang="en-US" sz="1600" b="0" i="0" u="none" strike="noStrike" dirty="0">
+                        <a:solidFill>
+                          <a:srgbClr val="000000"/>
+                        </a:solidFill>
+                        <a:effectLst/>
+                        <a:latin typeface="Calibri" panose="020F0502020204030204" pitchFamily="34" charset="0"/>
+                      </a:endParaRPr>
+                    </a:p>
+                  </a:txBody>
+                  <a:tcPr marL="9525" marR="9525" marT="9525" marB="0" anchor="b"/>
+                </a:tc>
+                <a:extLst>
+                  <a:ext uri="{0D108BD9-81ED-4DB2-BD59-A6C34878D82A}">
+                    <a16:rowId xmlns:a16="http://schemas.microsoft.com/office/drawing/2014/main" val="3596524482"/>
+                  </a:ext>
+                </a:extLst>
+              </a:tr>
+              <a:tr h="509014">
+                <a:tc>
+                  <a:txBody>
+                    <a:bodyPr/>
+                    <a:lstStyle/>
+                    <a:p>
+                      <a:pPr algn="l" fontAlgn="b"/>
+                      <a:r>
+                        <a:rPr lang="en-US" sz="1600" u="none" strike="noStrike">
+                          <a:effectLst/>
+                        </a:rPr>
+                        <a:t>Avg. URLs per Tweet</a:t>
+                      </a:r>
+                      <a:endParaRPr lang="en-US" sz="1600" b="0" i="0" u="none" strike="noStrike">
+                        <a:solidFill>
+                          <a:srgbClr val="000000"/>
+                        </a:solidFill>
+                        <a:effectLst/>
+                        <a:latin typeface="Calibri" panose="020F0502020204030204" pitchFamily="34" charset="0"/>
+                      </a:endParaRPr>
+                    </a:p>
+                  </a:txBody>
+                  <a:tcPr marL="9525" marR="9525" marT="9525" marB="0" anchor="b"/>
+                </a:tc>
+                <a:tc>
+                  <a:txBody>
+                    <a:bodyPr/>
+                    <a:lstStyle/>
+                    <a:p>
+                      <a:pPr algn="ctr" fontAlgn="b"/>
+                      <a:r>
+                        <a:rPr lang="en-US" sz="1600" u="none" strike="noStrike">
+                          <a:effectLst/>
+                        </a:rPr>
+                        <a:t>1.42</a:t>
+                      </a:r>
+                      <a:endParaRPr lang="en-US" sz="1600" b="0" i="0" u="none" strike="noStrike">
+                        <a:solidFill>
+                          <a:srgbClr val="000000"/>
+                        </a:solidFill>
+                        <a:effectLst/>
+                        <a:latin typeface="Calibri" panose="020F0502020204030204" pitchFamily="34" charset="0"/>
+                      </a:endParaRPr>
+                    </a:p>
+                  </a:txBody>
+                  <a:tcPr marL="9525" marR="9525" marT="9525" marB="0" anchor="b"/>
+                </a:tc>
+                <a:tc>
+                  <a:txBody>
+                    <a:bodyPr/>
+                    <a:lstStyle/>
+                    <a:p>
+                      <a:pPr algn="ctr" fontAlgn="b"/>
+                      <a:r>
+                        <a:rPr lang="en-US" sz="1600" u="none" strike="noStrike" dirty="0">
+                          <a:effectLst/>
+                        </a:rPr>
+                        <a:t>0.18</a:t>
+                      </a:r>
+                      <a:endParaRPr lang="en-US" sz="1600" b="0" i="0" u="none" strike="noStrike" dirty="0">
+                        <a:solidFill>
+                          <a:srgbClr val="000000"/>
+                        </a:solidFill>
+                        <a:effectLst/>
+                        <a:latin typeface="Calibri" panose="020F0502020204030204" pitchFamily="34" charset="0"/>
+                      </a:endParaRPr>
+                    </a:p>
+                  </a:txBody>
+                  <a:tcPr marL="9525" marR="9525" marT="9525" marB="0" anchor="b"/>
+                </a:tc>
+                <a:extLst>
+                  <a:ext uri="{0D108BD9-81ED-4DB2-BD59-A6C34878D82A}">
+                    <a16:rowId xmlns:a16="http://schemas.microsoft.com/office/drawing/2014/main" val="1419938516"/>
+                  </a:ext>
+                </a:extLst>
+              </a:tr>
+            </a:tbl>
+          </a:graphicData>
+        </a:graphic>
+      </p:graphicFrame>
+      <p:sp>
+        <p:nvSpPr>
+          <p:cNvPr id="14" name="TextBox 13">
+            <a:extLst>
+              <a:ext uri="{FF2B5EF4-FFF2-40B4-BE49-F238E27FC236}">
+                <a16:creationId xmlns:a16="http://schemas.microsoft.com/office/drawing/2014/main" id="{7E7536E2-AC59-491A-9CC8-DF6D5BB988B2}"/>
+              </a:ext>
+            </a:extLst>
+          </p:cNvPr>
+          <p:cNvSpPr txBox="1"/>
+          <p:nvPr/>
+        </p:nvSpPr>
+        <p:spPr>
+          <a:xfrm>
+            <a:off x="4372750" y="1215466"/>
+            <a:ext cx="2561920" cy="523220"/>
+          </a:xfrm>
+          <a:prstGeom prst="rect">
+            <a:avLst/>
+          </a:prstGeom>
+          <a:noFill/>
+        </p:spPr>
+        <p:txBody>
+          <a:bodyPr wrap="none" rtlCol="0">
+            <a:spAutoFit/>
+          </a:bodyPr>
+          <a:lstStyle/>
+          <a:p>
+            <a:r>
+              <a:rPr lang="en-US" sz="2800" dirty="0"/>
+              <a:t>Tweet Metrics</a:t>
+            </a:r>
+          </a:p>
+        </p:txBody>
+      </p:sp>
+      <p:sp>
+        <p:nvSpPr>
+          <p:cNvPr id="16" name="TextBox 15">
+            <a:extLst>
+              <a:ext uri="{FF2B5EF4-FFF2-40B4-BE49-F238E27FC236}">
+                <a16:creationId xmlns:a16="http://schemas.microsoft.com/office/drawing/2014/main" id="{DA795AFA-8797-464E-B890-44D71CEBF964}"/>
+              </a:ext>
+            </a:extLst>
+          </p:cNvPr>
+          <p:cNvSpPr txBox="1"/>
+          <p:nvPr/>
+        </p:nvSpPr>
+        <p:spPr>
+          <a:xfrm>
+            <a:off x="4686707" y="2931889"/>
+            <a:ext cx="5839416" cy="646331"/>
+          </a:xfrm>
+          <a:prstGeom prst="rect">
+            <a:avLst/>
+          </a:prstGeom>
+          <a:noFill/>
+        </p:spPr>
+        <p:txBody>
+          <a:bodyPr wrap="square" rtlCol="0">
+            <a:spAutoFit/>
+          </a:bodyPr>
+          <a:lstStyle/>
+          <a:p>
+            <a:r>
+              <a:rPr lang="en-US" sz="3600" dirty="0">
+                <a:solidFill>
+                  <a:schemeClr val="accent1"/>
+                </a:solidFill>
+              </a:rPr>
+              <a:t>FIX SUMSUMG #’s</a:t>
+            </a:r>
+          </a:p>
+        </p:txBody>
+      </p:sp>
+      <p:sp>
+        <p:nvSpPr>
+          <p:cNvPr id="18" name="Title 17">
+            <a:extLst>
+              <a:ext uri="{FF2B5EF4-FFF2-40B4-BE49-F238E27FC236}">
+                <a16:creationId xmlns:a16="http://schemas.microsoft.com/office/drawing/2014/main" id="{BF46072F-CAB3-470F-A5E6-FA848790821F}"/>
+              </a:ext>
+            </a:extLst>
+          </p:cNvPr>
+          <p:cNvSpPr>
+            <a:spLocks noGrp="1"/>
+          </p:cNvSpPr>
+          <p:nvPr>
+            <p:ph type="title"/>
+          </p:nvPr>
+        </p:nvSpPr>
+        <p:spPr/>
+        <p:txBody>
+          <a:bodyPr/>
+          <a:lstStyle/>
+          <a:p>
+            <a:r>
+              <a:rPr lang="en-US" sz="3200" dirty="0"/>
+              <a:t>Final Analysis, Differences</a:t>
+            </a:r>
+            <a:br>
+              <a:rPr lang="en-US" sz="4400" dirty="0"/>
+            </a:br>
+            <a:endParaRPr lang="en-US" dirty="0"/>
+          </a:p>
+        </p:txBody>
+      </p:sp>
+    </p:spTree>
+    <p:extLst>
+      <p:ext uri="{BB962C8B-B14F-4D97-AF65-F5344CB8AC3E}">
+        <p14:creationId xmlns:p14="http://schemas.microsoft.com/office/powerpoint/2010/main" val="1877594445"/>
+      </p:ext>
+    </p:extLst>
+  </p:cSld>
+  <p:clrMapOvr>
+    <a:masterClrMapping/>
+  </p:clrMapOvr>
+</p:sld>
+</file>
+
+<file path=ppt/slides/slide19.xml><?xml version="1.0" encoding="utf-8"?>
+<p:sld xmlns:a="http://schemas.openxmlformats.org/drawingml/2006/main" xmlns:r="http://schemas.openxmlformats.org/officeDocument/2006/relationships" xmlns:p="http://schemas.openxmlformats.org/presentationml/2006/main">
+  <p:cSld>
+    <p:spTree>
+      <p:nvGrpSpPr>
+        <p:cNvPr id="1" name=""/>
+        <p:cNvGrpSpPr/>
+        <p:nvPr/>
+      </p:nvGrpSpPr>
+      <p:grpSpPr>
+        <a:xfrm>
+          <a:off x="0" y="0"/>
+          <a:ext cx="0" cy="0"/>
+          <a:chOff x="0" y="0"/>
+          <a:chExt cx="0" cy="0"/>
+        </a:xfrm>
+      </p:grpSpPr>
+      <p:sp>
+        <p:nvSpPr>
+          <p:cNvPr id="5" name="Title 4">
+            <a:extLst>
+              <a:ext uri="{FF2B5EF4-FFF2-40B4-BE49-F238E27FC236}">
+                <a16:creationId xmlns:a16="http://schemas.microsoft.com/office/drawing/2014/main" id="{16AFE7EB-98C4-470A-BCD2-651B344F20DA}"/>
+              </a:ext>
+            </a:extLst>
+          </p:cNvPr>
+          <p:cNvSpPr>
+            <a:spLocks noGrp="1"/>
+          </p:cNvSpPr>
+          <p:nvPr>
+            <p:ph type="title"/>
+          </p:nvPr>
+        </p:nvSpPr>
+        <p:spPr/>
+        <p:txBody>
+          <a:bodyPr/>
+          <a:lstStyle/>
+          <a:p>
+            <a:r>
+              <a:rPr lang="en-US" dirty="0"/>
+              <a:t>Final Analysis, Similarities</a:t>
+            </a:r>
+          </a:p>
+        </p:txBody>
+      </p:sp>
+      <p:sp>
+        <p:nvSpPr>
+          <p:cNvPr id="6" name="Content Placeholder 5">
+            <a:extLst>
+              <a:ext uri="{FF2B5EF4-FFF2-40B4-BE49-F238E27FC236}">
+                <a16:creationId xmlns:a16="http://schemas.microsoft.com/office/drawing/2014/main" id="{BAFC0169-0A05-4A11-91F7-F2785660BF92}"/>
+              </a:ext>
+            </a:extLst>
+          </p:cNvPr>
+          <p:cNvSpPr>
+            <a:spLocks noGrp="1"/>
+          </p:cNvSpPr>
+          <p:nvPr>
+            <p:ph idx="1"/>
+          </p:nvPr>
+        </p:nvSpPr>
+        <p:spPr/>
+        <p:txBody>
+          <a:bodyPr/>
+          <a:lstStyle/>
+          <a:p>
+            <a:r>
+              <a:rPr lang="en-US" dirty="0"/>
+              <a:t>Many tweets from both sides contained tweets about contests or giveaways.</a:t>
+            </a:r>
+          </a:p>
+          <a:p>
+            <a:r>
+              <a:rPr lang="en-US" dirty="0"/>
+              <a:t>Photography is another popular subject among the two sides</a:t>
+            </a:r>
+          </a:p>
+          <a:p>
+            <a:r>
+              <a:rPr lang="en-US" dirty="0"/>
+              <a:t>Only Overlapping Top 10 User Mention, @</a:t>
+            </a:r>
+            <a:r>
+              <a:rPr lang="en-US" dirty="0" err="1"/>
+              <a:t>Youtube</a:t>
+            </a:r>
+            <a:r>
+              <a:rPr lang="en-US" dirty="0"/>
+              <a:t>.  #7 on iPhone X and #2 on Galaxy S9</a:t>
+            </a:r>
+          </a:p>
+          <a:p>
+            <a:r>
+              <a:rPr lang="en-US" dirty="0"/>
+              <a:t>Only Overlapping Top 10 word frequency was “Giveaway”, #2 on iPhone X and #4 on Galaxy S9</a:t>
+            </a:r>
+          </a:p>
+          <a:p>
+            <a:r>
+              <a:rPr lang="en-US" dirty="0"/>
+              <a:t>Only Overlapping #Hashtag was again “#giveaway”, @5 on iPhone X and #2 on Galaxy S9</a:t>
+            </a:r>
+          </a:p>
+          <a:p>
+            <a:endParaRPr lang="en-US" dirty="0"/>
+          </a:p>
+        </p:txBody>
+      </p:sp>
+    </p:spTree>
+    <p:extLst>
+      <p:ext uri="{BB962C8B-B14F-4D97-AF65-F5344CB8AC3E}">
+        <p14:creationId xmlns:p14="http://schemas.microsoft.com/office/powerpoint/2010/main" val="1965199964"/>
       </p:ext>
     </p:extLst>
   </p:cSld>
@@ -8142,6 +13731,204 @@
         </p:txBody>
       </p:sp>
     </p:spTree>
+  </p:cSld>
+  <p:clrMapOvr>
+    <a:masterClrMapping/>
+  </p:clrMapOvr>
+</p:sld>
+</file>
+
+<file path=ppt/slides/slide20.xml><?xml version="1.0" encoding="utf-8"?>
+<p:sld xmlns:a="http://schemas.openxmlformats.org/drawingml/2006/main" xmlns:r="http://schemas.openxmlformats.org/officeDocument/2006/relationships" xmlns:p="http://schemas.openxmlformats.org/presentationml/2006/main">
+  <p:cSld>
+    <p:spTree>
+      <p:nvGrpSpPr>
+        <p:cNvPr id="1" name=""/>
+        <p:cNvGrpSpPr/>
+        <p:nvPr/>
+      </p:nvGrpSpPr>
+      <p:grpSpPr>
+        <a:xfrm>
+          <a:off x="0" y="0"/>
+          <a:ext cx="0" cy="0"/>
+          <a:chOff x="0" y="0"/>
+          <a:chExt cx="0" cy="0"/>
+        </a:xfrm>
+      </p:grpSpPr>
+      <p:sp>
+        <p:nvSpPr>
+          <p:cNvPr id="2" name="Title 1">
+            <a:extLst>
+              <a:ext uri="{FF2B5EF4-FFF2-40B4-BE49-F238E27FC236}">
+                <a16:creationId xmlns:a16="http://schemas.microsoft.com/office/drawing/2014/main" id="{EE22D5A4-6010-48F0-BD0F-9172CDCD5518}"/>
+              </a:ext>
+            </a:extLst>
+          </p:cNvPr>
+          <p:cNvSpPr>
+            <a:spLocks noGrp="1"/>
+          </p:cNvSpPr>
+          <p:nvPr>
+            <p:ph type="title"/>
+          </p:nvPr>
+        </p:nvSpPr>
+        <p:spPr/>
+        <p:txBody>
+          <a:bodyPr/>
+          <a:lstStyle/>
+          <a:p>
+            <a:r>
+              <a:rPr lang="en-US" dirty="0"/>
+              <a:t>Final Analysis, Insight</a:t>
+            </a:r>
+          </a:p>
+        </p:txBody>
+      </p:sp>
+      <p:sp>
+        <p:nvSpPr>
+          <p:cNvPr id="9" name="Content Placeholder 8">
+            <a:extLst>
+              <a:ext uri="{FF2B5EF4-FFF2-40B4-BE49-F238E27FC236}">
+                <a16:creationId xmlns:a16="http://schemas.microsoft.com/office/drawing/2014/main" id="{18B011DA-1499-4FC4-AE11-7A9E1DAE9F18}"/>
+              </a:ext>
+            </a:extLst>
+          </p:cNvPr>
+          <p:cNvSpPr>
+            <a:spLocks noGrp="1"/>
+          </p:cNvSpPr>
+          <p:nvPr>
+            <p:ph idx="1"/>
+          </p:nvPr>
+        </p:nvSpPr>
+        <p:spPr/>
+        <p:txBody>
+          <a:bodyPr/>
+          <a:lstStyle/>
+          <a:p>
+            <a:r>
+              <a:rPr lang="en-US" dirty="0"/>
+              <a:t>Based upon tweet volume and sentiment, there appears to be more enthusiasm for iPhone X than the Galaxy S9. There were 3 times as many tweets about the iPhone X than the Galaxy S9 even though Samsung has a larger market share. </a:t>
+            </a:r>
+          </a:p>
+          <a:p>
+            <a:r>
+              <a:rPr lang="en-US" dirty="0"/>
+              <a:t>Smart phones are much more than just phones to users. From hashtag analysis and topic modelling, these phones are used for creating and capturing memories through photography, videos, and augmented reality (Animoji &amp; AR Emoji).</a:t>
+            </a:r>
+          </a:p>
+          <a:p>
+            <a:r>
+              <a:rPr lang="en-US" dirty="0"/>
+              <a:t>Both topics commonly share YouTube videos as evidenced by the user mentioning.</a:t>
+            </a:r>
+          </a:p>
+          <a:p>
+            <a:r>
+              <a:rPr lang="en-US" dirty="0"/>
+              <a:t>Galaxy S9 Users more commonly use hashtags, do more user mentions and include more URLs than iPhone X users</a:t>
+            </a:r>
+          </a:p>
+          <a:p>
+            <a:endParaRPr lang="en-US" dirty="0"/>
+          </a:p>
+        </p:txBody>
+      </p:sp>
+    </p:spTree>
+    <p:extLst>
+      <p:ext uri="{BB962C8B-B14F-4D97-AF65-F5344CB8AC3E}">
+        <p14:creationId xmlns:p14="http://schemas.microsoft.com/office/powerpoint/2010/main" val="2740274686"/>
+      </p:ext>
+    </p:extLst>
+  </p:cSld>
+  <p:clrMapOvr>
+    <a:masterClrMapping/>
+  </p:clrMapOvr>
+</p:sld>
+</file>
+
+<file path=ppt/slides/slide21.xml><?xml version="1.0" encoding="utf-8"?>
+<p:sld xmlns:a="http://schemas.openxmlformats.org/drawingml/2006/main" xmlns:r="http://schemas.openxmlformats.org/officeDocument/2006/relationships" xmlns:p="http://schemas.openxmlformats.org/presentationml/2006/main">
+  <p:cSld>
+    <p:spTree>
+      <p:nvGrpSpPr>
+        <p:cNvPr id="1" name=""/>
+        <p:cNvGrpSpPr/>
+        <p:nvPr/>
+      </p:nvGrpSpPr>
+      <p:grpSpPr>
+        <a:xfrm>
+          <a:off x="0" y="0"/>
+          <a:ext cx="0" cy="0"/>
+          <a:chOff x="0" y="0"/>
+          <a:chExt cx="0" cy="0"/>
+        </a:xfrm>
+      </p:grpSpPr>
+      <p:sp>
+        <p:nvSpPr>
+          <p:cNvPr id="2" name="Title 1">
+            <a:extLst>
+              <a:ext uri="{FF2B5EF4-FFF2-40B4-BE49-F238E27FC236}">
+                <a16:creationId xmlns:a16="http://schemas.microsoft.com/office/drawing/2014/main" id="{F190462D-6B72-4F57-81A6-7934012ADE6E}"/>
+              </a:ext>
+            </a:extLst>
+          </p:cNvPr>
+          <p:cNvSpPr>
+            <a:spLocks noGrp="1"/>
+          </p:cNvSpPr>
+          <p:nvPr>
+            <p:ph type="title"/>
+          </p:nvPr>
+        </p:nvSpPr>
+        <p:spPr/>
+        <p:txBody>
+          <a:bodyPr/>
+          <a:lstStyle/>
+          <a:p>
+            <a:r>
+              <a:rPr lang="en-US" dirty="0"/>
+              <a:t>References</a:t>
+            </a:r>
+          </a:p>
+        </p:txBody>
+      </p:sp>
+      <p:sp>
+        <p:nvSpPr>
+          <p:cNvPr id="3" name="Content Placeholder 2">
+            <a:extLst>
+              <a:ext uri="{FF2B5EF4-FFF2-40B4-BE49-F238E27FC236}">
+                <a16:creationId xmlns:a16="http://schemas.microsoft.com/office/drawing/2014/main" id="{2F9CB1A8-E303-4C36-8210-DACB8A5BD83B}"/>
+              </a:ext>
+            </a:extLst>
+          </p:cNvPr>
+          <p:cNvSpPr>
+            <a:spLocks noGrp="1"/>
+          </p:cNvSpPr>
+          <p:nvPr>
+            <p:ph sz="half" idx="1"/>
+          </p:nvPr>
+        </p:nvSpPr>
+        <p:spPr>
+          <a:xfrm>
+            <a:off x="1103312" y="2060575"/>
+            <a:ext cx="9170241" cy="4195763"/>
+          </a:xfrm>
+        </p:spPr>
+        <p:txBody>
+          <a:bodyPr/>
+          <a:lstStyle/>
+          <a:p>
+            <a:r>
+              <a:rPr lang="en-US" dirty="0"/>
+              <a:t>1.  http://fortune.com/2018/02/13/apple-iphone-samsung-market-share/</a:t>
+            </a:r>
+          </a:p>
+        </p:txBody>
+      </p:sp>
+    </p:spTree>
+    <p:extLst>
+      <p:ext uri="{BB962C8B-B14F-4D97-AF65-F5344CB8AC3E}">
+        <p14:creationId xmlns:p14="http://schemas.microsoft.com/office/powerpoint/2010/main" val="959535917"/>
+      </p:ext>
+    </p:extLst>
   </p:cSld>
   <p:clrMapOvr>
     <a:masterClrMapping/>
@@ -8461,10 +14248,10 @@
       </p:grpSpPr>
       <p:sp>
         <p:nvSpPr>
-          <p:cNvPr id="2" name="Title 1">
+          <p:cNvPr id="5" name="Title 4">
             <a:extLst>
               <a:ext uri="{FF2B5EF4-FFF2-40B4-BE49-F238E27FC236}">
-                <a16:creationId xmlns:a16="http://schemas.microsoft.com/office/drawing/2014/main" id="{0BCED554-BEF2-4430-B80A-4B5BC53AE7D5}"/>
+                <a16:creationId xmlns:a16="http://schemas.microsoft.com/office/drawing/2014/main" id="{CE1611FE-A0A3-4BBC-BBE4-A30E0A9FFEE1}"/>
               </a:ext>
             </a:extLst>
           </p:cNvPr>
@@ -8472,144 +14259,31 @@
             <a:spLocks noGrp="1"/>
           </p:cNvSpPr>
           <p:nvPr>
-            <p:ph type="title"/>
-          </p:nvPr>
-        </p:nvSpPr>
-        <p:spPr/>
+            <p:ph type="ctrTitle"/>
+          </p:nvPr>
+        </p:nvSpPr>
+        <p:spPr>
+          <a:xfrm>
+            <a:off x="1337835" y="2770992"/>
+            <a:ext cx="8825658" cy="1037216"/>
+          </a:xfrm>
+        </p:spPr>
         <p:txBody>
           <a:bodyPr/>
           <a:lstStyle/>
           <a:p>
+            <a:pPr algn="ctr"/>
             <a:r>
               <a:rPr lang="en-US" dirty="0"/>
-              <a:t>iPhone X Descriptive Analytics Important Findings</a:t>
-            </a:r>
-          </a:p>
-        </p:txBody>
-      </p:sp>
-      <p:sp>
-        <p:nvSpPr>
-          <p:cNvPr id="3" name="Content Placeholder 2">
-            <a:extLst>
-              <a:ext uri="{FF2B5EF4-FFF2-40B4-BE49-F238E27FC236}">
-                <a16:creationId xmlns:a16="http://schemas.microsoft.com/office/drawing/2014/main" id="{0E04A5A6-8F6C-43EB-A5CE-97699DC3DFFA}"/>
-              </a:ext>
-            </a:extLst>
-          </p:cNvPr>
-          <p:cNvSpPr>
-            <a:spLocks noGrp="1"/>
-          </p:cNvSpPr>
-          <p:nvPr>
-            <p:ph sz="half" idx="1"/>
-          </p:nvPr>
-        </p:nvSpPr>
-        <p:spPr/>
-        <p:txBody>
-          <a:bodyPr/>
-          <a:lstStyle/>
-          <a:p>
-            <a:r>
-              <a:rPr lang="en-US" dirty="0"/>
-              <a:t>26,458 Total tweets</a:t>
-            </a:r>
-          </a:p>
-          <a:p>
-            <a:r>
-              <a:rPr lang="en-US" dirty="0"/>
-              <a:t>21,541 Unique users</a:t>
-            </a:r>
-          </a:p>
-          <a:p>
-            <a:r>
-              <a:rPr lang="en-US" dirty="0"/>
-              <a:t>10,521 Original Tweets</a:t>
-            </a:r>
-          </a:p>
-          <a:p>
-            <a:r>
-              <a:rPr lang="en-US" dirty="0"/>
-              <a:t>15,937 Retweets</a:t>
-            </a:r>
-          </a:p>
-          <a:p>
-            <a:r>
-              <a:rPr lang="en-US" dirty="0"/>
-              <a:t>22,516 User Mentions</a:t>
-            </a:r>
-          </a:p>
-          <a:p>
-            <a:r>
-              <a:rPr lang="en-US" dirty="0"/>
-              <a:t>4,849 URLs</a:t>
-            </a:r>
-          </a:p>
-          <a:p>
-            <a:r>
-              <a:rPr lang="en-US" dirty="0"/>
-              <a:t>7,215 Hashtags</a:t>
-            </a:r>
-          </a:p>
-          <a:p>
-            <a:endParaRPr lang="en-US" dirty="0"/>
-          </a:p>
-        </p:txBody>
-      </p:sp>
-      <p:sp>
-        <p:nvSpPr>
-          <p:cNvPr id="4" name="Content Placeholder 3">
-            <a:extLst>
-              <a:ext uri="{FF2B5EF4-FFF2-40B4-BE49-F238E27FC236}">
-                <a16:creationId xmlns:a16="http://schemas.microsoft.com/office/drawing/2014/main" id="{D9946D00-9E3E-4AA6-8174-9D892D398FFB}"/>
-              </a:ext>
-            </a:extLst>
-          </p:cNvPr>
-          <p:cNvSpPr>
-            <a:spLocks noGrp="1"/>
-          </p:cNvSpPr>
-          <p:nvPr>
-            <p:ph sz="half" idx="2"/>
-          </p:nvPr>
-        </p:nvSpPr>
-        <p:spPr/>
-        <p:txBody>
-          <a:bodyPr/>
-          <a:lstStyle/>
-          <a:p>
-            <a:r>
-              <a:rPr lang="en-US" dirty="0"/>
-              <a:t>1.2 Avg. tweets Per User</a:t>
-            </a:r>
-          </a:p>
-          <a:p>
-            <a:r>
-              <a:rPr lang="en-US" dirty="0"/>
-              <a:t>0.85 User Mentions per tweet</a:t>
-            </a:r>
-          </a:p>
-          <a:p>
-            <a:r>
-              <a:rPr lang="en-US" dirty="0"/>
-              <a:t>0.18 URLs per tweet</a:t>
-            </a:r>
-          </a:p>
-          <a:p>
-            <a:r>
-              <a:rPr lang="en-US" dirty="0"/>
-              <a:t>0.27 Hashtags per tweet</a:t>
-            </a:r>
-          </a:p>
-          <a:p>
-            <a:endParaRPr lang="en-US" dirty="0"/>
-          </a:p>
-          <a:p>
-            <a:endParaRPr lang="en-US" dirty="0"/>
+              <a:t>iPhone X Analysis</a:t>
+            </a:r>
           </a:p>
         </p:txBody>
       </p:sp>
     </p:spTree>
     <p:extLst>
       <p:ext uri="{BB962C8B-B14F-4D97-AF65-F5344CB8AC3E}">
-        <p14:creationId xmlns:p14="http://schemas.microsoft.com/office/powerpoint/2010/main" val="2084215335"/>
+        <p14:creationId xmlns:p14="http://schemas.microsoft.com/office/powerpoint/2010/main" val="2282768836"/>
       </p:ext>
     </p:extLst>
   </p:cSld>
@@ -8641,7 +14315,7 @@
           <p:cNvPr id="2" name="Title 1">
             <a:extLst>
               <a:ext uri="{FF2B5EF4-FFF2-40B4-BE49-F238E27FC236}">
-                <a16:creationId xmlns:a16="http://schemas.microsoft.com/office/drawing/2014/main" id="{995BD24F-C368-488E-9FD6-89D0162311C6}"/>
+                <a16:creationId xmlns:a16="http://schemas.microsoft.com/office/drawing/2014/main" id="{0BCED554-BEF2-4430-B80A-4B5BC53AE7D5}"/>
               </a:ext>
             </a:extLst>
           </p:cNvPr>
@@ -8659,7 +14333,7 @@
           <a:p>
             <a:r>
               <a:rPr lang="en-US" dirty="0"/>
-              <a:t>iPhone X Content Analytics Findings</a:t>
+              <a:t>iPhone X Descriptive Analytics Important Findings</a:t>
             </a:r>
           </a:p>
         </p:txBody>
@@ -8669,7 +14343,7 @@
           <p:cNvPr id="3" name="Content Placeholder 2">
             <a:extLst>
               <a:ext uri="{FF2B5EF4-FFF2-40B4-BE49-F238E27FC236}">
-                <a16:creationId xmlns:a16="http://schemas.microsoft.com/office/drawing/2014/main" id="{AD505CAA-D10D-431F-844C-45EECC8D1B3A}"/>
+                <a16:creationId xmlns:a16="http://schemas.microsoft.com/office/drawing/2014/main" id="{0E04A5A6-8F6C-43EB-A5CE-97699DC3DFFA}"/>
               </a:ext>
             </a:extLst>
           </p:cNvPr>
@@ -8677,7 +14351,7 @@
             <a:spLocks noGrp="1"/>
           </p:cNvSpPr>
           <p:nvPr>
-            <p:ph idx="1"/>
+            <p:ph sz="half" idx="1"/>
           </p:nvPr>
         </p:nvSpPr>
         <p:spPr/>
@@ -8685,80 +14359,108 @@
           <a:bodyPr/>
           <a:lstStyle/>
           <a:p>
-            <a:pPr lvl="1"/>
             <a:r>
               <a:rPr lang="en-US" dirty="0"/>
-              <a:t>Most Popular terms in iPhone X tweets</a:t>
-            </a:r>
-          </a:p>
-          <a:p>
-            <a:pPr lvl="2"/>
+              <a:t>26,458 Total tweets</a:t>
+            </a:r>
+          </a:p>
+          <a:p>
             <a:r>
               <a:rPr lang="en-US" dirty="0"/>
-              <a:t>‘</a:t>
-            </a:r>
-            <a:r>
-              <a:rPr lang="en-US" dirty="0" err="1"/>
-              <a:t>Iphone</a:t>
-            </a:r>
+              <a:t>21,541 Unique users</a:t>
+            </a:r>
+          </a:p>
+          <a:p>
             <a:r>
               <a:rPr lang="en-US" dirty="0"/>
-              <a:t>’, ‘giveaway’, ‘post’, ‘notification’, ‘</a:t>
-            </a:r>
-            <a:r>
-              <a:rPr lang="en-US" dirty="0" err="1"/>
-              <a:t>lang</a:t>
-            </a:r>
+              <a:t>10,521 Original Tweets</a:t>
+            </a:r>
+          </a:p>
+          <a:p>
             <a:r>
               <a:rPr lang="en-US" dirty="0"/>
-              <a:t>’, ‘para’</a:t>
-            </a:r>
-          </a:p>
-          <a:p>
-            <a:pPr lvl="2"/>
+              <a:t>15,937 Retweets</a:t>
+            </a:r>
+          </a:p>
+          <a:p>
+            <a:r>
+              <a:rPr lang="en-US" dirty="0"/>
+              <a:t>22,516 User Mentions</a:t>
+            </a:r>
+          </a:p>
+          <a:p>
+            <a:r>
+              <a:rPr lang="en-US" dirty="0"/>
+              <a:t>4,849 URLs</a:t>
+            </a:r>
+          </a:p>
+          <a:p>
+            <a:r>
+              <a:rPr lang="en-US" dirty="0"/>
+              <a:t>7,215 Hashtags</a:t>
+            </a:r>
+          </a:p>
+          <a:p>
             <a:endParaRPr lang="en-US" dirty="0"/>
           </a:p>
-          <a:p>
-            <a:pPr lvl="1"/>
+        </p:txBody>
+      </p:sp>
+      <p:sp>
+        <p:nvSpPr>
+          <p:cNvPr id="4" name="Content Placeholder 3">
+            <a:extLst>
+              <a:ext uri="{FF2B5EF4-FFF2-40B4-BE49-F238E27FC236}">
+                <a16:creationId xmlns:a16="http://schemas.microsoft.com/office/drawing/2014/main" id="{D9946D00-9E3E-4AA6-8174-9D892D398FFB}"/>
+              </a:ext>
+            </a:extLst>
+          </p:cNvPr>
+          <p:cNvSpPr>
+            <a:spLocks noGrp="1"/>
+          </p:cNvSpPr>
+          <p:nvPr>
+            <p:ph sz="half" idx="2"/>
+          </p:nvPr>
+        </p:nvSpPr>
+        <p:spPr/>
+        <p:txBody>
+          <a:bodyPr/>
+          <a:lstStyle/>
+          <a:p>
             <a:r>
               <a:rPr lang="en-US" dirty="0"/>
-              <a:t>After data cleaning, the python package genism topic analysis showed an optimal number of topics at 3.</a:t>
-            </a:r>
-          </a:p>
-          <a:p>
-            <a:pPr lvl="1"/>
+              <a:t>1.2 Avg. tweets Per User</a:t>
+            </a:r>
+          </a:p>
+          <a:p>
             <a:r>
               <a:rPr lang="en-US" dirty="0"/>
-              <a:t>Topics were broken down into:</a:t>
-            </a:r>
-          </a:p>
-          <a:p>
-            <a:pPr lvl="2"/>
+              <a:t>0.85 User Mentions per tweet</a:t>
+            </a:r>
+          </a:p>
+          <a:p>
             <a:r>
               <a:rPr lang="en-US" dirty="0"/>
-              <a:t>Life, living and social media</a:t>
-            </a:r>
-          </a:p>
-          <a:p>
-            <a:pPr lvl="2"/>
+              <a:t>0.18 URLs per tweet</a:t>
+            </a:r>
+          </a:p>
+          <a:p>
             <a:r>
               <a:rPr lang="en-US" dirty="0"/>
-              <a:t>Photography</a:t>
-            </a:r>
-          </a:p>
-          <a:p>
-            <a:pPr lvl="2"/>
-            <a:r>
-              <a:rPr lang="en-US" dirty="0"/>
-              <a:t>Prize contests and giveaways</a:t>
-            </a:r>
+              <a:t>0.27 Hashtags per tweet</a:t>
+            </a:r>
+          </a:p>
+          <a:p>
+            <a:endParaRPr lang="en-US" dirty="0"/>
+          </a:p>
+          <a:p>
+            <a:endParaRPr lang="en-US" dirty="0"/>
           </a:p>
         </p:txBody>
       </p:sp>
     </p:spTree>
     <p:extLst>
       <p:ext uri="{BB962C8B-B14F-4D97-AF65-F5344CB8AC3E}">
-        <p14:creationId xmlns:p14="http://schemas.microsoft.com/office/powerpoint/2010/main" val="1327217345"/>
+        <p14:creationId xmlns:p14="http://schemas.microsoft.com/office/powerpoint/2010/main" val="2084215335"/>
       </p:ext>
     </p:extLst>
   </p:cSld>
@@ -8790,6 +14492,155 @@
           <p:cNvPr id="2" name="Title 1">
             <a:extLst>
               <a:ext uri="{FF2B5EF4-FFF2-40B4-BE49-F238E27FC236}">
+                <a16:creationId xmlns:a16="http://schemas.microsoft.com/office/drawing/2014/main" id="{995BD24F-C368-488E-9FD6-89D0162311C6}"/>
+              </a:ext>
+            </a:extLst>
+          </p:cNvPr>
+          <p:cNvSpPr>
+            <a:spLocks noGrp="1"/>
+          </p:cNvSpPr>
+          <p:nvPr>
+            <p:ph type="title"/>
+          </p:nvPr>
+        </p:nvSpPr>
+        <p:spPr/>
+        <p:txBody>
+          <a:bodyPr/>
+          <a:lstStyle/>
+          <a:p>
+            <a:r>
+              <a:rPr lang="en-US" dirty="0"/>
+              <a:t>iPhone X Content Analytics Findings</a:t>
+            </a:r>
+          </a:p>
+        </p:txBody>
+      </p:sp>
+      <p:sp>
+        <p:nvSpPr>
+          <p:cNvPr id="3" name="Content Placeholder 2">
+            <a:extLst>
+              <a:ext uri="{FF2B5EF4-FFF2-40B4-BE49-F238E27FC236}">
+                <a16:creationId xmlns:a16="http://schemas.microsoft.com/office/drawing/2014/main" id="{AD505CAA-D10D-431F-844C-45EECC8D1B3A}"/>
+              </a:ext>
+            </a:extLst>
+          </p:cNvPr>
+          <p:cNvSpPr>
+            <a:spLocks noGrp="1"/>
+          </p:cNvSpPr>
+          <p:nvPr>
+            <p:ph idx="1"/>
+          </p:nvPr>
+        </p:nvSpPr>
+        <p:spPr/>
+        <p:txBody>
+          <a:bodyPr/>
+          <a:lstStyle/>
+          <a:p>
+            <a:pPr lvl="1"/>
+            <a:r>
+              <a:rPr lang="en-US" dirty="0"/>
+              <a:t>Most Popular terms in iPhone X tweets</a:t>
+            </a:r>
+          </a:p>
+          <a:p>
+            <a:pPr lvl="2"/>
+            <a:r>
+              <a:rPr lang="en-US" dirty="0"/>
+              <a:t>‘</a:t>
+            </a:r>
+            <a:r>
+              <a:rPr lang="en-US" dirty="0" err="1"/>
+              <a:t>Iphone</a:t>
+            </a:r>
+            <a:r>
+              <a:rPr lang="en-US" dirty="0"/>
+              <a:t>’, ‘giveaway’, ‘post’, ‘notification’, ‘</a:t>
+            </a:r>
+            <a:r>
+              <a:rPr lang="en-US" dirty="0" err="1"/>
+              <a:t>lang</a:t>
+            </a:r>
+            <a:r>
+              <a:rPr lang="en-US" dirty="0"/>
+              <a:t>’, ‘para’</a:t>
+            </a:r>
+          </a:p>
+          <a:p>
+            <a:pPr lvl="2"/>
+            <a:endParaRPr lang="en-US" dirty="0"/>
+          </a:p>
+          <a:p>
+            <a:pPr lvl="1"/>
+            <a:r>
+              <a:rPr lang="en-US" dirty="0"/>
+              <a:t>After data cleaning, the python package genism topic analysis showed an optimal number of topics at 3.</a:t>
+            </a:r>
+          </a:p>
+          <a:p>
+            <a:pPr lvl="1"/>
+            <a:r>
+              <a:rPr lang="en-US" dirty="0"/>
+              <a:t>Topics were broken down into:</a:t>
+            </a:r>
+          </a:p>
+          <a:p>
+            <a:pPr lvl="2"/>
+            <a:r>
+              <a:rPr lang="en-US" dirty="0"/>
+              <a:t>Life, living and social media</a:t>
+            </a:r>
+          </a:p>
+          <a:p>
+            <a:pPr lvl="2"/>
+            <a:r>
+              <a:rPr lang="en-US" dirty="0"/>
+              <a:t>Photography</a:t>
+            </a:r>
+          </a:p>
+          <a:p>
+            <a:pPr lvl="2"/>
+            <a:r>
+              <a:rPr lang="en-US" dirty="0"/>
+              <a:t>Prize contests and giveaways</a:t>
+            </a:r>
+          </a:p>
+        </p:txBody>
+      </p:sp>
+    </p:spTree>
+    <p:extLst>
+      <p:ext uri="{BB962C8B-B14F-4D97-AF65-F5344CB8AC3E}">
+        <p14:creationId xmlns:p14="http://schemas.microsoft.com/office/powerpoint/2010/main" val="1327217345"/>
+      </p:ext>
+    </p:extLst>
+  </p:cSld>
+  <p:clrMapOvr>
+    <a:masterClrMapping/>
+  </p:clrMapOvr>
+</p:sld>
+</file>
+
+<file path=ppt/slides/slide8.xml><?xml version="1.0" encoding="utf-8"?>
+<p:sld xmlns:a="http://schemas.openxmlformats.org/drawingml/2006/main" xmlns:r="http://schemas.openxmlformats.org/officeDocument/2006/relationships" xmlns:p="http://schemas.openxmlformats.org/presentationml/2006/main">
+  <p:cSld>
+    <p:spTree>
+      <p:nvGrpSpPr>
+        <p:cNvPr id="1" name=""/>
+        <p:cNvGrpSpPr/>
+        <p:nvPr/>
+      </p:nvGrpSpPr>
+      <p:grpSpPr>
+        <a:xfrm>
+          <a:off x="0" y="0"/>
+          <a:ext cx="0" cy="0"/>
+          <a:chOff x="0" y="0"/>
+          <a:chExt cx="0" cy="0"/>
+        </a:xfrm>
+      </p:grpSpPr>
+      <p:sp>
+        <p:nvSpPr>
+          <p:cNvPr id="2" name="Title 1">
+            <a:extLst>
+              <a:ext uri="{FF2B5EF4-FFF2-40B4-BE49-F238E27FC236}">
                 <a16:creationId xmlns:a16="http://schemas.microsoft.com/office/drawing/2014/main" id="{EF68FF24-76FE-4E4F-972D-4CD0DEE5E189}"/>
               </a:ext>
             </a:extLst>
@@ -8808,7 +14659,7 @@
           <a:p>
             <a:r>
               <a:rPr lang="en-US" dirty="0"/>
-              <a:t>iPhone X Content Network Analysis Findings</a:t>
+              <a:t>iPhone X Network Analysis Findings</a:t>
             </a:r>
           </a:p>
         </p:txBody>
@@ -9239,183 +15090,6 @@
 </p:sld>
 </file>
 
-<file path=ppt/slides/slide8.xml><?xml version="1.0" encoding="utf-8"?>
-<p:sld xmlns:a="http://schemas.openxmlformats.org/drawingml/2006/main" xmlns:r="http://schemas.openxmlformats.org/officeDocument/2006/relationships" xmlns:p="http://schemas.openxmlformats.org/presentationml/2006/main">
-  <p:cSld>
-    <p:spTree>
-      <p:nvGrpSpPr>
-        <p:cNvPr id="1" name=""/>
-        <p:cNvGrpSpPr/>
-        <p:nvPr/>
-      </p:nvGrpSpPr>
-      <p:grpSpPr>
-        <a:xfrm>
-          <a:off x="0" y="0"/>
-          <a:ext cx="0" cy="0"/>
-          <a:chOff x="0" y="0"/>
-          <a:chExt cx="0" cy="0"/>
-        </a:xfrm>
-      </p:grpSpPr>
-      <p:sp>
-        <p:nvSpPr>
-          <p:cNvPr id="2" name="Title 1">
-            <a:extLst>
-              <a:ext uri="{FF2B5EF4-FFF2-40B4-BE49-F238E27FC236}">
-                <a16:creationId xmlns:a16="http://schemas.microsoft.com/office/drawing/2014/main" id="{0BCED554-BEF2-4430-B80A-4B5BC53AE7D5}"/>
-              </a:ext>
-            </a:extLst>
-          </p:cNvPr>
-          <p:cNvSpPr>
-            <a:spLocks noGrp="1"/>
-          </p:cNvSpPr>
-          <p:nvPr>
-            <p:ph type="title"/>
-          </p:nvPr>
-        </p:nvSpPr>
-        <p:spPr/>
-        <p:txBody>
-          <a:bodyPr/>
-          <a:lstStyle/>
-          <a:p>
-            <a:r>
-              <a:rPr lang="en-US" dirty="0"/>
-              <a:t>Galaxy S9 Descriptive Analytics Important Findings</a:t>
-            </a:r>
-          </a:p>
-        </p:txBody>
-      </p:sp>
-      <p:sp>
-        <p:nvSpPr>
-          <p:cNvPr id="3" name="Content Placeholder 2">
-            <a:extLst>
-              <a:ext uri="{FF2B5EF4-FFF2-40B4-BE49-F238E27FC236}">
-                <a16:creationId xmlns:a16="http://schemas.microsoft.com/office/drawing/2014/main" id="{0E04A5A6-8F6C-43EB-A5CE-97699DC3DFFA}"/>
-              </a:ext>
-            </a:extLst>
-          </p:cNvPr>
-          <p:cNvSpPr>
-            <a:spLocks noGrp="1"/>
-          </p:cNvSpPr>
-          <p:nvPr>
-            <p:ph sz="half" idx="1"/>
-          </p:nvPr>
-        </p:nvSpPr>
-        <p:spPr/>
-        <p:txBody>
-          <a:bodyPr/>
-          <a:lstStyle/>
-          <a:p>
-            <a:r>
-              <a:rPr lang="en-US" dirty="0"/>
-              <a:t>8,168 Total tweets</a:t>
-            </a:r>
-          </a:p>
-          <a:p>
-            <a:r>
-              <a:rPr lang="en-US" dirty="0"/>
-              <a:t>6,169 Unique users</a:t>
-            </a:r>
-          </a:p>
-          <a:p>
-            <a:r>
-              <a:rPr lang="en-US" dirty="0"/>
-              <a:t>4,374 Original Tweets</a:t>
-            </a:r>
-          </a:p>
-          <a:p>
-            <a:r>
-              <a:rPr lang="en-US" dirty="0"/>
-              <a:t>3,793 Retweets</a:t>
-            </a:r>
-          </a:p>
-          <a:p>
-            <a:r>
-              <a:rPr lang="en-US" dirty="0"/>
-              <a:t>7,642 User Mentions</a:t>
-            </a:r>
-          </a:p>
-          <a:p>
-            <a:r>
-              <a:rPr lang="en-US" dirty="0"/>
-              <a:t>4,231 URLs</a:t>
-            </a:r>
-          </a:p>
-          <a:p>
-            <a:r>
-              <a:rPr lang="en-US" dirty="0"/>
-              <a:t>6,996 Hashtags</a:t>
-            </a:r>
-          </a:p>
-          <a:p>
-            <a:endParaRPr lang="en-US" dirty="0"/>
-          </a:p>
-        </p:txBody>
-      </p:sp>
-      <p:sp>
-        <p:nvSpPr>
-          <p:cNvPr id="4" name="Content Placeholder 3">
-            <a:extLst>
-              <a:ext uri="{FF2B5EF4-FFF2-40B4-BE49-F238E27FC236}">
-                <a16:creationId xmlns:a16="http://schemas.microsoft.com/office/drawing/2014/main" id="{D9946D00-9E3E-4AA6-8174-9D892D398FFB}"/>
-              </a:ext>
-            </a:extLst>
-          </p:cNvPr>
-          <p:cNvSpPr>
-            <a:spLocks noGrp="1"/>
-          </p:cNvSpPr>
-          <p:nvPr>
-            <p:ph sz="half" idx="2"/>
-          </p:nvPr>
-        </p:nvSpPr>
-        <p:spPr/>
-        <p:txBody>
-          <a:bodyPr/>
-          <a:lstStyle/>
-          <a:p>
-            <a:r>
-              <a:rPr lang="en-US" dirty="0"/>
-              <a:t>1.3 Avg. tweets Per User</a:t>
-            </a:r>
-          </a:p>
-          <a:p>
-            <a:r>
-              <a:rPr lang="en-US" dirty="0"/>
-              <a:t>0.94 User Mentions per tweet</a:t>
-            </a:r>
-          </a:p>
-          <a:p>
-            <a:r>
-              <a:rPr lang="en-US" dirty="0"/>
-              <a:t>0.52 URLs per tweet</a:t>
-            </a:r>
-          </a:p>
-          <a:p>
-            <a:r>
-              <a:rPr lang="en-US" dirty="0"/>
-              <a:t>0.86 Hashtags per tweet</a:t>
-            </a:r>
-          </a:p>
-          <a:p>
-            <a:endParaRPr lang="en-US" dirty="0"/>
-          </a:p>
-          <a:p>
-            <a:endParaRPr lang="en-US" dirty="0"/>
-          </a:p>
-        </p:txBody>
-      </p:sp>
-    </p:spTree>
-    <p:extLst>
-      <p:ext uri="{BB962C8B-B14F-4D97-AF65-F5344CB8AC3E}">
-        <p14:creationId xmlns:p14="http://schemas.microsoft.com/office/powerpoint/2010/main" val="1422114397"/>
-      </p:ext>
-    </p:extLst>
-  </p:cSld>
-  <p:clrMapOvr>
-    <a:masterClrMapping/>
-  </p:clrMapOvr>
-</p:sld>
-</file>
-
 <file path=ppt/slides/slide9.xml><?xml version="1.0" encoding="utf-8"?>
 <p:sld xmlns:a="http://schemas.openxmlformats.org/drawingml/2006/main" xmlns:r="http://schemas.openxmlformats.org/officeDocument/2006/relationships" xmlns:p="http://schemas.openxmlformats.org/presentationml/2006/main">
   <p:cSld>
@@ -9435,10 +15109,10 @@
       </p:grpSpPr>
       <p:sp>
         <p:nvSpPr>
-          <p:cNvPr id="2" name="Title 1">
+          <p:cNvPr id="5" name="Title 4">
             <a:extLst>
               <a:ext uri="{FF2B5EF4-FFF2-40B4-BE49-F238E27FC236}">
-                <a16:creationId xmlns:a16="http://schemas.microsoft.com/office/drawing/2014/main" id="{995BD24F-C368-488E-9FD6-89D0162311C6}"/>
+                <a16:creationId xmlns:a16="http://schemas.microsoft.com/office/drawing/2014/main" id="{CE1611FE-A0A3-4BBC-BBE4-A30E0A9FFEE1}"/>
               </a:ext>
             </a:extLst>
           </p:cNvPr>
@@ -9446,115 +15120,23 @@
             <a:spLocks noGrp="1"/>
           </p:cNvSpPr>
           <p:nvPr>
-            <p:ph type="title"/>
-          </p:nvPr>
-        </p:nvSpPr>
-        <p:spPr/>
+            <p:ph type="ctrTitle"/>
+          </p:nvPr>
+        </p:nvSpPr>
+        <p:spPr>
+          <a:xfrm>
+            <a:off x="1337835" y="2770992"/>
+            <a:ext cx="8825658" cy="1037216"/>
+          </a:xfrm>
+        </p:spPr>
         <p:txBody>
           <a:bodyPr/>
           <a:lstStyle/>
           <a:p>
+            <a:pPr algn="ctr"/>
             <a:r>
               <a:rPr lang="en-US" dirty="0"/>
-              <a:t>Galaxy S9 Content Analytics Findings</a:t>
-            </a:r>
-          </a:p>
-        </p:txBody>
-      </p:sp>
-      <p:sp>
-        <p:nvSpPr>
-          <p:cNvPr id="3" name="Content Placeholder 2">
-            <a:extLst>
-              <a:ext uri="{FF2B5EF4-FFF2-40B4-BE49-F238E27FC236}">
-                <a16:creationId xmlns:a16="http://schemas.microsoft.com/office/drawing/2014/main" id="{AD505CAA-D10D-431F-844C-45EECC8D1B3A}"/>
-              </a:ext>
-            </a:extLst>
-          </p:cNvPr>
-          <p:cNvSpPr>
-            <a:spLocks noGrp="1"/>
-          </p:cNvSpPr>
-          <p:nvPr>
-            <p:ph idx="1"/>
-          </p:nvPr>
-        </p:nvSpPr>
-        <p:spPr/>
-        <p:txBody>
-          <a:bodyPr/>
-          <a:lstStyle/>
-          <a:p>
-            <a:pPr lvl="1"/>
-            <a:r>
-              <a:rPr lang="en-US" dirty="0"/>
-              <a:t>Most Popular terms in iPhone X tweets</a:t>
-            </a:r>
-          </a:p>
-          <a:p>
-            <a:pPr lvl="2"/>
-            <a:r>
-              <a:rPr lang="en-US" dirty="0"/>
-              <a:t>‘galaxy’, ‘</a:t>
-            </a:r>
-            <a:r>
-              <a:rPr lang="en-US" dirty="0" err="1"/>
-              <a:t>samsung</a:t>
-            </a:r>
-            <a:r>
-              <a:rPr lang="en-US" dirty="0"/>
-              <a:t>’, ‘plus’, ‘case’, ‘giveaway’, ‘new’</a:t>
-            </a:r>
-          </a:p>
-          <a:p>
-            <a:pPr lvl="2"/>
-            <a:endParaRPr lang="en-US" dirty="0"/>
-          </a:p>
-          <a:p>
-            <a:pPr lvl="1"/>
-            <a:r>
-              <a:rPr lang="en-US" dirty="0"/>
-              <a:t>After data cleaning, the python package genism topic analysis showed an optimal number of topics at 4.</a:t>
-            </a:r>
-          </a:p>
-          <a:p>
-            <a:pPr lvl="1"/>
-            <a:r>
-              <a:rPr lang="en-US" dirty="0"/>
-              <a:t>Topics were broken down into:</a:t>
-            </a:r>
-          </a:p>
-          <a:p>
-            <a:pPr lvl="2"/>
-            <a:r>
-              <a:rPr lang="en-US" dirty="0"/>
-              <a:t>Samsung Galaxy giveaway</a:t>
-            </a:r>
-          </a:p>
-          <a:p>
-            <a:pPr lvl="2"/>
-            <a:r>
-              <a:rPr lang="en-US" dirty="0"/>
-              <a:t>Galaxy S9 video.  The slow motion video mode is a popular feature.</a:t>
-            </a:r>
-          </a:p>
-          <a:p>
-            <a:pPr lvl="2"/>
-            <a:r>
-              <a:rPr lang="en-US" dirty="0"/>
-              <a:t>Galaxy S9 comparison to </a:t>
-            </a:r>
-            <a:r>
-              <a:rPr lang="en-US" dirty="0" err="1"/>
-              <a:t>Huwaei</a:t>
-            </a:r>
-            <a:r>
-              <a:rPr lang="en-US" dirty="0"/>
-              <a:t> P20 Pro phone</a:t>
-            </a:r>
-          </a:p>
-          <a:p>
-            <a:pPr lvl="2"/>
-            <a:r>
-              <a:rPr lang="en-US" dirty="0"/>
-              <a:t>Galaxy S9 AR Emoji feature.</a:t>
+              <a:t>Galaxy S9 Analysis</a:t>
             </a:r>
           </a:p>
         </p:txBody>
@@ -9562,7 +15144,7 @@
     </p:spTree>
     <p:extLst>
       <p:ext uri="{BB962C8B-B14F-4D97-AF65-F5344CB8AC3E}">
-        <p14:creationId xmlns:p14="http://schemas.microsoft.com/office/powerpoint/2010/main" val="2270864307"/>
+        <p14:creationId xmlns:p14="http://schemas.microsoft.com/office/powerpoint/2010/main" val="3565333814"/>
       </p:ext>
     </p:extLst>
   </p:cSld>
